--- a/doc/designDoc.pptx
+++ b/doc/designDoc.pptx
@@ -6,7 +6,8 @@
   </p:sldMasterIdLst>
   <p:sldIdLst>
     <p:sldId id="256" r:id="rId2"/>
-    <p:sldId id="257" r:id="rId3"/>
+    <p:sldId id="258" r:id="rId3"/>
+    <p:sldId id="257" r:id="rId4"/>
   </p:sldIdLst>
   <p:sldSz cx="12192000" cy="6858000"/>
   <p:notesSz cx="6858000" cy="9144000"/>
@@ -105,6 +106,11 @@
       </a:defRPr>
     </a:lvl9pPr>
   </p:defaultTextStyle>
+  <p:extLst>
+    <p:ext uri="{EFAFB233-063F-42B5-8137-9DF3F51BA10A}">
+      <p15:sldGuideLst xmlns:p15="http://schemas.microsoft.com/office/powerpoint/2012/main"/>
+    </p:ext>
+  </p:extLst>
 </p:presentation>
 </file>
 
@@ -257,7 +263,7 @@
           <a:p>
             <a:fld id="{478FE37C-4760-4CCB-A8C8-82BFD3D78224}" type="datetimeFigureOut">
               <a:rPr lang="en-SG" smtClean="0"/>
-              <a:t>29/2/2024</a:t>
+              <a:t>2/3/2024</a:t>
             </a:fld>
             <a:endParaRPr lang="en-SG"/>
           </a:p>
@@ -457,7 +463,7 @@
           <a:p>
             <a:fld id="{478FE37C-4760-4CCB-A8C8-82BFD3D78224}" type="datetimeFigureOut">
               <a:rPr lang="en-SG" smtClean="0"/>
-              <a:t>29/2/2024</a:t>
+              <a:t>2/3/2024</a:t>
             </a:fld>
             <a:endParaRPr lang="en-SG"/>
           </a:p>
@@ -667,7 +673,7 @@
           <a:p>
             <a:fld id="{478FE37C-4760-4CCB-A8C8-82BFD3D78224}" type="datetimeFigureOut">
               <a:rPr lang="en-SG" smtClean="0"/>
-              <a:t>29/2/2024</a:t>
+              <a:t>2/3/2024</a:t>
             </a:fld>
             <a:endParaRPr lang="en-SG"/>
           </a:p>
@@ -867,7 +873,7 @@
           <a:p>
             <a:fld id="{478FE37C-4760-4CCB-A8C8-82BFD3D78224}" type="datetimeFigureOut">
               <a:rPr lang="en-SG" smtClean="0"/>
-              <a:t>29/2/2024</a:t>
+              <a:t>2/3/2024</a:t>
             </a:fld>
             <a:endParaRPr lang="en-SG"/>
           </a:p>
@@ -1143,7 +1149,7 @@
           <a:p>
             <a:fld id="{478FE37C-4760-4CCB-A8C8-82BFD3D78224}" type="datetimeFigureOut">
               <a:rPr lang="en-SG" smtClean="0"/>
-              <a:t>29/2/2024</a:t>
+              <a:t>2/3/2024</a:t>
             </a:fld>
             <a:endParaRPr lang="en-SG"/>
           </a:p>
@@ -1411,7 +1417,7 @@
           <a:p>
             <a:fld id="{478FE37C-4760-4CCB-A8C8-82BFD3D78224}" type="datetimeFigureOut">
               <a:rPr lang="en-SG" smtClean="0"/>
-              <a:t>29/2/2024</a:t>
+              <a:t>2/3/2024</a:t>
             </a:fld>
             <a:endParaRPr lang="en-SG"/>
           </a:p>
@@ -1826,7 +1832,7 @@
           <a:p>
             <a:fld id="{478FE37C-4760-4CCB-A8C8-82BFD3D78224}" type="datetimeFigureOut">
               <a:rPr lang="en-SG" smtClean="0"/>
-              <a:t>29/2/2024</a:t>
+              <a:t>2/3/2024</a:t>
             </a:fld>
             <a:endParaRPr lang="en-SG"/>
           </a:p>
@@ -1968,7 +1974,7 @@
           <a:p>
             <a:fld id="{478FE37C-4760-4CCB-A8C8-82BFD3D78224}" type="datetimeFigureOut">
               <a:rPr lang="en-SG" smtClean="0"/>
-              <a:t>29/2/2024</a:t>
+              <a:t>2/3/2024</a:t>
             </a:fld>
             <a:endParaRPr lang="en-SG"/>
           </a:p>
@@ -2081,7 +2087,7 @@
           <a:p>
             <a:fld id="{478FE37C-4760-4CCB-A8C8-82BFD3D78224}" type="datetimeFigureOut">
               <a:rPr lang="en-SG" smtClean="0"/>
-              <a:t>29/2/2024</a:t>
+              <a:t>2/3/2024</a:t>
             </a:fld>
             <a:endParaRPr lang="en-SG"/>
           </a:p>
@@ -2394,7 +2400,7 @@
           <a:p>
             <a:fld id="{478FE37C-4760-4CCB-A8C8-82BFD3D78224}" type="datetimeFigureOut">
               <a:rPr lang="en-SG" smtClean="0"/>
-              <a:t>29/2/2024</a:t>
+              <a:t>2/3/2024</a:t>
             </a:fld>
             <a:endParaRPr lang="en-SG"/>
           </a:p>
@@ -2683,7 +2689,7 @@
           <a:p>
             <a:fld id="{478FE37C-4760-4CCB-A8C8-82BFD3D78224}" type="datetimeFigureOut">
               <a:rPr lang="en-SG" smtClean="0"/>
-              <a:t>29/2/2024</a:t>
+              <a:t>2/3/2024</a:t>
             </a:fld>
             <a:endParaRPr lang="en-SG"/>
           </a:p>
@@ -2926,7 +2932,7 @@
           <a:p>
             <a:fld id="{478FE37C-4760-4CCB-A8C8-82BFD3D78224}" type="datetimeFigureOut">
               <a:rPr lang="en-SG" smtClean="0"/>
-              <a:t>29/2/2024</a:t>
+              <a:t>2/3/2024</a:t>
             </a:fld>
             <a:endParaRPr lang="en-SG"/>
           </a:p>
@@ -6120,6 +6126,4881 @@
 </file>
 
 <file path=ppt/slides/slide2.xml><?xml version="1.0" encoding="utf-8"?>
+<p:sld xmlns:a="http://schemas.openxmlformats.org/drawingml/2006/main" xmlns:r="http://schemas.openxmlformats.org/officeDocument/2006/relationships" xmlns:p="http://schemas.openxmlformats.org/presentationml/2006/main">
+  <p:cSld>
+    <p:spTree>
+      <p:nvGrpSpPr>
+        <p:cNvPr id="1" name="">
+          <a:extLst>
+            <a:ext uri="{FF2B5EF4-FFF2-40B4-BE49-F238E27FC236}">
+              <a16:creationId xmlns:a16="http://schemas.microsoft.com/office/drawing/2014/main" id="{FA4E3747-545D-B0BE-01CB-16EBD675708D}"/>
+            </a:ext>
+          </a:extLst>
+        </p:cNvPr>
+        <p:cNvGrpSpPr/>
+        <p:nvPr/>
+      </p:nvGrpSpPr>
+      <p:grpSpPr>
+        <a:xfrm>
+          <a:off x="0" y="0"/>
+          <a:ext cx="0" cy="0"/>
+          <a:chOff x="0" y="0"/>
+          <a:chExt cx="0" cy="0"/>
+        </a:xfrm>
+      </p:grpSpPr>
+      <p:cxnSp>
+        <p:nvCxnSpPr>
+          <p:cNvPr id="152" name="Connector: Elbow 151">
+            <a:extLst>
+              <a:ext uri="{FF2B5EF4-FFF2-40B4-BE49-F238E27FC236}">
+                <a16:creationId xmlns:a16="http://schemas.microsoft.com/office/drawing/2014/main" id="{C8D0ED49-67F3-86B7-D409-1EB22697E26E}"/>
+              </a:ext>
+            </a:extLst>
+          </p:cNvPr>
+          <p:cNvCxnSpPr>
+            <a:cxnSpLocks/>
+            <a:endCxn id="151" idx="0"/>
+          </p:cNvCxnSpPr>
+          <p:nvPr/>
+        </p:nvCxnSpPr>
+        <p:spPr>
+          <a:xfrm rot="16200000" flipH="1">
+            <a:off x="5010808" y="2294932"/>
+            <a:ext cx="4885192" cy="2434470"/>
+          </a:xfrm>
+          <a:prstGeom prst="bentConnector3">
+            <a:avLst>
+              <a:gd name="adj1" fmla="val 87435"/>
+            </a:avLst>
+          </a:prstGeom>
+          <a:ln w="19050">
+            <a:solidFill>
+              <a:srgbClr val="00B050"/>
+            </a:solidFill>
+            <a:prstDash val="sysDash"/>
+            <a:tailEnd type="triangle"/>
+          </a:ln>
+        </p:spPr>
+        <p:style>
+          <a:lnRef idx="2">
+            <a:schemeClr val="accent1"/>
+          </a:lnRef>
+          <a:fillRef idx="0">
+            <a:schemeClr val="accent1"/>
+          </a:fillRef>
+          <a:effectRef idx="1">
+            <a:schemeClr val="accent1"/>
+          </a:effectRef>
+          <a:fontRef idx="minor">
+            <a:schemeClr val="tx1"/>
+          </a:fontRef>
+        </p:style>
+      </p:cxnSp>
+      <p:sp>
+        <p:nvSpPr>
+          <p:cNvPr id="38" name="Rectangle 37">
+            <a:extLst>
+              <a:ext uri="{FF2B5EF4-FFF2-40B4-BE49-F238E27FC236}">
+                <a16:creationId xmlns:a16="http://schemas.microsoft.com/office/drawing/2014/main" id="{E996E839-8A4A-389E-A493-CEDD42BBB3CF}"/>
+              </a:ext>
+            </a:extLst>
+          </p:cNvPr>
+          <p:cNvSpPr/>
+          <p:nvPr/>
+        </p:nvSpPr>
+        <p:spPr>
+          <a:xfrm>
+            <a:off x="2294011" y="2064495"/>
+            <a:ext cx="113211" cy="104503"/>
+          </a:xfrm>
+          <a:prstGeom prst="rect">
+            <a:avLst/>
+          </a:prstGeom>
+        </p:spPr>
+        <p:style>
+          <a:lnRef idx="2">
+            <a:schemeClr val="accent1">
+              <a:shade val="15000"/>
+            </a:schemeClr>
+          </a:lnRef>
+          <a:fillRef idx="1">
+            <a:schemeClr val="accent1"/>
+          </a:fillRef>
+          <a:effectRef idx="0">
+            <a:schemeClr val="accent1"/>
+          </a:effectRef>
+          <a:fontRef idx="minor">
+            <a:schemeClr val="lt1"/>
+          </a:fontRef>
+        </p:style>
+        <p:txBody>
+          <a:bodyPr rtlCol="0" anchor="ctr"/>
+          <a:lstStyle/>
+          <a:p>
+            <a:pPr algn="ctr"/>
+            <a:endParaRPr lang="en-SG"/>
+          </a:p>
+        </p:txBody>
+      </p:sp>
+      <p:sp>
+        <p:nvSpPr>
+          <p:cNvPr id="32" name="Rectangle 31">
+            <a:extLst>
+              <a:ext uri="{FF2B5EF4-FFF2-40B4-BE49-F238E27FC236}">
+                <a16:creationId xmlns:a16="http://schemas.microsoft.com/office/drawing/2014/main" id="{4FBE906C-70F2-F4F0-B8C7-3314440F045C}"/>
+              </a:ext>
+            </a:extLst>
+          </p:cNvPr>
+          <p:cNvSpPr/>
+          <p:nvPr/>
+        </p:nvSpPr>
+        <p:spPr>
+          <a:xfrm>
+            <a:off x="3367735" y="2076476"/>
+            <a:ext cx="113211" cy="104503"/>
+          </a:xfrm>
+          <a:prstGeom prst="rect">
+            <a:avLst/>
+          </a:prstGeom>
+        </p:spPr>
+        <p:style>
+          <a:lnRef idx="2">
+            <a:schemeClr val="accent1">
+              <a:shade val="15000"/>
+            </a:schemeClr>
+          </a:lnRef>
+          <a:fillRef idx="1">
+            <a:schemeClr val="accent1"/>
+          </a:fillRef>
+          <a:effectRef idx="0">
+            <a:schemeClr val="accent1"/>
+          </a:effectRef>
+          <a:fontRef idx="minor">
+            <a:schemeClr val="lt1"/>
+          </a:fontRef>
+        </p:style>
+        <p:txBody>
+          <a:bodyPr rtlCol="0" anchor="ctr"/>
+          <a:lstStyle/>
+          <a:p>
+            <a:pPr algn="ctr"/>
+            <a:endParaRPr lang="en-SG"/>
+          </a:p>
+        </p:txBody>
+      </p:sp>
+      <p:pic>
+        <p:nvPicPr>
+          <p:cNvPr id="6" name="Picture 5">
+            <a:extLst>
+              <a:ext uri="{FF2B5EF4-FFF2-40B4-BE49-F238E27FC236}">
+                <a16:creationId xmlns:a16="http://schemas.microsoft.com/office/drawing/2014/main" id="{FD49C5AF-8A88-E6BE-30D9-F85EE50A3F94}"/>
+              </a:ext>
+            </a:extLst>
+          </p:cNvPr>
+          <p:cNvPicPr>
+            <a:picLocks noChangeAspect="1"/>
+          </p:cNvPicPr>
+          <p:nvPr/>
+        </p:nvPicPr>
+        <p:blipFill>
+          <a:blip r:embed="rId2"/>
+          <a:stretch>
+            <a:fillRect/>
+          </a:stretch>
+        </p:blipFill>
+        <p:spPr>
+          <a:xfrm>
+            <a:off x="4430775" y="717734"/>
+            <a:ext cx="775038" cy="891295"/>
+          </a:xfrm>
+          <a:prstGeom prst="rect">
+            <a:avLst/>
+          </a:prstGeom>
+          <a:ln w="6350">
+            <a:solidFill>
+              <a:schemeClr val="tx1"/>
+            </a:solidFill>
+          </a:ln>
+        </p:spPr>
+      </p:pic>
+      <p:pic>
+        <p:nvPicPr>
+          <p:cNvPr id="8" name="Picture 7">
+            <a:extLst>
+              <a:ext uri="{FF2B5EF4-FFF2-40B4-BE49-F238E27FC236}">
+                <a16:creationId xmlns:a16="http://schemas.microsoft.com/office/drawing/2014/main" id="{42DEBF63-ED81-1C34-329C-0D419153846C}"/>
+              </a:ext>
+            </a:extLst>
+          </p:cNvPr>
+          <p:cNvPicPr>
+            <a:picLocks noChangeAspect="1"/>
+          </p:cNvPicPr>
+          <p:nvPr/>
+        </p:nvPicPr>
+        <p:blipFill>
+          <a:blip r:embed="rId3"/>
+          <a:stretch>
+            <a:fillRect/>
+          </a:stretch>
+        </p:blipFill>
+        <p:spPr>
+          <a:xfrm>
+            <a:off x="560407" y="739864"/>
+            <a:ext cx="598564" cy="892200"/>
+          </a:xfrm>
+          <a:prstGeom prst="rect">
+            <a:avLst/>
+          </a:prstGeom>
+          <a:ln w="9525">
+            <a:solidFill>
+              <a:schemeClr val="tx1"/>
+            </a:solidFill>
+          </a:ln>
+        </p:spPr>
+      </p:pic>
+      <p:pic>
+        <p:nvPicPr>
+          <p:cNvPr id="12" name="Picture 11">
+            <a:extLst>
+              <a:ext uri="{FF2B5EF4-FFF2-40B4-BE49-F238E27FC236}">
+                <a16:creationId xmlns:a16="http://schemas.microsoft.com/office/drawing/2014/main" id="{CC8DC592-41D9-BD0C-1D25-2427F1FDD55A}"/>
+              </a:ext>
+            </a:extLst>
+          </p:cNvPr>
+          <p:cNvPicPr>
+            <a:picLocks noChangeAspect="1"/>
+          </p:cNvPicPr>
+          <p:nvPr/>
+        </p:nvPicPr>
+        <p:blipFill>
+          <a:blip r:embed="rId4"/>
+          <a:stretch>
+            <a:fillRect/>
+          </a:stretch>
+        </p:blipFill>
+        <p:spPr>
+          <a:xfrm>
+            <a:off x="2543109" y="717734"/>
+            <a:ext cx="772983" cy="891296"/>
+          </a:xfrm>
+          <a:prstGeom prst="rect">
+            <a:avLst/>
+          </a:prstGeom>
+          <a:ln w="9525">
+            <a:solidFill>
+              <a:schemeClr val="tx1"/>
+            </a:solidFill>
+          </a:ln>
+        </p:spPr>
+      </p:pic>
+      <p:sp>
+        <p:nvSpPr>
+          <p:cNvPr id="13" name="TextBox 12">
+            <a:extLst>
+              <a:ext uri="{FF2B5EF4-FFF2-40B4-BE49-F238E27FC236}">
+                <a16:creationId xmlns:a16="http://schemas.microsoft.com/office/drawing/2014/main" id="{71C4ECB9-C616-96AC-B762-943D4E224C25}"/>
+              </a:ext>
+            </a:extLst>
+          </p:cNvPr>
+          <p:cNvSpPr txBox="1"/>
+          <p:nvPr/>
+        </p:nvSpPr>
+        <p:spPr>
+          <a:xfrm>
+            <a:off x="1161659" y="716604"/>
+            <a:ext cx="1399269" cy="938719"/>
+          </a:xfrm>
+          <a:prstGeom prst="rect">
+            <a:avLst/>
+          </a:prstGeom>
+          <a:noFill/>
+        </p:spPr>
+        <p:txBody>
+          <a:bodyPr wrap="square" rtlCol="0">
+            <a:spAutoFit/>
+          </a:bodyPr>
+          <a:lstStyle/>
+          <a:p>
+            <a:r>
+              <a:rPr lang="en-US" sz="1100" b="1" i="0" dirty="0">
+                <a:solidFill>
+                  <a:srgbClr val="111111"/>
+                </a:solidFill>
+                <a:effectLst/>
+              </a:rPr>
+              <a:t>Structured Threat Information Expression (STIX) Attack flow report</a:t>
+            </a:r>
+            <a:endParaRPr lang="en-SG" sz="1100" b="1" dirty="0"/>
+          </a:p>
+        </p:txBody>
+      </p:sp>
+      <p:sp>
+        <p:nvSpPr>
+          <p:cNvPr id="14" name="TextBox 13">
+            <a:extLst>
+              <a:ext uri="{FF2B5EF4-FFF2-40B4-BE49-F238E27FC236}">
+                <a16:creationId xmlns:a16="http://schemas.microsoft.com/office/drawing/2014/main" id="{4BC4C620-0C5B-9FC4-C602-42B5D3C5106C}"/>
+              </a:ext>
+            </a:extLst>
+          </p:cNvPr>
+          <p:cNvSpPr txBox="1"/>
+          <p:nvPr/>
+        </p:nvSpPr>
+        <p:spPr>
+          <a:xfrm>
+            <a:off x="3316092" y="670311"/>
+            <a:ext cx="1274896" cy="938719"/>
+          </a:xfrm>
+          <a:prstGeom prst="rect">
+            <a:avLst/>
+          </a:prstGeom>
+          <a:noFill/>
+        </p:spPr>
+        <p:txBody>
+          <a:bodyPr wrap="square" rtlCol="0">
+            <a:spAutoFit/>
+          </a:bodyPr>
+          <a:lstStyle/>
+          <a:p>
+            <a:r>
+              <a:rPr lang="en-US" sz="1100" b="1" dirty="0"/>
+              <a:t>Human Language attack/thread scenario description </a:t>
+            </a:r>
+            <a:endParaRPr lang="en-SG" sz="1100" b="1" dirty="0"/>
+          </a:p>
+        </p:txBody>
+      </p:sp>
+      <p:sp>
+        <p:nvSpPr>
+          <p:cNvPr id="15" name="TextBox 14">
+            <a:extLst>
+              <a:ext uri="{FF2B5EF4-FFF2-40B4-BE49-F238E27FC236}">
+                <a16:creationId xmlns:a16="http://schemas.microsoft.com/office/drawing/2014/main" id="{D219818A-5F01-F608-A0FC-6E47612675AE}"/>
+              </a:ext>
+            </a:extLst>
+          </p:cNvPr>
+          <p:cNvSpPr txBox="1"/>
+          <p:nvPr/>
+        </p:nvSpPr>
+        <p:spPr>
+          <a:xfrm>
+            <a:off x="5195263" y="694023"/>
+            <a:ext cx="1020816" cy="769441"/>
+          </a:xfrm>
+          <a:prstGeom prst="rect">
+            <a:avLst/>
+          </a:prstGeom>
+          <a:noFill/>
+        </p:spPr>
+        <p:txBody>
+          <a:bodyPr wrap="square" rtlCol="0">
+            <a:spAutoFit/>
+          </a:bodyPr>
+          <a:lstStyle/>
+          <a:p>
+            <a:r>
+              <a:rPr lang="en-SG" sz="1100" b="1" i="0" dirty="0">
+                <a:solidFill>
+                  <a:srgbClr val="000000"/>
+                </a:solidFill>
+                <a:effectLst/>
+              </a:rPr>
+              <a:t>Technical section contents in CTI report </a:t>
+            </a:r>
+            <a:endParaRPr lang="en-SG" sz="1100" b="1" dirty="0"/>
+          </a:p>
+        </p:txBody>
+      </p:sp>
+      <p:sp>
+        <p:nvSpPr>
+          <p:cNvPr id="24" name="Rectangle 23">
+            <a:extLst>
+              <a:ext uri="{FF2B5EF4-FFF2-40B4-BE49-F238E27FC236}">
+                <a16:creationId xmlns:a16="http://schemas.microsoft.com/office/drawing/2014/main" id="{5C7231F0-4EFB-052C-B717-5E21D42EA94F}"/>
+              </a:ext>
+            </a:extLst>
+          </p:cNvPr>
+          <p:cNvSpPr/>
+          <p:nvPr/>
+        </p:nvSpPr>
+        <p:spPr>
+          <a:xfrm>
+            <a:off x="2124310" y="2058977"/>
+            <a:ext cx="1600638" cy="418011"/>
+          </a:xfrm>
+          <a:prstGeom prst="rect">
+            <a:avLst/>
+          </a:prstGeom>
+          <a:solidFill>
+            <a:schemeClr val="accent2">
+              <a:lumMod val="40000"/>
+              <a:lumOff val="60000"/>
+            </a:schemeClr>
+          </a:solidFill>
+        </p:spPr>
+        <p:style>
+          <a:lnRef idx="2">
+            <a:schemeClr val="accent1">
+              <a:shade val="15000"/>
+            </a:schemeClr>
+          </a:lnRef>
+          <a:fillRef idx="1">
+            <a:schemeClr val="accent1"/>
+          </a:fillRef>
+          <a:effectRef idx="0">
+            <a:schemeClr val="accent1"/>
+          </a:effectRef>
+          <a:fontRef idx="minor">
+            <a:schemeClr val="lt1"/>
+          </a:fontRef>
+        </p:style>
+        <p:txBody>
+          <a:bodyPr rtlCol="0" anchor="ctr"/>
+          <a:lstStyle/>
+          <a:p>
+            <a:pPr algn="ctr"/>
+            <a:r>
+              <a:rPr lang="en-US" sz="1200" b="1" dirty="0">
+                <a:solidFill>
+                  <a:schemeClr val="tx1"/>
+                </a:solidFill>
+              </a:rPr>
+              <a:t>LLM Attack Scenario analyzer</a:t>
+            </a:r>
+            <a:endParaRPr lang="en-SG" sz="1200" b="1" dirty="0">
+              <a:solidFill>
+                <a:schemeClr val="tx1"/>
+              </a:solidFill>
+            </a:endParaRPr>
+          </a:p>
+        </p:txBody>
+      </p:sp>
+      <p:cxnSp>
+        <p:nvCxnSpPr>
+          <p:cNvPr id="26" name="Straight Arrow Connector 25">
+            <a:extLst>
+              <a:ext uri="{FF2B5EF4-FFF2-40B4-BE49-F238E27FC236}">
+                <a16:creationId xmlns:a16="http://schemas.microsoft.com/office/drawing/2014/main" id="{35123F16-7910-285A-86B1-3560430180A5}"/>
+              </a:ext>
+            </a:extLst>
+          </p:cNvPr>
+          <p:cNvCxnSpPr>
+            <a:cxnSpLocks/>
+            <a:stCxn id="12" idx="2"/>
+            <a:endCxn id="24" idx="0"/>
+          </p:cNvCxnSpPr>
+          <p:nvPr/>
+        </p:nvCxnSpPr>
+        <p:spPr>
+          <a:xfrm flipH="1">
+            <a:off x="2924629" y="1609030"/>
+            <a:ext cx="4972" cy="449947"/>
+          </a:xfrm>
+          <a:prstGeom prst="straightConnector1">
+            <a:avLst/>
+          </a:prstGeom>
+          <a:ln>
+            <a:solidFill>
+              <a:schemeClr val="accent6">
+                <a:lumMod val="75000"/>
+              </a:schemeClr>
+            </a:solidFill>
+            <a:tailEnd type="triangle"/>
+          </a:ln>
+        </p:spPr>
+        <p:style>
+          <a:lnRef idx="2">
+            <a:schemeClr val="accent1"/>
+          </a:lnRef>
+          <a:fillRef idx="0">
+            <a:schemeClr val="accent1"/>
+          </a:fillRef>
+          <a:effectRef idx="1">
+            <a:schemeClr val="accent1"/>
+          </a:effectRef>
+          <a:fontRef idx="minor">
+            <a:schemeClr val="tx1"/>
+          </a:fontRef>
+        </p:style>
+      </p:cxnSp>
+      <p:cxnSp>
+        <p:nvCxnSpPr>
+          <p:cNvPr id="28" name="Connector: Elbow 27">
+            <a:extLst>
+              <a:ext uri="{FF2B5EF4-FFF2-40B4-BE49-F238E27FC236}">
+                <a16:creationId xmlns:a16="http://schemas.microsoft.com/office/drawing/2014/main" id="{3E04E9BA-DC31-57E2-5B58-BFC6BC8DCE26}"/>
+              </a:ext>
+            </a:extLst>
+          </p:cNvPr>
+          <p:cNvCxnSpPr>
+            <a:cxnSpLocks/>
+            <a:stCxn id="6" idx="2"/>
+            <a:endCxn id="32" idx="0"/>
+          </p:cNvCxnSpPr>
+          <p:nvPr/>
+        </p:nvCxnSpPr>
+        <p:spPr>
+          <a:xfrm rot="5400000">
+            <a:off x="3887595" y="1145776"/>
+            <a:ext cx="467447" cy="1393953"/>
+          </a:xfrm>
+          <a:prstGeom prst="bentConnector3">
+            <a:avLst>
+              <a:gd name="adj1" fmla="val 50000"/>
+            </a:avLst>
+          </a:prstGeom>
+          <a:ln>
+            <a:solidFill>
+              <a:schemeClr val="accent6">
+                <a:lumMod val="75000"/>
+              </a:schemeClr>
+            </a:solidFill>
+            <a:tailEnd type="triangle"/>
+          </a:ln>
+        </p:spPr>
+        <p:style>
+          <a:lnRef idx="2">
+            <a:schemeClr val="accent1"/>
+          </a:lnRef>
+          <a:fillRef idx="0">
+            <a:schemeClr val="accent1"/>
+          </a:fillRef>
+          <a:effectRef idx="1">
+            <a:schemeClr val="accent1"/>
+          </a:effectRef>
+          <a:fontRef idx="minor">
+            <a:schemeClr val="tx1"/>
+          </a:fontRef>
+        </p:style>
+      </p:cxnSp>
+      <p:cxnSp>
+        <p:nvCxnSpPr>
+          <p:cNvPr id="39" name="Connector: Elbow 38">
+            <a:extLst>
+              <a:ext uri="{FF2B5EF4-FFF2-40B4-BE49-F238E27FC236}">
+                <a16:creationId xmlns:a16="http://schemas.microsoft.com/office/drawing/2014/main" id="{05E32467-3587-620F-75AF-BD583E87A897}"/>
+              </a:ext>
+            </a:extLst>
+          </p:cNvPr>
+          <p:cNvCxnSpPr>
+            <a:cxnSpLocks/>
+            <a:stCxn id="8" idx="2"/>
+            <a:endCxn id="38" idx="0"/>
+          </p:cNvCxnSpPr>
+          <p:nvPr/>
+        </p:nvCxnSpPr>
+        <p:spPr>
+          <a:xfrm rot="16200000" flipH="1">
+            <a:off x="1388938" y="1102815"/>
+            <a:ext cx="432431" cy="1490928"/>
+          </a:xfrm>
+          <a:prstGeom prst="bentConnector3">
+            <a:avLst>
+              <a:gd name="adj1" fmla="val 50000"/>
+            </a:avLst>
+          </a:prstGeom>
+          <a:ln>
+            <a:solidFill>
+              <a:schemeClr val="accent6">
+                <a:lumMod val="75000"/>
+              </a:schemeClr>
+            </a:solidFill>
+            <a:tailEnd type="triangle"/>
+          </a:ln>
+        </p:spPr>
+        <p:style>
+          <a:lnRef idx="2">
+            <a:schemeClr val="accent1"/>
+          </a:lnRef>
+          <a:fillRef idx="0">
+            <a:schemeClr val="accent1"/>
+          </a:fillRef>
+          <a:effectRef idx="1">
+            <a:schemeClr val="accent1"/>
+          </a:effectRef>
+          <a:fontRef idx="minor">
+            <a:schemeClr val="tx1"/>
+          </a:fontRef>
+        </p:style>
+      </p:cxnSp>
+      <p:cxnSp>
+        <p:nvCxnSpPr>
+          <p:cNvPr id="45" name="Straight Arrow Connector 44">
+            <a:extLst>
+              <a:ext uri="{FF2B5EF4-FFF2-40B4-BE49-F238E27FC236}">
+                <a16:creationId xmlns:a16="http://schemas.microsoft.com/office/drawing/2014/main" id="{571555B4-0798-52A7-BBEB-7074646A08CB}"/>
+              </a:ext>
+            </a:extLst>
+          </p:cNvPr>
+          <p:cNvCxnSpPr>
+            <a:cxnSpLocks/>
+            <a:stCxn id="24" idx="2"/>
+          </p:cNvCxnSpPr>
+          <p:nvPr/>
+        </p:nvCxnSpPr>
+        <p:spPr>
+          <a:xfrm>
+            <a:off x="2924629" y="2476988"/>
+            <a:ext cx="0" cy="376684"/>
+          </a:xfrm>
+          <a:prstGeom prst="straightConnector1">
+            <a:avLst/>
+          </a:prstGeom>
+          <a:ln>
+            <a:tailEnd type="triangle"/>
+          </a:ln>
+        </p:spPr>
+        <p:style>
+          <a:lnRef idx="2">
+            <a:schemeClr val="accent1"/>
+          </a:lnRef>
+          <a:fillRef idx="0">
+            <a:schemeClr val="accent1"/>
+          </a:fillRef>
+          <a:effectRef idx="1">
+            <a:schemeClr val="accent1"/>
+          </a:effectRef>
+          <a:fontRef idx="minor">
+            <a:schemeClr val="tx1"/>
+          </a:fontRef>
+        </p:style>
+      </p:cxnSp>
+      <p:pic>
+        <p:nvPicPr>
+          <p:cNvPr id="49" name="Picture 48">
+            <a:extLst>
+              <a:ext uri="{FF2B5EF4-FFF2-40B4-BE49-F238E27FC236}">
+                <a16:creationId xmlns:a16="http://schemas.microsoft.com/office/drawing/2014/main" id="{C7C0847E-F834-394F-E034-708114406A54}"/>
+              </a:ext>
+            </a:extLst>
+          </p:cNvPr>
+          <p:cNvPicPr>
+            <a:picLocks noChangeAspect="1"/>
+          </p:cNvPicPr>
+          <p:nvPr/>
+        </p:nvPicPr>
+        <p:blipFill>
+          <a:blip r:embed="rId5"/>
+          <a:stretch>
+            <a:fillRect/>
+          </a:stretch>
+        </p:blipFill>
+        <p:spPr>
+          <a:xfrm>
+            <a:off x="2552873" y="2880642"/>
+            <a:ext cx="765179" cy="998583"/>
+          </a:xfrm>
+          <a:prstGeom prst="rect">
+            <a:avLst/>
+          </a:prstGeom>
+          <a:ln w="12700">
+            <a:solidFill>
+              <a:schemeClr val="tx1"/>
+            </a:solidFill>
+          </a:ln>
+        </p:spPr>
+      </p:pic>
+      <p:sp>
+        <p:nvSpPr>
+          <p:cNvPr id="50" name="TextBox 49">
+            <a:extLst>
+              <a:ext uri="{FF2B5EF4-FFF2-40B4-BE49-F238E27FC236}">
+                <a16:creationId xmlns:a16="http://schemas.microsoft.com/office/drawing/2014/main" id="{B9758D33-83A9-6306-E9B9-F9D01EF14071}"/>
+              </a:ext>
+            </a:extLst>
+          </p:cNvPr>
+          <p:cNvSpPr txBox="1"/>
+          <p:nvPr/>
+        </p:nvSpPr>
+        <p:spPr>
+          <a:xfrm>
+            <a:off x="3292349" y="2631236"/>
+            <a:ext cx="1233191" cy="938719"/>
+          </a:xfrm>
+          <a:prstGeom prst="rect">
+            <a:avLst/>
+          </a:prstGeom>
+          <a:noFill/>
+        </p:spPr>
+        <p:txBody>
+          <a:bodyPr wrap="square" rtlCol="0">
+            <a:spAutoFit/>
+          </a:bodyPr>
+          <a:lstStyle/>
+          <a:p>
+            <a:r>
+              <a:rPr lang="en-US" sz="1100" b="1" dirty="0"/>
+              <a:t>Text format summary of the </a:t>
+            </a:r>
+          </a:p>
+          <a:p>
+            <a:r>
+              <a:rPr lang="en-US" sz="1100" b="1" dirty="0"/>
+              <a:t>Attack flow path in the attack scenario </a:t>
+            </a:r>
+            <a:endParaRPr lang="en-SG" sz="1100" b="1" dirty="0"/>
+          </a:p>
+        </p:txBody>
+      </p:sp>
+      <p:cxnSp>
+        <p:nvCxnSpPr>
+          <p:cNvPr id="51" name="Straight Arrow Connector 50">
+            <a:extLst>
+              <a:ext uri="{FF2B5EF4-FFF2-40B4-BE49-F238E27FC236}">
+                <a16:creationId xmlns:a16="http://schemas.microsoft.com/office/drawing/2014/main" id="{374AB44A-95E1-0FB0-796D-C538CE42A5B3}"/>
+              </a:ext>
+            </a:extLst>
+          </p:cNvPr>
+          <p:cNvCxnSpPr>
+            <a:cxnSpLocks/>
+          </p:cNvCxnSpPr>
+          <p:nvPr/>
+        </p:nvCxnSpPr>
+        <p:spPr>
+          <a:xfrm>
+            <a:off x="2924629" y="3879225"/>
+            <a:ext cx="0" cy="449076"/>
+          </a:xfrm>
+          <a:prstGeom prst="straightConnector1">
+            <a:avLst/>
+          </a:prstGeom>
+          <a:ln>
+            <a:solidFill>
+              <a:schemeClr val="accent2"/>
+            </a:solidFill>
+            <a:tailEnd type="triangle"/>
+          </a:ln>
+        </p:spPr>
+        <p:style>
+          <a:lnRef idx="2">
+            <a:schemeClr val="accent1"/>
+          </a:lnRef>
+          <a:fillRef idx="0">
+            <a:schemeClr val="accent1"/>
+          </a:fillRef>
+          <a:effectRef idx="1">
+            <a:schemeClr val="accent1"/>
+          </a:effectRef>
+          <a:fontRef idx="minor">
+            <a:schemeClr val="tx1"/>
+          </a:fontRef>
+        </p:style>
+      </p:cxnSp>
+      <p:sp>
+        <p:nvSpPr>
+          <p:cNvPr id="52" name="Rectangle 51">
+            <a:extLst>
+              <a:ext uri="{FF2B5EF4-FFF2-40B4-BE49-F238E27FC236}">
+                <a16:creationId xmlns:a16="http://schemas.microsoft.com/office/drawing/2014/main" id="{C98A2DF4-CD70-C0F4-F227-531BE01EE811}"/>
+              </a:ext>
+            </a:extLst>
+          </p:cNvPr>
+          <p:cNvSpPr/>
+          <p:nvPr/>
+        </p:nvSpPr>
+        <p:spPr>
+          <a:xfrm>
+            <a:off x="2631312" y="4328301"/>
+            <a:ext cx="1906050" cy="418011"/>
+          </a:xfrm>
+          <a:prstGeom prst="rect">
+            <a:avLst/>
+          </a:prstGeom>
+          <a:solidFill>
+            <a:schemeClr val="accent2">
+              <a:lumMod val="40000"/>
+              <a:lumOff val="60000"/>
+            </a:schemeClr>
+          </a:solidFill>
+        </p:spPr>
+        <p:style>
+          <a:lnRef idx="2">
+            <a:schemeClr val="accent1">
+              <a:shade val="15000"/>
+            </a:schemeClr>
+          </a:lnRef>
+          <a:fillRef idx="1">
+            <a:schemeClr val="accent1"/>
+          </a:fillRef>
+          <a:effectRef idx="0">
+            <a:schemeClr val="accent1"/>
+          </a:effectRef>
+          <a:fontRef idx="minor">
+            <a:schemeClr val="lt1"/>
+          </a:fontRef>
+        </p:style>
+        <p:txBody>
+          <a:bodyPr rtlCol="0" anchor="ctr"/>
+          <a:lstStyle/>
+          <a:p>
+            <a:pPr algn="ctr"/>
+            <a:r>
+              <a:rPr lang="en-US" sz="1200" b="1" dirty="0">
+                <a:solidFill>
+                  <a:schemeClr val="tx1"/>
+                </a:solidFill>
+              </a:rPr>
+              <a:t>LLM Attack behaviors analyzer</a:t>
+            </a:r>
+            <a:endParaRPr lang="en-SG" sz="1200" b="1" dirty="0">
+              <a:solidFill>
+                <a:schemeClr val="tx1"/>
+              </a:solidFill>
+            </a:endParaRPr>
+          </a:p>
+        </p:txBody>
+      </p:sp>
+      <p:sp>
+        <p:nvSpPr>
+          <p:cNvPr id="54" name="TextBox 53">
+            <a:extLst>
+              <a:ext uri="{FF2B5EF4-FFF2-40B4-BE49-F238E27FC236}">
+                <a16:creationId xmlns:a16="http://schemas.microsoft.com/office/drawing/2014/main" id="{F75689FC-9556-D455-8EF9-BC0BFA7B4FE0}"/>
+              </a:ext>
+            </a:extLst>
+          </p:cNvPr>
+          <p:cNvSpPr txBox="1"/>
+          <p:nvPr/>
+        </p:nvSpPr>
+        <p:spPr>
+          <a:xfrm>
+            <a:off x="5038294" y="3947196"/>
+            <a:ext cx="1403892" cy="261610"/>
+          </a:xfrm>
+          <a:prstGeom prst="rect">
+            <a:avLst/>
+          </a:prstGeom>
+          <a:ln>
+            <a:solidFill>
+              <a:srgbClr val="C00000"/>
+            </a:solidFill>
+          </a:ln>
+        </p:spPr>
+        <p:style>
+          <a:lnRef idx="2">
+            <a:schemeClr val="accent2"/>
+          </a:lnRef>
+          <a:fillRef idx="1">
+            <a:schemeClr val="lt1"/>
+          </a:fillRef>
+          <a:effectRef idx="0">
+            <a:schemeClr val="accent2"/>
+          </a:effectRef>
+          <a:fontRef idx="minor">
+            <a:schemeClr val="dk1"/>
+          </a:fontRef>
+        </p:style>
+        <p:txBody>
+          <a:bodyPr wrap="square" rtlCol="0">
+            <a:spAutoFit/>
+          </a:bodyPr>
+          <a:lstStyle/>
+          <a:p>
+            <a:r>
+              <a:rPr lang="en-US" sz="1100" b="1" dirty="0">
+                <a:solidFill>
+                  <a:srgbClr val="C00000"/>
+                </a:solidFill>
+              </a:rPr>
+              <a:t>Attack behavior 01</a:t>
+            </a:r>
+            <a:endParaRPr lang="en-SG" sz="1100" b="1" dirty="0">
+              <a:solidFill>
+                <a:srgbClr val="C00000"/>
+              </a:solidFill>
+            </a:endParaRPr>
+          </a:p>
+        </p:txBody>
+      </p:sp>
+      <p:sp>
+        <p:nvSpPr>
+          <p:cNvPr id="55" name="TextBox 54">
+            <a:extLst>
+              <a:ext uri="{FF2B5EF4-FFF2-40B4-BE49-F238E27FC236}">
+                <a16:creationId xmlns:a16="http://schemas.microsoft.com/office/drawing/2014/main" id="{87C271C9-41E7-1BBD-019C-FDB2DBF96DD6}"/>
+              </a:ext>
+            </a:extLst>
+          </p:cNvPr>
+          <p:cNvSpPr txBox="1"/>
+          <p:nvPr/>
+        </p:nvSpPr>
+        <p:spPr>
+          <a:xfrm>
+            <a:off x="5053005" y="4289483"/>
+            <a:ext cx="1403892" cy="261610"/>
+          </a:xfrm>
+          <a:prstGeom prst="rect">
+            <a:avLst/>
+          </a:prstGeom>
+          <a:ln>
+            <a:solidFill>
+              <a:srgbClr val="C00000"/>
+            </a:solidFill>
+          </a:ln>
+        </p:spPr>
+        <p:style>
+          <a:lnRef idx="2">
+            <a:schemeClr val="accent2"/>
+          </a:lnRef>
+          <a:fillRef idx="1">
+            <a:schemeClr val="lt1"/>
+          </a:fillRef>
+          <a:effectRef idx="0">
+            <a:schemeClr val="accent2"/>
+          </a:effectRef>
+          <a:fontRef idx="minor">
+            <a:schemeClr val="dk1"/>
+          </a:fontRef>
+        </p:style>
+        <p:txBody>
+          <a:bodyPr wrap="square" rtlCol="0">
+            <a:spAutoFit/>
+          </a:bodyPr>
+          <a:lstStyle/>
+          <a:p>
+            <a:r>
+              <a:rPr lang="en-US" sz="1100" b="1" dirty="0">
+                <a:solidFill>
+                  <a:srgbClr val="C00000"/>
+                </a:solidFill>
+              </a:rPr>
+              <a:t>Attack behavior 02</a:t>
+            </a:r>
+            <a:endParaRPr lang="en-SG" sz="1100" b="1" dirty="0">
+              <a:solidFill>
+                <a:srgbClr val="C00000"/>
+              </a:solidFill>
+            </a:endParaRPr>
+          </a:p>
+        </p:txBody>
+      </p:sp>
+      <p:sp>
+        <p:nvSpPr>
+          <p:cNvPr id="56" name="TextBox 55">
+            <a:extLst>
+              <a:ext uri="{FF2B5EF4-FFF2-40B4-BE49-F238E27FC236}">
+                <a16:creationId xmlns:a16="http://schemas.microsoft.com/office/drawing/2014/main" id="{2AEEC7CD-82B3-7662-27BF-ABEC97DA5A79}"/>
+              </a:ext>
+            </a:extLst>
+          </p:cNvPr>
+          <p:cNvSpPr txBox="1"/>
+          <p:nvPr/>
+        </p:nvSpPr>
+        <p:spPr>
+          <a:xfrm>
+            <a:off x="5075760" y="4757307"/>
+            <a:ext cx="1403892" cy="261610"/>
+          </a:xfrm>
+          <a:prstGeom prst="rect">
+            <a:avLst/>
+          </a:prstGeom>
+          <a:ln>
+            <a:solidFill>
+              <a:srgbClr val="C00000"/>
+            </a:solidFill>
+          </a:ln>
+        </p:spPr>
+        <p:style>
+          <a:lnRef idx="2">
+            <a:schemeClr val="accent2"/>
+          </a:lnRef>
+          <a:fillRef idx="1">
+            <a:schemeClr val="lt1"/>
+          </a:fillRef>
+          <a:effectRef idx="0">
+            <a:schemeClr val="accent2"/>
+          </a:effectRef>
+          <a:fontRef idx="minor">
+            <a:schemeClr val="dk1"/>
+          </a:fontRef>
+        </p:style>
+        <p:txBody>
+          <a:bodyPr wrap="square" rtlCol="0">
+            <a:spAutoFit/>
+          </a:bodyPr>
+          <a:lstStyle/>
+          <a:p>
+            <a:r>
+              <a:rPr lang="en-US" sz="1100" b="1" dirty="0">
+                <a:solidFill>
+                  <a:srgbClr val="C00000"/>
+                </a:solidFill>
+              </a:rPr>
+              <a:t>Attack behavior N</a:t>
+            </a:r>
+            <a:endParaRPr lang="en-SG" sz="1100" b="1" dirty="0">
+              <a:solidFill>
+                <a:srgbClr val="C00000"/>
+              </a:solidFill>
+            </a:endParaRPr>
+          </a:p>
+        </p:txBody>
+      </p:sp>
+      <p:sp>
+        <p:nvSpPr>
+          <p:cNvPr id="57" name="TextBox 56">
+            <a:extLst>
+              <a:ext uri="{FF2B5EF4-FFF2-40B4-BE49-F238E27FC236}">
+                <a16:creationId xmlns:a16="http://schemas.microsoft.com/office/drawing/2014/main" id="{E808E5EC-00E4-187A-349C-E296EB3F54D2}"/>
+              </a:ext>
+            </a:extLst>
+          </p:cNvPr>
+          <p:cNvSpPr txBox="1"/>
+          <p:nvPr/>
+        </p:nvSpPr>
+        <p:spPr>
+          <a:xfrm>
+            <a:off x="5574890" y="4428806"/>
+            <a:ext cx="475529" cy="400110"/>
+          </a:xfrm>
+          <a:prstGeom prst="rect">
+            <a:avLst/>
+          </a:prstGeom>
+          <a:noFill/>
+        </p:spPr>
+        <p:txBody>
+          <a:bodyPr wrap="square" rtlCol="0">
+            <a:spAutoFit/>
+          </a:bodyPr>
+          <a:lstStyle/>
+          <a:p>
+            <a:r>
+              <a:rPr lang="en-US" sz="2000" b="1" dirty="0"/>
+              <a:t>…</a:t>
+            </a:r>
+            <a:endParaRPr lang="en-SG" sz="2000" b="1" dirty="0"/>
+          </a:p>
+        </p:txBody>
+      </p:sp>
+      <p:sp>
+        <p:nvSpPr>
+          <p:cNvPr id="67" name="Rectangle 66">
+            <a:extLst>
+              <a:ext uri="{FF2B5EF4-FFF2-40B4-BE49-F238E27FC236}">
+                <a16:creationId xmlns:a16="http://schemas.microsoft.com/office/drawing/2014/main" id="{5866E5A6-CF26-822D-7748-00001689DC65}"/>
+              </a:ext>
+            </a:extLst>
+          </p:cNvPr>
+          <p:cNvSpPr/>
+          <p:nvPr/>
+        </p:nvSpPr>
+        <p:spPr>
+          <a:xfrm>
+            <a:off x="7234206" y="4101442"/>
+            <a:ext cx="1651522" cy="292582"/>
+          </a:xfrm>
+          <a:prstGeom prst="rect">
+            <a:avLst/>
+          </a:prstGeom>
+          <a:solidFill>
+            <a:schemeClr val="accent2">
+              <a:lumMod val="40000"/>
+              <a:lumOff val="60000"/>
+            </a:schemeClr>
+          </a:solidFill>
+        </p:spPr>
+        <p:style>
+          <a:lnRef idx="2">
+            <a:schemeClr val="accent1">
+              <a:shade val="15000"/>
+            </a:schemeClr>
+          </a:lnRef>
+          <a:fillRef idx="1">
+            <a:schemeClr val="accent1"/>
+          </a:fillRef>
+          <a:effectRef idx="0">
+            <a:schemeClr val="accent1"/>
+          </a:effectRef>
+          <a:fontRef idx="minor">
+            <a:schemeClr val="lt1"/>
+          </a:fontRef>
+        </p:style>
+        <p:txBody>
+          <a:bodyPr rtlCol="0" anchor="ctr"/>
+          <a:lstStyle/>
+          <a:p>
+            <a:pPr algn="ctr"/>
+            <a:r>
+              <a:rPr lang="en-US" sz="1200" b="1" dirty="0">
+                <a:solidFill>
+                  <a:schemeClr val="tx1"/>
+                </a:solidFill>
+              </a:rPr>
+              <a:t>MITRE Tactic Mapper </a:t>
+            </a:r>
+            <a:endParaRPr lang="en-SG" sz="1200" b="1" dirty="0">
+              <a:solidFill>
+                <a:schemeClr val="tx1"/>
+              </a:solidFill>
+            </a:endParaRPr>
+          </a:p>
+        </p:txBody>
+      </p:sp>
+      <p:sp>
+        <p:nvSpPr>
+          <p:cNvPr id="68" name="Rectangle 67">
+            <a:extLst>
+              <a:ext uri="{FF2B5EF4-FFF2-40B4-BE49-F238E27FC236}">
+                <a16:creationId xmlns:a16="http://schemas.microsoft.com/office/drawing/2014/main" id="{5908AF0D-37C3-A2CB-F95A-EE2D4FC4AB53}"/>
+              </a:ext>
+            </a:extLst>
+          </p:cNvPr>
+          <p:cNvSpPr/>
+          <p:nvPr/>
+        </p:nvSpPr>
+        <p:spPr>
+          <a:xfrm>
+            <a:off x="7113665" y="3794033"/>
+            <a:ext cx="2618197" cy="1438361"/>
+          </a:xfrm>
+          <a:prstGeom prst="rect">
+            <a:avLst/>
+          </a:prstGeom>
+          <a:noFill/>
+          <a:ln>
+            <a:solidFill>
+              <a:schemeClr val="accent2">
+                <a:lumMod val="75000"/>
+              </a:schemeClr>
+            </a:solidFill>
+            <a:prstDash val="sysDot"/>
+          </a:ln>
+        </p:spPr>
+        <p:style>
+          <a:lnRef idx="2">
+            <a:schemeClr val="accent1">
+              <a:shade val="15000"/>
+            </a:schemeClr>
+          </a:lnRef>
+          <a:fillRef idx="1">
+            <a:schemeClr val="accent1"/>
+          </a:fillRef>
+          <a:effectRef idx="0">
+            <a:schemeClr val="accent1"/>
+          </a:effectRef>
+          <a:fontRef idx="minor">
+            <a:schemeClr val="lt1"/>
+          </a:fontRef>
+        </p:style>
+        <p:txBody>
+          <a:bodyPr rtlCol="0" anchor="ctr"/>
+          <a:lstStyle/>
+          <a:p>
+            <a:pPr algn="ctr"/>
+            <a:endParaRPr lang="en-SG" sz="1200" b="1" dirty="0">
+              <a:solidFill>
+                <a:schemeClr val="tx1"/>
+              </a:solidFill>
+            </a:endParaRPr>
+          </a:p>
+        </p:txBody>
+      </p:sp>
+      <p:pic>
+        <p:nvPicPr>
+          <p:cNvPr id="53" name="Picture 52">
+            <a:extLst>
+              <a:ext uri="{FF2B5EF4-FFF2-40B4-BE49-F238E27FC236}">
+                <a16:creationId xmlns:a16="http://schemas.microsoft.com/office/drawing/2014/main" id="{A9CC0FF0-06C6-0FB9-CF01-DF194470CE4B}"/>
+              </a:ext>
+            </a:extLst>
+          </p:cNvPr>
+          <p:cNvPicPr>
+            <a:picLocks noChangeAspect="1"/>
+          </p:cNvPicPr>
+          <p:nvPr/>
+        </p:nvPicPr>
+        <p:blipFill>
+          <a:blip r:embed="rId6"/>
+          <a:stretch>
+            <a:fillRect/>
+          </a:stretch>
+        </p:blipFill>
+        <p:spPr>
+          <a:xfrm>
+            <a:off x="7223057" y="3492160"/>
+            <a:ext cx="1222376" cy="410466"/>
+          </a:xfrm>
+          <a:prstGeom prst="rect">
+            <a:avLst/>
+          </a:prstGeom>
+          <a:ln w="19050">
+            <a:solidFill>
+              <a:schemeClr val="tx1"/>
+            </a:solidFill>
+          </a:ln>
+        </p:spPr>
+      </p:pic>
+      <p:sp>
+        <p:nvSpPr>
+          <p:cNvPr id="75" name="TextBox 74">
+            <a:extLst>
+              <a:ext uri="{FF2B5EF4-FFF2-40B4-BE49-F238E27FC236}">
+                <a16:creationId xmlns:a16="http://schemas.microsoft.com/office/drawing/2014/main" id="{E21EFF4A-2D56-6802-20CD-52893049BCD3}"/>
+              </a:ext>
+            </a:extLst>
+          </p:cNvPr>
+          <p:cNvSpPr txBox="1"/>
+          <p:nvPr/>
+        </p:nvSpPr>
+        <p:spPr>
+          <a:xfrm>
+            <a:off x="7047966" y="5013616"/>
+            <a:ext cx="2422821" cy="261610"/>
+          </a:xfrm>
+          <a:prstGeom prst="rect">
+            <a:avLst/>
+          </a:prstGeom>
+          <a:noFill/>
+        </p:spPr>
+        <p:txBody>
+          <a:bodyPr wrap="square" rtlCol="0">
+            <a:spAutoFit/>
+          </a:bodyPr>
+          <a:lstStyle/>
+          <a:p>
+            <a:r>
+              <a:rPr lang="en-US" sz="1100" b="1" dirty="0">
+                <a:solidFill>
+                  <a:schemeClr val="accent2">
+                    <a:lumMod val="75000"/>
+                  </a:schemeClr>
+                </a:solidFill>
+              </a:rPr>
+              <a:t>LLM MITRE ATT&amp;CK Matrix mapper </a:t>
+            </a:r>
+            <a:endParaRPr lang="en-SG" sz="1100" b="1" dirty="0">
+              <a:solidFill>
+                <a:schemeClr val="accent2">
+                  <a:lumMod val="75000"/>
+                </a:schemeClr>
+              </a:solidFill>
+            </a:endParaRPr>
+          </a:p>
+        </p:txBody>
+      </p:sp>
+      <p:sp>
+        <p:nvSpPr>
+          <p:cNvPr id="76" name="Rectangle 75">
+            <a:extLst>
+              <a:ext uri="{FF2B5EF4-FFF2-40B4-BE49-F238E27FC236}">
+                <a16:creationId xmlns:a16="http://schemas.microsoft.com/office/drawing/2014/main" id="{F55B7CEB-C20A-4B05-E149-2A87ADEB4915}"/>
+              </a:ext>
+            </a:extLst>
+          </p:cNvPr>
+          <p:cNvSpPr/>
+          <p:nvPr/>
+        </p:nvSpPr>
+        <p:spPr>
+          <a:xfrm>
+            <a:off x="7616073" y="4683190"/>
+            <a:ext cx="2040569" cy="292581"/>
+          </a:xfrm>
+          <a:prstGeom prst="rect">
+            <a:avLst/>
+          </a:prstGeom>
+          <a:solidFill>
+            <a:schemeClr val="accent2">
+              <a:lumMod val="40000"/>
+              <a:lumOff val="60000"/>
+            </a:schemeClr>
+          </a:solidFill>
+        </p:spPr>
+        <p:style>
+          <a:lnRef idx="2">
+            <a:schemeClr val="accent1">
+              <a:shade val="15000"/>
+            </a:schemeClr>
+          </a:lnRef>
+          <a:fillRef idx="1">
+            <a:schemeClr val="accent1"/>
+          </a:fillRef>
+          <a:effectRef idx="0">
+            <a:schemeClr val="accent1"/>
+          </a:effectRef>
+          <a:fontRef idx="minor">
+            <a:schemeClr val="lt1"/>
+          </a:fontRef>
+        </p:style>
+        <p:txBody>
+          <a:bodyPr rtlCol="0" anchor="ctr"/>
+          <a:lstStyle/>
+          <a:p>
+            <a:pPr algn="ctr"/>
+            <a:r>
+              <a:rPr lang="en-US" sz="1200" b="1" dirty="0">
+                <a:solidFill>
+                  <a:schemeClr val="tx1"/>
+                </a:solidFill>
+              </a:rPr>
+              <a:t>MITRE Technique Mapper </a:t>
+            </a:r>
+            <a:endParaRPr lang="en-SG" sz="1200" b="1" dirty="0">
+              <a:solidFill>
+                <a:schemeClr val="tx1"/>
+              </a:solidFill>
+            </a:endParaRPr>
+          </a:p>
+        </p:txBody>
+      </p:sp>
+      <p:cxnSp>
+        <p:nvCxnSpPr>
+          <p:cNvPr id="78" name="Connector: Elbow 77">
+            <a:extLst>
+              <a:ext uri="{FF2B5EF4-FFF2-40B4-BE49-F238E27FC236}">
+                <a16:creationId xmlns:a16="http://schemas.microsoft.com/office/drawing/2014/main" id="{8FCBD993-05F7-AE9C-E47F-1E65453EC79B}"/>
+              </a:ext>
+            </a:extLst>
+          </p:cNvPr>
+          <p:cNvCxnSpPr>
+            <a:cxnSpLocks/>
+            <a:stCxn id="53" idx="3"/>
+          </p:cNvCxnSpPr>
+          <p:nvPr/>
+        </p:nvCxnSpPr>
+        <p:spPr>
+          <a:xfrm>
+            <a:off x="8445433" y="3697393"/>
+            <a:ext cx="574532" cy="985797"/>
+          </a:xfrm>
+          <a:prstGeom prst="bentConnector2">
+            <a:avLst/>
+          </a:prstGeom>
+          <a:ln>
+            <a:solidFill>
+              <a:schemeClr val="accent2">
+                <a:lumMod val="75000"/>
+              </a:schemeClr>
+            </a:solidFill>
+            <a:tailEnd type="triangle"/>
+          </a:ln>
+        </p:spPr>
+        <p:style>
+          <a:lnRef idx="2">
+            <a:schemeClr val="accent1"/>
+          </a:lnRef>
+          <a:fillRef idx="0">
+            <a:schemeClr val="accent1"/>
+          </a:fillRef>
+          <a:effectRef idx="1">
+            <a:schemeClr val="accent1"/>
+          </a:effectRef>
+          <a:fontRef idx="minor">
+            <a:schemeClr val="tx1"/>
+          </a:fontRef>
+        </p:style>
+      </p:cxnSp>
+      <p:cxnSp>
+        <p:nvCxnSpPr>
+          <p:cNvPr id="80" name="Straight Arrow Connector 79">
+            <a:extLst>
+              <a:ext uri="{FF2B5EF4-FFF2-40B4-BE49-F238E27FC236}">
+                <a16:creationId xmlns:a16="http://schemas.microsoft.com/office/drawing/2014/main" id="{A9993D9B-79D6-3848-B955-6146F19ABF8E}"/>
+              </a:ext>
+            </a:extLst>
+          </p:cNvPr>
+          <p:cNvCxnSpPr>
+            <a:cxnSpLocks/>
+          </p:cNvCxnSpPr>
+          <p:nvPr/>
+        </p:nvCxnSpPr>
+        <p:spPr>
+          <a:xfrm>
+            <a:off x="7850828" y="3926546"/>
+            <a:ext cx="0" cy="174896"/>
+          </a:xfrm>
+          <a:prstGeom prst="straightConnector1">
+            <a:avLst/>
+          </a:prstGeom>
+          <a:ln>
+            <a:solidFill>
+              <a:schemeClr val="accent2">
+                <a:lumMod val="75000"/>
+              </a:schemeClr>
+            </a:solidFill>
+            <a:tailEnd type="triangle"/>
+          </a:ln>
+        </p:spPr>
+        <p:style>
+          <a:lnRef idx="2">
+            <a:schemeClr val="accent1"/>
+          </a:lnRef>
+          <a:fillRef idx="0">
+            <a:schemeClr val="accent1"/>
+          </a:fillRef>
+          <a:effectRef idx="1">
+            <a:schemeClr val="accent1"/>
+          </a:effectRef>
+          <a:fontRef idx="minor">
+            <a:schemeClr val="tx1"/>
+          </a:fontRef>
+        </p:style>
+      </p:cxnSp>
+      <p:cxnSp>
+        <p:nvCxnSpPr>
+          <p:cNvPr id="83" name="Straight Arrow Connector 82">
+            <a:extLst>
+              <a:ext uri="{FF2B5EF4-FFF2-40B4-BE49-F238E27FC236}">
+                <a16:creationId xmlns:a16="http://schemas.microsoft.com/office/drawing/2014/main" id="{7D8692CA-C949-30B2-7546-A661E74EF043}"/>
+              </a:ext>
+            </a:extLst>
+          </p:cNvPr>
+          <p:cNvCxnSpPr>
+            <a:cxnSpLocks/>
+            <a:stCxn id="54" idx="3"/>
+            <a:endCxn id="67" idx="1"/>
+          </p:cNvCxnSpPr>
+          <p:nvPr/>
+        </p:nvCxnSpPr>
+        <p:spPr>
+          <a:xfrm>
+            <a:off x="6442186" y="4078001"/>
+            <a:ext cx="792020" cy="169732"/>
+          </a:xfrm>
+          <a:prstGeom prst="straightConnector1">
+            <a:avLst/>
+          </a:prstGeom>
+          <a:ln w="12700">
+            <a:solidFill>
+              <a:schemeClr val="accent2">
+                <a:lumMod val="75000"/>
+              </a:schemeClr>
+            </a:solidFill>
+            <a:tailEnd type="triangle"/>
+          </a:ln>
+        </p:spPr>
+        <p:style>
+          <a:lnRef idx="2">
+            <a:schemeClr val="accent1"/>
+          </a:lnRef>
+          <a:fillRef idx="0">
+            <a:schemeClr val="accent1"/>
+          </a:fillRef>
+          <a:effectRef idx="1">
+            <a:schemeClr val="accent1"/>
+          </a:effectRef>
+          <a:fontRef idx="minor">
+            <a:schemeClr val="tx1"/>
+          </a:fontRef>
+        </p:style>
+      </p:cxnSp>
+      <p:cxnSp>
+        <p:nvCxnSpPr>
+          <p:cNvPr id="84" name="Straight Arrow Connector 83">
+            <a:extLst>
+              <a:ext uri="{FF2B5EF4-FFF2-40B4-BE49-F238E27FC236}">
+                <a16:creationId xmlns:a16="http://schemas.microsoft.com/office/drawing/2014/main" id="{63A42D28-F8F7-3A15-DB34-1946F2EFCCDA}"/>
+              </a:ext>
+            </a:extLst>
+          </p:cNvPr>
+          <p:cNvCxnSpPr>
+            <a:cxnSpLocks/>
+            <a:stCxn id="55" idx="3"/>
+            <a:endCxn id="67" idx="1"/>
+          </p:cNvCxnSpPr>
+          <p:nvPr/>
+        </p:nvCxnSpPr>
+        <p:spPr>
+          <a:xfrm flipV="1">
+            <a:off x="6456897" y="4247733"/>
+            <a:ext cx="777309" cy="172555"/>
+          </a:xfrm>
+          <a:prstGeom prst="straightConnector1">
+            <a:avLst/>
+          </a:prstGeom>
+          <a:ln w="12700">
+            <a:solidFill>
+              <a:schemeClr val="accent2">
+                <a:lumMod val="75000"/>
+              </a:schemeClr>
+            </a:solidFill>
+            <a:tailEnd type="triangle"/>
+          </a:ln>
+        </p:spPr>
+        <p:style>
+          <a:lnRef idx="2">
+            <a:schemeClr val="accent1"/>
+          </a:lnRef>
+          <a:fillRef idx="0">
+            <a:schemeClr val="accent1"/>
+          </a:fillRef>
+          <a:effectRef idx="1">
+            <a:schemeClr val="accent1"/>
+          </a:effectRef>
+          <a:fontRef idx="minor">
+            <a:schemeClr val="tx1"/>
+          </a:fontRef>
+        </p:style>
+      </p:cxnSp>
+      <p:cxnSp>
+        <p:nvCxnSpPr>
+          <p:cNvPr id="87" name="Straight Arrow Connector 86">
+            <a:extLst>
+              <a:ext uri="{FF2B5EF4-FFF2-40B4-BE49-F238E27FC236}">
+                <a16:creationId xmlns:a16="http://schemas.microsoft.com/office/drawing/2014/main" id="{BE49D70F-C846-9A27-ACC6-AC177C6FA299}"/>
+              </a:ext>
+            </a:extLst>
+          </p:cNvPr>
+          <p:cNvCxnSpPr>
+            <a:cxnSpLocks/>
+            <a:stCxn id="56" idx="3"/>
+            <a:endCxn id="67" idx="1"/>
+          </p:cNvCxnSpPr>
+          <p:nvPr/>
+        </p:nvCxnSpPr>
+        <p:spPr>
+          <a:xfrm flipV="1">
+            <a:off x="6479652" y="4247733"/>
+            <a:ext cx="754554" cy="640379"/>
+          </a:xfrm>
+          <a:prstGeom prst="straightConnector1">
+            <a:avLst/>
+          </a:prstGeom>
+          <a:ln w="12700">
+            <a:solidFill>
+              <a:schemeClr val="accent2">
+                <a:lumMod val="75000"/>
+              </a:schemeClr>
+            </a:solidFill>
+            <a:tailEnd type="triangle"/>
+          </a:ln>
+        </p:spPr>
+        <p:style>
+          <a:lnRef idx="2">
+            <a:schemeClr val="accent1"/>
+          </a:lnRef>
+          <a:fillRef idx="0">
+            <a:schemeClr val="accent1"/>
+          </a:fillRef>
+          <a:effectRef idx="1">
+            <a:schemeClr val="accent1"/>
+          </a:effectRef>
+          <a:fontRef idx="minor">
+            <a:schemeClr val="tx1"/>
+          </a:fontRef>
+        </p:style>
+      </p:cxnSp>
+      <p:cxnSp>
+        <p:nvCxnSpPr>
+          <p:cNvPr id="91" name="Straight Arrow Connector 90">
+            <a:extLst>
+              <a:ext uri="{FF2B5EF4-FFF2-40B4-BE49-F238E27FC236}">
+                <a16:creationId xmlns:a16="http://schemas.microsoft.com/office/drawing/2014/main" id="{26902E7C-C611-D0E1-4EED-71AEE41D472A}"/>
+              </a:ext>
+            </a:extLst>
+          </p:cNvPr>
+          <p:cNvCxnSpPr>
+            <a:cxnSpLocks/>
+          </p:cNvCxnSpPr>
+          <p:nvPr/>
+        </p:nvCxnSpPr>
+        <p:spPr>
+          <a:xfrm>
+            <a:off x="8073048" y="4401029"/>
+            <a:ext cx="0" cy="254676"/>
+          </a:xfrm>
+          <a:prstGeom prst="straightConnector1">
+            <a:avLst/>
+          </a:prstGeom>
+          <a:ln>
+            <a:solidFill>
+              <a:schemeClr val="accent2">
+                <a:lumMod val="75000"/>
+              </a:schemeClr>
+            </a:solidFill>
+            <a:tailEnd type="triangle"/>
+          </a:ln>
+        </p:spPr>
+        <p:style>
+          <a:lnRef idx="2">
+            <a:schemeClr val="accent1"/>
+          </a:lnRef>
+          <a:fillRef idx="0">
+            <a:schemeClr val="accent1"/>
+          </a:fillRef>
+          <a:effectRef idx="1">
+            <a:schemeClr val="accent1"/>
+          </a:effectRef>
+          <a:fontRef idx="minor">
+            <a:schemeClr val="tx1"/>
+          </a:fontRef>
+        </p:style>
+      </p:cxnSp>
+      <p:cxnSp>
+        <p:nvCxnSpPr>
+          <p:cNvPr id="93" name="Straight Arrow Connector 92">
+            <a:extLst>
+              <a:ext uri="{FF2B5EF4-FFF2-40B4-BE49-F238E27FC236}">
+                <a16:creationId xmlns:a16="http://schemas.microsoft.com/office/drawing/2014/main" id="{A15B4D17-ED28-E071-45FF-9A8A731FDCF2}"/>
+              </a:ext>
+            </a:extLst>
+          </p:cNvPr>
+          <p:cNvCxnSpPr>
+            <a:cxnSpLocks/>
+            <a:stCxn id="54" idx="3"/>
+            <a:endCxn id="76" idx="1"/>
+          </p:cNvCxnSpPr>
+          <p:nvPr/>
+        </p:nvCxnSpPr>
+        <p:spPr>
+          <a:xfrm>
+            <a:off x="6442186" y="4078001"/>
+            <a:ext cx="1173887" cy="751480"/>
+          </a:xfrm>
+          <a:prstGeom prst="straightConnector1">
+            <a:avLst/>
+          </a:prstGeom>
+          <a:ln w="12700">
+            <a:solidFill>
+              <a:schemeClr val="accent2">
+                <a:lumMod val="75000"/>
+              </a:schemeClr>
+            </a:solidFill>
+            <a:tailEnd type="triangle"/>
+          </a:ln>
+        </p:spPr>
+        <p:style>
+          <a:lnRef idx="2">
+            <a:schemeClr val="accent1"/>
+          </a:lnRef>
+          <a:fillRef idx="0">
+            <a:schemeClr val="accent1"/>
+          </a:fillRef>
+          <a:effectRef idx="1">
+            <a:schemeClr val="accent1"/>
+          </a:effectRef>
+          <a:fontRef idx="minor">
+            <a:schemeClr val="tx1"/>
+          </a:fontRef>
+        </p:style>
+      </p:cxnSp>
+      <p:cxnSp>
+        <p:nvCxnSpPr>
+          <p:cNvPr id="97" name="Straight Arrow Connector 96">
+            <a:extLst>
+              <a:ext uri="{FF2B5EF4-FFF2-40B4-BE49-F238E27FC236}">
+                <a16:creationId xmlns:a16="http://schemas.microsoft.com/office/drawing/2014/main" id="{AD5B9BC0-FF5D-E361-CF8B-57C5B8E2DCF9}"/>
+              </a:ext>
+            </a:extLst>
+          </p:cNvPr>
+          <p:cNvCxnSpPr>
+            <a:cxnSpLocks/>
+            <a:stCxn id="55" idx="3"/>
+            <a:endCxn id="76" idx="1"/>
+          </p:cNvCxnSpPr>
+          <p:nvPr/>
+        </p:nvCxnSpPr>
+        <p:spPr>
+          <a:xfrm>
+            <a:off x="6456897" y="4420288"/>
+            <a:ext cx="1159176" cy="409193"/>
+          </a:xfrm>
+          <a:prstGeom prst="straightConnector1">
+            <a:avLst/>
+          </a:prstGeom>
+          <a:ln w="12700">
+            <a:solidFill>
+              <a:schemeClr val="accent2">
+                <a:lumMod val="75000"/>
+              </a:schemeClr>
+            </a:solidFill>
+            <a:tailEnd type="triangle"/>
+          </a:ln>
+        </p:spPr>
+        <p:style>
+          <a:lnRef idx="2">
+            <a:schemeClr val="accent1"/>
+          </a:lnRef>
+          <a:fillRef idx="0">
+            <a:schemeClr val="accent1"/>
+          </a:fillRef>
+          <a:effectRef idx="1">
+            <a:schemeClr val="accent1"/>
+          </a:effectRef>
+          <a:fontRef idx="minor">
+            <a:schemeClr val="tx1"/>
+          </a:fontRef>
+        </p:style>
+      </p:cxnSp>
+      <p:cxnSp>
+        <p:nvCxnSpPr>
+          <p:cNvPr id="100" name="Straight Arrow Connector 99">
+            <a:extLst>
+              <a:ext uri="{FF2B5EF4-FFF2-40B4-BE49-F238E27FC236}">
+                <a16:creationId xmlns:a16="http://schemas.microsoft.com/office/drawing/2014/main" id="{57B8394B-0806-8BA5-F6B6-AB6D5D0E233F}"/>
+              </a:ext>
+            </a:extLst>
+          </p:cNvPr>
+          <p:cNvCxnSpPr>
+            <a:cxnSpLocks/>
+            <a:stCxn id="56" idx="3"/>
+            <a:endCxn id="76" idx="1"/>
+          </p:cNvCxnSpPr>
+          <p:nvPr/>
+        </p:nvCxnSpPr>
+        <p:spPr>
+          <a:xfrm flipV="1">
+            <a:off x="6479652" y="4829481"/>
+            <a:ext cx="1136421" cy="58631"/>
+          </a:xfrm>
+          <a:prstGeom prst="straightConnector1">
+            <a:avLst/>
+          </a:prstGeom>
+          <a:ln w="12700">
+            <a:solidFill>
+              <a:schemeClr val="accent2">
+                <a:lumMod val="75000"/>
+              </a:schemeClr>
+            </a:solidFill>
+            <a:tailEnd type="triangle"/>
+          </a:ln>
+        </p:spPr>
+        <p:style>
+          <a:lnRef idx="2">
+            <a:schemeClr val="accent1"/>
+          </a:lnRef>
+          <a:fillRef idx="0">
+            <a:schemeClr val="accent1"/>
+          </a:fillRef>
+          <a:effectRef idx="1">
+            <a:schemeClr val="accent1"/>
+          </a:effectRef>
+          <a:fontRef idx="minor">
+            <a:schemeClr val="tx1"/>
+          </a:fontRef>
+        </p:style>
+      </p:cxnSp>
+      <p:cxnSp>
+        <p:nvCxnSpPr>
+          <p:cNvPr id="105" name="Straight Arrow Connector 104">
+            <a:extLst>
+              <a:ext uri="{FF2B5EF4-FFF2-40B4-BE49-F238E27FC236}">
+                <a16:creationId xmlns:a16="http://schemas.microsoft.com/office/drawing/2014/main" id="{7293ACAF-6113-E1F0-D010-0DE3ECC1AE82}"/>
+              </a:ext>
+            </a:extLst>
+          </p:cNvPr>
+          <p:cNvCxnSpPr/>
+          <p:nvPr/>
+        </p:nvCxnSpPr>
+        <p:spPr>
+          <a:xfrm flipV="1">
+            <a:off x="9357393" y="3186492"/>
+            <a:ext cx="0" cy="1478532"/>
+          </a:xfrm>
+          <a:prstGeom prst="straightConnector1">
+            <a:avLst/>
+          </a:prstGeom>
+          <a:ln>
+            <a:solidFill>
+              <a:schemeClr val="accent2">
+                <a:lumMod val="75000"/>
+              </a:schemeClr>
+            </a:solidFill>
+            <a:tailEnd type="triangle"/>
+          </a:ln>
+        </p:spPr>
+        <p:style>
+          <a:lnRef idx="2">
+            <a:schemeClr val="accent1"/>
+          </a:lnRef>
+          <a:fillRef idx="0">
+            <a:schemeClr val="accent1"/>
+          </a:fillRef>
+          <a:effectRef idx="1">
+            <a:schemeClr val="accent1"/>
+          </a:effectRef>
+          <a:fontRef idx="minor">
+            <a:schemeClr val="tx1"/>
+          </a:fontRef>
+        </p:style>
+      </p:cxnSp>
+      <p:pic>
+        <p:nvPicPr>
+          <p:cNvPr id="107" name="Picture 106">
+            <a:extLst>
+              <a:ext uri="{FF2B5EF4-FFF2-40B4-BE49-F238E27FC236}">
+                <a16:creationId xmlns:a16="http://schemas.microsoft.com/office/drawing/2014/main" id="{43A7FB63-D7AD-2016-E1F1-15959C976A7E}"/>
+              </a:ext>
+            </a:extLst>
+          </p:cNvPr>
+          <p:cNvPicPr>
+            <a:picLocks noChangeAspect="1"/>
+          </p:cNvPicPr>
+          <p:nvPr/>
+        </p:nvPicPr>
+        <p:blipFill>
+          <a:blip r:embed="rId7"/>
+          <a:stretch>
+            <a:fillRect/>
+          </a:stretch>
+        </p:blipFill>
+        <p:spPr>
+          <a:xfrm>
+            <a:off x="9042440" y="2695825"/>
+            <a:ext cx="406438" cy="495854"/>
+          </a:xfrm>
+          <a:prstGeom prst="rect">
+            <a:avLst/>
+          </a:prstGeom>
+          <a:ln w="9525">
+            <a:solidFill>
+              <a:schemeClr val="tx1"/>
+            </a:solidFill>
+          </a:ln>
+        </p:spPr>
+      </p:pic>
+      <p:sp>
+        <p:nvSpPr>
+          <p:cNvPr id="108" name="TextBox 107">
+            <a:extLst>
+              <a:ext uri="{FF2B5EF4-FFF2-40B4-BE49-F238E27FC236}">
+                <a16:creationId xmlns:a16="http://schemas.microsoft.com/office/drawing/2014/main" id="{3397BEEB-C4C5-CFBD-BD9D-BB488EF55C36}"/>
+              </a:ext>
+            </a:extLst>
+          </p:cNvPr>
+          <p:cNvSpPr txBox="1"/>
+          <p:nvPr/>
+        </p:nvSpPr>
+        <p:spPr>
+          <a:xfrm>
+            <a:off x="9418594" y="2647989"/>
+            <a:ext cx="1233191" cy="600164"/>
+          </a:xfrm>
+          <a:prstGeom prst="rect">
+            <a:avLst/>
+          </a:prstGeom>
+          <a:noFill/>
+        </p:spPr>
+        <p:txBody>
+          <a:bodyPr wrap="square" rtlCol="0">
+            <a:spAutoFit/>
+          </a:bodyPr>
+          <a:lstStyle/>
+          <a:p>
+            <a:r>
+              <a:rPr lang="en-US" sz="1100" b="1" dirty="0">
+                <a:solidFill>
+                  <a:schemeClr val="accent2">
+                    <a:lumMod val="75000"/>
+                  </a:schemeClr>
+                </a:solidFill>
+              </a:rPr>
+              <a:t>MITRE ATT&amp;CK Technique  mapping result</a:t>
+            </a:r>
+            <a:endParaRPr lang="en-SG" sz="1100" b="1" dirty="0">
+              <a:solidFill>
+                <a:schemeClr val="accent2">
+                  <a:lumMod val="75000"/>
+                </a:schemeClr>
+              </a:solidFill>
+            </a:endParaRPr>
+          </a:p>
+        </p:txBody>
+      </p:sp>
+      <p:sp>
+        <p:nvSpPr>
+          <p:cNvPr id="109" name="TextBox 108">
+            <a:extLst>
+              <a:ext uri="{FF2B5EF4-FFF2-40B4-BE49-F238E27FC236}">
+                <a16:creationId xmlns:a16="http://schemas.microsoft.com/office/drawing/2014/main" id="{7C40670C-49E5-C677-4CB1-C074ACC185E2}"/>
+              </a:ext>
+            </a:extLst>
+          </p:cNvPr>
+          <p:cNvSpPr txBox="1"/>
+          <p:nvPr/>
+        </p:nvSpPr>
+        <p:spPr>
+          <a:xfrm>
+            <a:off x="6748285" y="2603026"/>
+            <a:ext cx="1714549" cy="261610"/>
+          </a:xfrm>
+          <a:prstGeom prst="rect">
+            <a:avLst/>
+          </a:prstGeom>
+          <a:ln>
+            <a:solidFill>
+              <a:srgbClr val="C00000"/>
+            </a:solidFill>
+          </a:ln>
+        </p:spPr>
+        <p:style>
+          <a:lnRef idx="2">
+            <a:schemeClr val="accent2"/>
+          </a:lnRef>
+          <a:fillRef idx="1">
+            <a:schemeClr val="lt1"/>
+          </a:fillRef>
+          <a:effectRef idx="0">
+            <a:schemeClr val="accent2"/>
+          </a:effectRef>
+          <a:fontRef idx="minor">
+            <a:schemeClr val="dk1"/>
+          </a:fontRef>
+        </p:style>
+        <p:txBody>
+          <a:bodyPr wrap="square" rtlCol="0">
+            <a:spAutoFit/>
+          </a:bodyPr>
+          <a:lstStyle/>
+          <a:p>
+            <a:r>
+              <a:rPr lang="en-US" sz="1100" b="1" dirty="0">
+                <a:solidFill>
+                  <a:srgbClr val="C00000"/>
+                </a:solidFill>
+              </a:rPr>
+              <a:t>Attack Technique T00xx</a:t>
+            </a:r>
+            <a:endParaRPr lang="en-SG" sz="1100" b="1" dirty="0">
+              <a:solidFill>
+                <a:srgbClr val="C00000"/>
+              </a:solidFill>
+            </a:endParaRPr>
+          </a:p>
+        </p:txBody>
+      </p:sp>
+      <p:sp>
+        <p:nvSpPr>
+          <p:cNvPr id="110" name="Rectangle 109">
+            <a:extLst>
+              <a:ext uri="{FF2B5EF4-FFF2-40B4-BE49-F238E27FC236}">
+                <a16:creationId xmlns:a16="http://schemas.microsoft.com/office/drawing/2014/main" id="{4C611844-27D1-C4A3-9396-8A437651ED97}"/>
+              </a:ext>
+            </a:extLst>
+          </p:cNvPr>
+          <p:cNvSpPr/>
+          <p:nvPr/>
+        </p:nvSpPr>
+        <p:spPr>
+          <a:xfrm>
+            <a:off x="5578972" y="1920779"/>
+            <a:ext cx="1906050" cy="418011"/>
+          </a:xfrm>
+          <a:prstGeom prst="rect">
+            <a:avLst/>
+          </a:prstGeom>
+          <a:solidFill>
+            <a:schemeClr val="accent2">
+              <a:lumMod val="40000"/>
+              <a:lumOff val="60000"/>
+            </a:schemeClr>
+          </a:solidFill>
+        </p:spPr>
+        <p:style>
+          <a:lnRef idx="2">
+            <a:schemeClr val="accent1">
+              <a:shade val="15000"/>
+            </a:schemeClr>
+          </a:lnRef>
+          <a:fillRef idx="1">
+            <a:schemeClr val="accent1"/>
+          </a:fillRef>
+          <a:effectRef idx="0">
+            <a:schemeClr val="accent1"/>
+          </a:effectRef>
+          <a:fontRef idx="minor">
+            <a:schemeClr val="lt1"/>
+          </a:fontRef>
+        </p:style>
+        <p:txBody>
+          <a:bodyPr rtlCol="0" anchor="ctr"/>
+          <a:lstStyle/>
+          <a:p>
+            <a:pPr algn="ctr"/>
+            <a:r>
+              <a:rPr lang="en-US" sz="1200" b="1" dirty="0">
+                <a:solidFill>
+                  <a:schemeClr val="tx1"/>
+                </a:solidFill>
+              </a:rPr>
+              <a:t>LLM Technique mapping Verifier</a:t>
+            </a:r>
+            <a:endParaRPr lang="en-SG" sz="1200" b="1" dirty="0">
+              <a:solidFill>
+                <a:schemeClr val="tx1"/>
+              </a:solidFill>
+            </a:endParaRPr>
+          </a:p>
+        </p:txBody>
+      </p:sp>
+      <p:sp>
+        <p:nvSpPr>
+          <p:cNvPr id="116" name="TextBox 115">
+            <a:extLst>
+              <a:ext uri="{FF2B5EF4-FFF2-40B4-BE49-F238E27FC236}">
+                <a16:creationId xmlns:a16="http://schemas.microsoft.com/office/drawing/2014/main" id="{EB1C14F5-F260-7F59-3988-CB9C5908A1D7}"/>
+              </a:ext>
+            </a:extLst>
+          </p:cNvPr>
+          <p:cNvSpPr txBox="1"/>
+          <p:nvPr/>
+        </p:nvSpPr>
+        <p:spPr>
+          <a:xfrm>
+            <a:off x="6748286" y="3026413"/>
+            <a:ext cx="1714549" cy="261610"/>
+          </a:xfrm>
+          <a:prstGeom prst="rect">
+            <a:avLst/>
+          </a:prstGeom>
+          <a:ln>
+            <a:solidFill>
+              <a:srgbClr val="C00000"/>
+            </a:solidFill>
+          </a:ln>
+        </p:spPr>
+        <p:style>
+          <a:lnRef idx="2">
+            <a:schemeClr val="accent2"/>
+          </a:lnRef>
+          <a:fillRef idx="1">
+            <a:schemeClr val="lt1"/>
+          </a:fillRef>
+          <a:effectRef idx="0">
+            <a:schemeClr val="accent2"/>
+          </a:effectRef>
+          <a:fontRef idx="minor">
+            <a:schemeClr val="dk1"/>
+          </a:fontRef>
+        </p:style>
+        <p:txBody>
+          <a:bodyPr wrap="square" rtlCol="0">
+            <a:spAutoFit/>
+          </a:bodyPr>
+          <a:lstStyle/>
+          <a:p>
+            <a:r>
+              <a:rPr lang="en-US" sz="1100" b="1" dirty="0">
+                <a:solidFill>
+                  <a:srgbClr val="C00000"/>
+                </a:solidFill>
+              </a:rPr>
+              <a:t>Attack Technique T00xx</a:t>
+            </a:r>
+            <a:endParaRPr lang="en-SG" sz="1100" b="1" dirty="0">
+              <a:solidFill>
+                <a:srgbClr val="C00000"/>
+              </a:solidFill>
+            </a:endParaRPr>
+          </a:p>
+        </p:txBody>
+      </p:sp>
+      <p:sp>
+        <p:nvSpPr>
+          <p:cNvPr id="117" name="TextBox 116">
+            <a:extLst>
+              <a:ext uri="{FF2B5EF4-FFF2-40B4-BE49-F238E27FC236}">
+                <a16:creationId xmlns:a16="http://schemas.microsoft.com/office/drawing/2014/main" id="{7D53242C-1FE1-449E-43D9-C0EB14469B6F}"/>
+              </a:ext>
+            </a:extLst>
+          </p:cNvPr>
+          <p:cNvSpPr txBox="1"/>
+          <p:nvPr/>
+        </p:nvSpPr>
+        <p:spPr>
+          <a:xfrm>
+            <a:off x="7367796" y="2694717"/>
+            <a:ext cx="475529" cy="400110"/>
+          </a:xfrm>
+          <a:prstGeom prst="rect">
+            <a:avLst/>
+          </a:prstGeom>
+          <a:noFill/>
+        </p:spPr>
+        <p:txBody>
+          <a:bodyPr wrap="square" rtlCol="0">
+            <a:spAutoFit/>
+          </a:bodyPr>
+          <a:lstStyle/>
+          <a:p>
+            <a:r>
+              <a:rPr lang="en-US" sz="2000" b="1" dirty="0"/>
+              <a:t>…</a:t>
+            </a:r>
+            <a:endParaRPr lang="en-SG" sz="2000" b="1" dirty="0"/>
+          </a:p>
+        </p:txBody>
+      </p:sp>
+      <p:cxnSp>
+        <p:nvCxnSpPr>
+          <p:cNvPr id="153" name="Connector: Elbow 152">
+            <a:extLst>
+              <a:ext uri="{FF2B5EF4-FFF2-40B4-BE49-F238E27FC236}">
+                <a16:creationId xmlns:a16="http://schemas.microsoft.com/office/drawing/2014/main" id="{FB44C2B9-AB80-C814-DB16-70A919E63309}"/>
+              </a:ext>
+            </a:extLst>
+          </p:cNvPr>
+          <p:cNvCxnSpPr>
+            <a:cxnSpLocks/>
+            <a:stCxn id="109" idx="1"/>
+          </p:cNvCxnSpPr>
+          <p:nvPr/>
+        </p:nvCxnSpPr>
+        <p:spPr>
+          <a:xfrm rot="10800000">
+            <a:off x="6585975" y="2337745"/>
+            <a:ext cx="162310" cy="396087"/>
+          </a:xfrm>
+          <a:prstGeom prst="bentConnector2">
+            <a:avLst/>
+          </a:prstGeom>
+          <a:ln>
+            <a:solidFill>
+              <a:schemeClr val="accent2">
+                <a:lumMod val="75000"/>
+              </a:schemeClr>
+            </a:solidFill>
+            <a:tailEnd type="triangle"/>
+          </a:ln>
+        </p:spPr>
+        <p:style>
+          <a:lnRef idx="2">
+            <a:schemeClr val="accent1"/>
+          </a:lnRef>
+          <a:fillRef idx="0">
+            <a:schemeClr val="accent1"/>
+          </a:fillRef>
+          <a:effectRef idx="1">
+            <a:schemeClr val="accent1"/>
+          </a:effectRef>
+          <a:fontRef idx="minor">
+            <a:schemeClr val="tx1"/>
+          </a:fontRef>
+        </p:style>
+      </p:cxnSp>
+      <p:cxnSp>
+        <p:nvCxnSpPr>
+          <p:cNvPr id="156" name="Connector: Elbow 155">
+            <a:extLst>
+              <a:ext uri="{FF2B5EF4-FFF2-40B4-BE49-F238E27FC236}">
+                <a16:creationId xmlns:a16="http://schemas.microsoft.com/office/drawing/2014/main" id="{21C1F62B-C37F-C161-A664-10BE2DC08005}"/>
+              </a:ext>
+            </a:extLst>
+          </p:cNvPr>
+          <p:cNvCxnSpPr>
+            <a:cxnSpLocks/>
+            <a:stCxn id="116" idx="1"/>
+          </p:cNvCxnSpPr>
+          <p:nvPr/>
+        </p:nvCxnSpPr>
+        <p:spPr>
+          <a:xfrm rot="10800000">
+            <a:off x="6442186" y="2362684"/>
+            <a:ext cx="306100" cy="794534"/>
+          </a:xfrm>
+          <a:prstGeom prst="bentConnector2">
+            <a:avLst/>
+          </a:prstGeom>
+          <a:ln>
+            <a:solidFill>
+              <a:schemeClr val="accent2">
+                <a:lumMod val="75000"/>
+              </a:schemeClr>
+            </a:solidFill>
+            <a:tailEnd type="triangle"/>
+          </a:ln>
+        </p:spPr>
+        <p:style>
+          <a:lnRef idx="2">
+            <a:schemeClr val="accent1"/>
+          </a:lnRef>
+          <a:fillRef idx="0">
+            <a:schemeClr val="accent1"/>
+          </a:fillRef>
+          <a:effectRef idx="1">
+            <a:schemeClr val="accent1"/>
+          </a:effectRef>
+          <a:fontRef idx="minor">
+            <a:schemeClr val="tx1"/>
+          </a:fontRef>
+        </p:style>
+      </p:cxnSp>
+      <p:cxnSp>
+        <p:nvCxnSpPr>
+          <p:cNvPr id="159" name="Straight Arrow Connector 158">
+            <a:extLst>
+              <a:ext uri="{FF2B5EF4-FFF2-40B4-BE49-F238E27FC236}">
+                <a16:creationId xmlns:a16="http://schemas.microsoft.com/office/drawing/2014/main" id="{D8520642-2F75-51D2-C25E-C807051FB423}"/>
+              </a:ext>
+            </a:extLst>
+          </p:cNvPr>
+          <p:cNvCxnSpPr>
+            <a:cxnSpLocks/>
+            <a:stCxn id="110" idx="3"/>
+          </p:cNvCxnSpPr>
+          <p:nvPr/>
+        </p:nvCxnSpPr>
+        <p:spPr>
+          <a:xfrm>
+            <a:off x="7485022" y="2129785"/>
+            <a:ext cx="372518" cy="0"/>
+          </a:xfrm>
+          <a:prstGeom prst="straightConnector1">
+            <a:avLst/>
+          </a:prstGeom>
+          <a:ln>
+            <a:solidFill>
+              <a:schemeClr val="accent2">
+                <a:lumMod val="75000"/>
+              </a:schemeClr>
+            </a:solidFill>
+            <a:tailEnd type="triangle"/>
+          </a:ln>
+        </p:spPr>
+        <p:style>
+          <a:lnRef idx="2">
+            <a:schemeClr val="accent1"/>
+          </a:lnRef>
+          <a:fillRef idx="0">
+            <a:schemeClr val="accent1"/>
+          </a:fillRef>
+          <a:effectRef idx="1">
+            <a:schemeClr val="accent1"/>
+          </a:effectRef>
+          <a:fontRef idx="minor">
+            <a:schemeClr val="tx1"/>
+          </a:fontRef>
+        </p:style>
+      </p:cxnSp>
+      <p:sp>
+        <p:nvSpPr>
+          <p:cNvPr id="162" name="Rectangle 161">
+            <a:extLst>
+              <a:ext uri="{FF2B5EF4-FFF2-40B4-BE49-F238E27FC236}">
+                <a16:creationId xmlns:a16="http://schemas.microsoft.com/office/drawing/2014/main" id="{B3DCD6D1-0948-0205-E9D9-A20470E934D8}"/>
+              </a:ext>
+            </a:extLst>
+          </p:cNvPr>
+          <p:cNvSpPr/>
+          <p:nvPr/>
+        </p:nvSpPr>
+        <p:spPr>
+          <a:xfrm>
+            <a:off x="7902644" y="1898808"/>
+            <a:ext cx="1544192" cy="418011"/>
+          </a:xfrm>
+          <a:prstGeom prst="rect">
+            <a:avLst/>
+          </a:prstGeom>
+          <a:solidFill>
+            <a:schemeClr val="accent2">
+              <a:lumMod val="40000"/>
+              <a:lumOff val="60000"/>
+            </a:schemeClr>
+          </a:solidFill>
+        </p:spPr>
+        <p:style>
+          <a:lnRef idx="2">
+            <a:schemeClr val="accent1">
+              <a:shade val="15000"/>
+            </a:schemeClr>
+          </a:lnRef>
+          <a:fillRef idx="1">
+            <a:schemeClr val="accent1"/>
+          </a:fillRef>
+          <a:effectRef idx="0">
+            <a:schemeClr val="accent1"/>
+          </a:effectRef>
+          <a:fontRef idx="minor">
+            <a:schemeClr val="lt1"/>
+          </a:fontRef>
+        </p:style>
+        <p:txBody>
+          <a:bodyPr rtlCol="0" anchor="ctr"/>
+          <a:lstStyle/>
+          <a:p>
+            <a:pPr algn="ctr"/>
+            <a:r>
+              <a:rPr lang="en-US" sz="1200" b="1" dirty="0">
+                <a:solidFill>
+                  <a:schemeClr val="tx1"/>
+                </a:solidFill>
+              </a:rPr>
+              <a:t>Report generator</a:t>
+            </a:r>
+            <a:endParaRPr lang="en-SG" sz="1200" b="1" dirty="0">
+              <a:solidFill>
+                <a:schemeClr val="tx1"/>
+              </a:solidFill>
+            </a:endParaRPr>
+          </a:p>
+        </p:txBody>
+      </p:sp>
+      <p:pic>
+        <p:nvPicPr>
+          <p:cNvPr id="165" name="Picture 164">
+            <a:extLst>
+              <a:ext uri="{FF2B5EF4-FFF2-40B4-BE49-F238E27FC236}">
+                <a16:creationId xmlns:a16="http://schemas.microsoft.com/office/drawing/2014/main" id="{86941712-5D5F-260B-E968-02CAD130ABC0}"/>
+              </a:ext>
+            </a:extLst>
+          </p:cNvPr>
+          <p:cNvPicPr>
+            <a:picLocks noChangeAspect="1"/>
+          </p:cNvPicPr>
+          <p:nvPr/>
+        </p:nvPicPr>
+        <p:blipFill>
+          <a:blip r:embed="rId8"/>
+          <a:stretch>
+            <a:fillRect/>
+          </a:stretch>
+        </p:blipFill>
+        <p:spPr>
+          <a:xfrm>
+            <a:off x="9938683" y="1694400"/>
+            <a:ext cx="638107" cy="764152"/>
+          </a:xfrm>
+          <a:prstGeom prst="rect">
+            <a:avLst/>
+          </a:prstGeom>
+          <a:ln w="19050">
+            <a:solidFill>
+              <a:schemeClr val="accent2">
+                <a:lumMod val="75000"/>
+              </a:schemeClr>
+            </a:solidFill>
+          </a:ln>
+        </p:spPr>
+      </p:pic>
+      <p:cxnSp>
+        <p:nvCxnSpPr>
+          <p:cNvPr id="166" name="Straight Arrow Connector 165">
+            <a:extLst>
+              <a:ext uri="{FF2B5EF4-FFF2-40B4-BE49-F238E27FC236}">
+                <a16:creationId xmlns:a16="http://schemas.microsoft.com/office/drawing/2014/main" id="{AD3D404A-A325-2E4C-EBF2-BA436F4F16E3}"/>
+              </a:ext>
+            </a:extLst>
+          </p:cNvPr>
+          <p:cNvCxnSpPr>
+            <a:cxnSpLocks/>
+          </p:cNvCxnSpPr>
+          <p:nvPr/>
+        </p:nvCxnSpPr>
+        <p:spPr>
+          <a:xfrm>
+            <a:off x="9454255" y="2096957"/>
+            <a:ext cx="477009" cy="0"/>
+          </a:xfrm>
+          <a:prstGeom prst="straightConnector1">
+            <a:avLst/>
+          </a:prstGeom>
+          <a:ln>
+            <a:solidFill>
+              <a:schemeClr val="accent2">
+                <a:lumMod val="75000"/>
+              </a:schemeClr>
+            </a:solidFill>
+            <a:tailEnd type="triangle"/>
+          </a:ln>
+        </p:spPr>
+        <p:style>
+          <a:lnRef idx="2">
+            <a:schemeClr val="accent1"/>
+          </a:lnRef>
+          <a:fillRef idx="0">
+            <a:schemeClr val="accent1"/>
+          </a:fillRef>
+          <a:effectRef idx="1">
+            <a:schemeClr val="accent1"/>
+          </a:effectRef>
+          <a:fontRef idx="minor">
+            <a:schemeClr val="tx1"/>
+          </a:fontRef>
+        </p:style>
+      </p:cxnSp>
+      <p:pic>
+        <p:nvPicPr>
+          <p:cNvPr id="169" name="Picture 168">
+            <a:extLst>
+              <a:ext uri="{FF2B5EF4-FFF2-40B4-BE49-F238E27FC236}">
+                <a16:creationId xmlns:a16="http://schemas.microsoft.com/office/drawing/2014/main" id="{A686A872-3AD1-4A82-6072-5311013307F0}"/>
+              </a:ext>
+            </a:extLst>
+          </p:cNvPr>
+          <p:cNvPicPr>
+            <a:picLocks noChangeAspect="1"/>
+          </p:cNvPicPr>
+          <p:nvPr/>
+        </p:nvPicPr>
+        <p:blipFill>
+          <a:blip r:embed="rId9"/>
+          <a:stretch>
+            <a:fillRect/>
+          </a:stretch>
+        </p:blipFill>
+        <p:spPr>
+          <a:xfrm>
+            <a:off x="2114376" y="2484871"/>
+            <a:ext cx="472479" cy="200203"/>
+          </a:xfrm>
+          <a:prstGeom prst="rect">
+            <a:avLst/>
+          </a:prstGeom>
+          <a:ln w="6350">
+            <a:solidFill>
+              <a:schemeClr val="tx1"/>
+            </a:solidFill>
+          </a:ln>
+        </p:spPr>
+      </p:pic>
+      <p:pic>
+        <p:nvPicPr>
+          <p:cNvPr id="171" name="Picture 170">
+            <a:extLst>
+              <a:ext uri="{FF2B5EF4-FFF2-40B4-BE49-F238E27FC236}">
+                <a16:creationId xmlns:a16="http://schemas.microsoft.com/office/drawing/2014/main" id="{5FE974C1-B417-FE31-55B2-BFD9062C0465}"/>
+              </a:ext>
+            </a:extLst>
+          </p:cNvPr>
+          <p:cNvPicPr>
+            <a:picLocks noChangeAspect="1"/>
+          </p:cNvPicPr>
+          <p:nvPr/>
+        </p:nvPicPr>
+        <p:blipFill>
+          <a:blip r:embed="rId9"/>
+          <a:stretch>
+            <a:fillRect/>
+          </a:stretch>
+        </p:blipFill>
+        <p:spPr>
+          <a:xfrm>
+            <a:off x="7253084" y="4402711"/>
+            <a:ext cx="419611" cy="177801"/>
+          </a:xfrm>
+          <a:prstGeom prst="rect">
+            <a:avLst/>
+          </a:prstGeom>
+          <a:ln w="6350">
+            <a:solidFill>
+              <a:schemeClr val="tx1"/>
+            </a:solidFill>
+          </a:ln>
+        </p:spPr>
+      </p:pic>
+      <p:pic>
+        <p:nvPicPr>
+          <p:cNvPr id="173" name="Picture 172">
+            <a:extLst>
+              <a:ext uri="{FF2B5EF4-FFF2-40B4-BE49-F238E27FC236}">
+                <a16:creationId xmlns:a16="http://schemas.microsoft.com/office/drawing/2014/main" id="{1E00EACA-E0DE-1523-91FE-B37009933794}"/>
+              </a:ext>
+            </a:extLst>
+          </p:cNvPr>
+          <p:cNvPicPr>
+            <a:picLocks noChangeAspect="1"/>
+          </p:cNvPicPr>
+          <p:nvPr/>
+        </p:nvPicPr>
+        <p:blipFill>
+          <a:blip r:embed="rId9"/>
+          <a:stretch>
+            <a:fillRect/>
+          </a:stretch>
+        </p:blipFill>
+        <p:spPr>
+          <a:xfrm>
+            <a:off x="9237031" y="4914355"/>
+            <a:ext cx="419611" cy="177801"/>
+          </a:xfrm>
+          <a:prstGeom prst="rect">
+            <a:avLst/>
+          </a:prstGeom>
+          <a:ln w="6350">
+            <a:solidFill>
+              <a:schemeClr val="tx1"/>
+            </a:solidFill>
+          </a:ln>
+        </p:spPr>
+      </p:pic>
+      <p:pic>
+        <p:nvPicPr>
+          <p:cNvPr id="175" name="Picture 174">
+            <a:extLst>
+              <a:ext uri="{FF2B5EF4-FFF2-40B4-BE49-F238E27FC236}">
+                <a16:creationId xmlns:a16="http://schemas.microsoft.com/office/drawing/2014/main" id="{9A0890CF-DAA3-35BF-E45C-E32880F32188}"/>
+              </a:ext>
+            </a:extLst>
+          </p:cNvPr>
+          <p:cNvPicPr>
+            <a:picLocks noChangeAspect="1"/>
+          </p:cNvPicPr>
+          <p:nvPr/>
+        </p:nvPicPr>
+        <p:blipFill>
+          <a:blip r:embed="rId10"/>
+          <a:stretch>
+            <a:fillRect/>
+          </a:stretch>
+        </p:blipFill>
+        <p:spPr>
+          <a:xfrm>
+            <a:off x="5585620" y="2361352"/>
+            <a:ext cx="304803" cy="323722"/>
+          </a:xfrm>
+          <a:prstGeom prst="rect">
+            <a:avLst/>
+          </a:prstGeom>
+          <a:ln w="9525">
+            <a:solidFill>
+              <a:schemeClr val="tx1"/>
+            </a:solidFill>
+          </a:ln>
+        </p:spPr>
+      </p:pic>
+      <p:sp>
+        <p:nvSpPr>
+          <p:cNvPr id="176" name="TextBox 175">
+            <a:extLst>
+              <a:ext uri="{FF2B5EF4-FFF2-40B4-BE49-F238E27FC236}">
+                <a16:creationId xmlns:a16="http://schemas.microsoft.com/office/drawing/2014/main" id="{2A6F4AE4-B253-D497-C9B4-9A483C5A0C37}"/>
+              </a:ext>
+            </a:extLst>
+          </p:cNvPr>
+          <p:cNvSpPr txBox="1"/>
+          <p:nvPr/>
+        </p:nvSpPr>
+        <p:spPr>
+          <a:xfrm>
+            <a:off x="9853803" y="1118803"/>
+            <a:ext cx="1233191" cy="600164"/>
+          </a:xfrm>
+          <a:prstGeom prst="rect">
+            <a:avLst/>
+          </a:prstGeom>
+          <a:noFill/>
+        </p:spPr>
+        <p:txBody>
+          <a:bodyPr wrap="square" rtlCol="0">
+            <a:spAutoFit/>
+          </a:bodyPr>
+          <a:lstStyle/>
+          <a:p>
+            <a:r>
+              <a:rPr lang="en-US" sz="1100" b="1" dirty="0">
+                <a:solidFill>
+                  <a:schemeClr val="accent2">
+                    <a:lumMod val="75000"/>
+                  </a:schemeClr>
+                </a:solidFill>
+              </a:rPr>
+              <a:t>MITRE ATT&amp;CK Technique  mapping report</a:t>
+            </a:r>
+            <a:endParaRPr lang="en-SG" sz="1100" b="1" dirty="0">
+              <a:solidFill>
+                <a:schemeClr val="accent2">
+                  <a:lumMod val="75000"/>
+                </a:schemeClr>
+              </a:solidFill>
+            </a:endParaRPr>
+          </a:p>
+        </p:txBody>
+      </p:sp>
+      <p:cxnSp>
+        <p:nvCxnSpPr>
+          <p:cNvPr id="177" name="Connector: Elbow 176">
+            <a:extLst>
+              <a:ext uri="{FF2B5EF4-FFF2-40B4-BE49-F238E27FC236}">
+                <a16:creationId xmlns:a16="http://schemas.microsoft.com/office/drawing/2014/main" id="{2ED426E1-D588-0F0B-663C-3CD17A234CC4}"/>
+              </a:ext>
+            </a:extLst>
+          </p:cNvPr>
+          <p:cNvCxnSpPr>
+            <a:cxnSpLocks/>
+            <a:stCxn id="107" idx="1"/>
+            <a:endCxn id="109" idx="3"/>
+          </p:cNvCxnSpPr>
+          <p:nvPr/>
+        </p:nvCxnSpPr>
+        <p:spPr>
+          <a:xfrm rot="10800000">
+            <a:off x="8462834" y="2733832"/>
+            <a:ext cx="579606" cy="209921"/>
+          </a:xfrm>
+          <a:prstGeom prst="bentConnector3">
+            <a:avLst>
+              <a:gd name="adj1" fmla="val 50000"/>
+            </a:avLst>
+          </a:prstGeom>
+          <a:ln>
+            <a:solidFill>
+              <a:schemeClr val="accent2">
+                <a:lumMod val="75000"/>
+              </a:schemeClr>
+            </a:solidFill>
+            <a:tailEnd type="triangle"/>
+          </a:ln>
+        </p:spPr>
+        <p:style>
+          <a:lnRef idx="2">
+            <a:schemeClr val="accent1"/>
+          </a:lnRef>
+          <a:fillRef idx="0">
+            <a:schemeClr val="accent1"/>
+          </a:fillRef>
+          <a:effectRef idx="1">
+            <a:schemeClr val="accent1"/>
+          </a:effectRef>
+          <a:fontRef idx="minor">
+            <a:schemeClr val="tx1"/>
+          </a:fontRef>
+        </p:style>
+      </p:cxnSp>
+      <p:cxnSp>
+        <p:nvCxnSpPr>
+          <p:cNvPr id="180" name="Connector: Elbow 179">
+            <a:extLst>
+              <a:ext uri="{FF2B5EF4-FFF2-40B4-BE49-F238E27FC236}">
+                <a16:creationId xmlns:a16="http://schemas.microsoft.com/office/drawing/2014/main" id="{0F31BFEE-AAAF-7758-171C-E8E3B57378C2}"/>
+              </a:ext>
+            </a:extLst>
+          </p:cNvPr>
+          <p:cNvCxnSpPr>
+            <a:cxnSpLocks/>
+            <a:stCxn id="107" idx="1"/>
+            <a:endCxn id="116" idx="3"/>
+          </p:cNvCxnSpPr>
+          <p:nvPr/>
+        </p:nvCxnSpPr>
+        <p:spPr>
+          <a:xfrm rot="10800000" flipV="1">
+            <a:off x="8462836" y="2943752"/>
+            <a:ext cx="579605" cy="213466"/>
+          </a:xfrm>
+          <a:prstGeom prst="bentConnector3">
+            <a:avLst>
+              <a:gd name="adj1" fmla="val 50000"/>
+            </a:avLst>
+          </a:prstGeom>
+          <a:ln>
+            <a:solidFill>
+              <a:schemeClr val="accent2">
+                <a:lumMod val="75000"/>
+              </a:schemeClr>
+            </a:solidFill>
+            <a:tailEnd type="triangle"/>
+          </a:ln>
+        </p:spPr>
+        <p:style>
+          <a:lnRef idx="2">
+            <a:schemeClr val="accent1"/>
+          </a:lnRef>
+          <a:fillRef idx="0">
+            <a:schemeClr val="accent1"/>
+          </a:fillRef>
+          <a:effectRef idx="1">
+            <a:schemeClr val="accent1"/>
+          </a:effectRef>
+          <a:fontRef idx="minor">
+            <a:schemeClr val="tx1"/>
+          </a:fontRef>
+        </p:style>
+      </p:cxnSp>
+      <p:sp>
+        <p:nvSpPr>
+          <p:cNvPr id="30" name="Rectangle 29">
+            <a:extLst>
+              <a:ext uri="{FF2B5EF4-FFF2-40B4-BE49-F238E27FC236}">
+                <a16:creationId xmlns:a16="http://schemas.microsoft.com/office/drawing/2014/main" id="{34AFE62E-7A55-8A7D-F535-6A53A96854BA}"/>
+              </a:ext>
+            </a:extLst>
+          </p:cNvPr>
+          <p:cNvSpPr/>
+          <p:nvPr/>
+        </p:nvSpPr>
+        <p:spPr>
+          <a:xfrm>
+            <a:off x="908268" y="5722255"/>
+            <a:ext cx="1906050" cy="418011"/>
+          </a:xfrm>
+          <a:prstGeom prst="rect">
+            <a:avLst/>
+          </a:prstGeom>
+          <a:solidFill>
+            <a:schemeClr val="tx2">
+              <a:lumMod val="25000"/>
+              <a:lumOff val="75000"/>
+            </a:schemeClr>
+          </a:solidFill>
+        </p:spPr>
+        <p:style>
+          <a:lnRef idx="2">
+            <a:schemeClr val="accent1">
+              <a:shade val="15000"/>
+            </a:schemeClr>
+          </a:lnRef>
+          <a:fillRef idx="1">
+            <a:schemeClr val="accent1"/>
+          </a:fillRef>
+          <a:effectRef idx="0">
+            <a:schemeClr val="accent1"/>
+          </a:effectRef>
+          <a:fontRef idx="minor">
+            <a:schemeClr val="lt1"/>
+          </a:fontRef>
+        </p:style>
+        <p:txBody>
+          <a:bodyPr rtlCol="0" anchor="ctr"/>
+          <a:lstStyle/>
+          <a:p>
+            <a:pPr algn="ctr"/>
+            <a:r>
+              <a:rPr lang="en-US" sz="1200" b="1" dirty="0">
+                <a:solidFill>
+                  <a:schemeClr val="tx1"/>
+                </a:solidFill>
+              </a:rPr>
+              <a:t>LLM Attack Scenario Vulnerabilities analyzer</a:t>
+            </a:r>
+            <a:endParaRPr lang="en-SG" sz="1200" b="1" dirty="0">
+              <a:solidFill>
+                <a:schemeClr val="tx1"/>
+              </a:solidFill>
+            </a:endParaRPr>
+          </a:p>
+        </p:txBody>
+      </p:sp>
+      <p:cxnSp>
+        <p:nvCxnSpPr>
+          <p:cNvPr id="31" name="Connector: Elbow 30">
+            <a:extLst>
+              <a:ext uri="{FF2B5EF4-FFF2-40B4-BE49-F238E27FC236}">
+                <a16:creationId xmlns:a16="http://schemas.microsoft.com/office/drawing/2014/main" id="{EFDC38F1-664E-C11F-1387-D998F67F4E54}"/>
+              </a:ext>
+            </a:extLst>
+          </p:cNvPr>
+          <p:cNvCxnSpPr>
+            <a:cxnSpLocks/>
+            <a:stCxn id="49" idx="1"/>
+            <a:endCxn id="30" idx="0"/>
+          </p:cNvCxnSpPr>
+          <p:nvPr/>
+        </p:nvCxnSpPr>
+        <p:spPr>
+          <a:xfrm rot="10800000" flipV="1">
+            <a:off x="1861293" y="3379933"/>
+            <a:ext cx="691580" cy="2342321"/>
+          </a:xfrm>
+          <a:prstGeom prst="bentConnector2">
+            <a:avLst/>
+          </a:prstGeom>
+          <a:ln>
+            <a:tailEnd type="triangle"/>
+          </a:ln>
+        </p:spPr>
+        <p:style>
+          <a:lnRef idx="2">
+            <a:schemeClr val="accent1"/>
+          </a:lnRef>
+          <a:fillRef idx="0">
+            <a:schemeClr val="accent1"/>
+          </a:fillRef>
+          <a:effectRef idx="1">
+            <a:schemeClr val="accent1"/>
+          </a:effectRef>
+          <a:fontRef idx="minor">
+            <a:schemeClr val="tx1"/>
+          </a:fontRef>
+        </p:style>
+      </p:cxnSp>
+      <p:pic>
+        <p:nvPicPr>
+          <p:cNvPr id="43" name="Picture 42">
+            <a:extLst>
+              <a:ext uri="{FF2B5EF4-FFF2-40B4-BE49-F238E27FC236}">
+                <a16:creationId xmlns:a16="http://schemas.microsoft.com/office/drawing/2014/main" id="{9972BED4-3516-37DC-C2DF-1B900D12A45C}"/>
+              </a:ext>
+            </a:extLst>
+          </p:cNvPr>
+          <p:cNvPicPr>
+            <a:picLocks noChangeAspect="1"/>
+          </p:cNvPicPr>
+          <p:nvPr/>
+        </p:nvPicPr>
+        <p:blipFill>
+          <a:blip r:embed="rId9"/>
+          <a:stretch>
+            <a:fillRect/>
+          </a:stretch>
+        </p:blipFill>
+        <p:spPr>
+          <a:xfrm>
+            <a:off x="892600" y="6140266"/>
+            <a:ext cx="472479" cy="200203"/>
+          </a:xfrm>
+          <a:prstGeom prst="rect">
+            <a:avLst/>
+          </a:prstGeom>
+          <a:ln w="6350">
+            <a:solidFill>
+              <a:schemeClr val="tx1"/>
+            </a:solidFill>
+          </a:ln>
+        </p:spPr>
+      </p:pic>
+      <p:sp>
+        <p:nvSpPr>
+          <p:cNvPr id="44" name="TextBox 43">
+            <a:extLst>
+              <a:ext uri="{FF2B5EF4-FFF2-40B4-BE49-F238E27FC236}">
+                <a16:creationId xmlns:a16="http://schemas.microsoft.com/office/drawing/2014/main" id="{4D25D84D-6805-21D5-181C-15F6145903B0}"/>
+              </a:ext>
+            </a:extLst>
+          </p:cNvPr>
+          <p:cNvSpPr txBox="1"/>
+          <p:nvPr/>
+        </p:nvSpPr>
+        <p:spPr>
+          <a:xfrm>
+            <a:off x="3204706" y="5409032"/>
+            <a:ext cx="1821676" cy="261610"/>
+          </a:xfrm>
+          <a:prstGeom prst="rect">
+            <a:avLst/>
+          </a:prstGeom>
+          <a:ln>
+            <a:solidFill>
+              <a:srgbClr val="0070C0"/>
+            </a:solidFill>
+          </a:ln>
+        </p:spPr>
+        <p:style>
+          <a:lnRef idx="2">
+            <a:schemeClr val="accent2"/>
+          </a:lnRef>
+          <a:fillRef idx="1">
+            <a:schemeClr val="lt1"/>
+          </a:fillRef>
+          <a:effectRef idx="0">
+            <a:schemeClr val="accent2"/>
+          </a:effectRef>
+          <a:fontRef idx="minor">
+            <a:schemeClr val="dk1"/>
+          </a:fontRef>
+        </p:style>
+        <p:txBody>
+          <a:bodyPr wrap="square" rtlCol="0">
+            <a:spAutoFit/>
+          </a:bodyPr>
+          <a:lstStyle/>
+          <a:p>
+            <a:r>
+              <a:rPr lang="en-US" sz="1100" b="1" dirty="0">
+                <a:solidFill>
+                  <a:schemeClr val="tx2">
+                    <a:lumMod val="90000"/>
+                    <a:lumOff val="10000"/>
+                  </a:schemeClr>
+                </a:solidFill>
+              </a:rPr>
+              <a:t>Vulnerability summary 01</a:t>
+            </a:r>
+            <a:endParaRPr lang="en-SG" sz="1100" b="1" dirty="0">
+              <a:solidFill>
+                <a:schemeClr val="tx2">
+                  <a:lumMod val="90000"/>
+                  <a:lumOff val="10000"/>
+                </a:schemeClr>
+              </a:solidFill>
+            </a:endParaRPr>
+          </a:p>
+        </p:txBody>
+      </p:sp>
+      <p:sp>
+        <p:nvSpPr>
+          <p:cNvPr id="46" name="TextBox 45">
+            <a:extLst>
+              <a:ext uri="{FF2B5EF4-FFF2-40B4-BE49-F238E27FC236}">
+                <a16:creationId xmlns:a16="http://schemas.microsoft.com/office/drawing/2014/main" id="{8AC56F70-4337-A74E-B51F-27401CC82E8A}"/>
+              </a:ext>
+            </a:extLst>
+          </p:cNvPr>
+          <p:cNvSpPr txBox="1"/>
+          <p:nvPr/>
+        </p:nvSpPr>
+        <p:spPr>
+          <a:xfrm>
+            <a:off x="3204706" y="5784783"/>
+            <a:ext cx="1821676" cy="261610"/>
+          </a:xfrm>
+          <a:prstGeom prst="rect">
+            <a:avLst/>
+          </a:prstGeom>
+          <a:ln>
+            <a:solidFill>
+              <a:srgbClr val="0070C0"/>
+            </a:solidFill>
+          </a:ln>
+        </p:spPr>
+        <p:style>
+          <a:lnRef idx="2">
+            <a:schemeClr val="accent2"/>
+          </a:lnRef>
+          <a:fillRef idx="1">
+            <a:schemeClr val="lt1"/>
+          </a:fillRef>
+          <a:effectRef idx="0">
+            <a:schemeClr val="accent2"/>
+          </a:effectRef>
+          <a:fontRef idx="minor">
+            <a:schemeClr val="dk1"/>
+          </a:fontRef>
+        </p:style>
+        <p:txBody>
+          <a:bodyPr wrap="square" rtlCol="0">
+            <a:spAutoFit/>
+          </a:bodyPr>
+          <a:lstStyle/>
+          <a:p>
+            <a:r>
+              <a:rPr lang="en-US" sz="1100" b="1" dirty="0">
+                <a:solidFill>
+                  <a:schemeClr val="tx2">
+                    <a:lumMod val="90000"/>
+                    <a:lumOff val="10000"/>
+                  </a:schemeClr>
+                </a:solidFill>
+              </a:rPr>
+              <a:t>Vulnerability summary 02</a:t>
+            </a:r>
+            <a:endParaRPr lang="en-SG" sz="1100" b="1" dirty="0">
+              <a:solidFill>
+                <a:schemeClr val="tx2">
+                  <a:lumMod val="90000"/>
+                  <a:lumOff val="10000"/>
+                </a:schemeClr>
+              </a:solidFill>
+            </a:endParaRPr>
+          </a:p>
+        </p:txBody>
+      </p:sp>
+      <p:sp>
+        <p:nvSpPr>
+          <p:cNvPr id="47" name="TextBox 46">
+            <a:extLst>
+              <a:ext uri="{FF2B5EF4-FFF2-40B4-BE49-F238E27FC236}">
+                <a16:creationId xmlns:a16="http://schemas.microsoft.com/office/drawing/2014/main" id="{58BA8294-5E47-5CFB-56D4-18FDF4928B70}"/>
+              </a:ext>
+            </a:extLst>
+          </p:cNvPr>
+          <p:cNvSpPr txBox="1"/>
+          <p:nvPr/>
+        </p:nvSpPr>
+        <p:spPr>
+          <a:xfrm>
+            <a:off x="3204706" y="6240367"/>
+            <a:ext cx="1821676" cy="261610"/>
+          </a:xfrm>
+          <a:prstGeom prst="rect">
+            <a:avLst/>
+          </a:prstGeom>
+          <a:ln>
+            <a:solidFill>
+              <a:srgbClr val="0070C0"/>
+            </a:solidFill>
+          </a:ln>
+        </p:spPr>
+        <p:style>
+          <a:lnRef idx="2">
+            <a:schemeClr val="accent2"/>
+          </a:lnRef>
+          <a:fillRef idx="1">
+            <a:schemeClr val="lt1"/>
+          </a:fillRef>
+          <a:effectRef idx="0">
+            <a:schemeClr val="accent2"/>
+          </a:effectRef>
+          <a:fontRef idx="minor">
+            <a:schemeClr val="dk1"/>
+          </a:fontRef>
+        </p:style>
+        <p:txBody>
+          <a:bodyPr wrap="square" rtlCol="0">
+            <a:spAutoFit/>
+          </a:bodyPr>
+          <a:lstStyle/>
+          <a:p>
+            <a:r>
+              <a:rPr lang="en-US" sz="1100" b="1" dirty="0">
+                <a:solidFill>
+                  <a:schemeClr val="tx2">
+                    <a:lumMod val="90000"/>
+                    <a:lumOff val="10000"/>
+                  </a:schemeClr>
+                </a:solidFill>
+              </a:rPr>
+              <a:t>Vulnerability summary N</a:t>
+            </a:r>
+            <a:endParaRPr lang="en-SG" sz="1100" b="1" dirty="0">
+              <a:solidFill>
+                <a:schemeClr val="tx2">
+                  <a:lumMod val="90000"/>
+                  <a:lumOff val="10000"/>
+                </a:schemeClr>
+              </a:solidFill>
+            </a:endParaRPr>
+          </a:p>
+        </p:txBody>
+      </p:sp>
+      <p:sp>
+        <p:nvSpPr>
+          <p:cNvPr id="48" name="TextBox 47">
+            <a:extLst>
+              <a:ext uri="{FF2B5EF4-FFF2-40B4-BE49-F238E27FC236}">
+                <a16:creationId xmlns:a16="http://schemas.microsoft.com/office/drawing/2014/main" id="{15D604D0-7093-F526-F476-0A56339D0C63}"/>
+              </a:ext>
+            </a:extLst>
+          </p:cNvPr>
+          <p:cNvSpPr txBox="1"/>
+          <p:nvPr/>
+        </p:nvSpPr>
+        <p:spPr>
+          <a:xfrm>
+            <a:off x="3877779" y="5907837"/>
+            <a:ext cx="475529" cy="400110"/>
+          </a:xfrm>
+          <a:prstGeom prst="rect">
+            <a:avLst/>
+          </a:prstGeom>
+          <a:noFill/>
+        </p:spPr>
+        <p:txBody>
+          <a:bodyPr wrap="square" rtlCol="0">
+            <a:spAutoFit/>
+          </a:bodyPr>
+          <a:lstStyle/>
+          <a:p>
+            <a:r>
+              <a:rPr lang="en-US" sz="2000" b="1" dirty="0"/>
+              <a:t>…</a:t>
+            </a:r>
+            <a:endParaRPr lang="en-SG" sz="2000" b="1" dirty="0"/>
+          </a:p>
+        </p:txBody>
+      </p:sp>
+      <p:cxnSp>
+        <p:nvCxnSpPr>
+          <p:cNvPr id="58" name="Connector: Elbow 57">
+            <a:extLst>
+              <a:ext uri="{FF2B5EF4-FFF2-40B4-BE49-F238E27FC236}">
+                <a16:creationId xmlns:a16="http://schemas.microsoft.com/office/drawing/2014/main" id="{401CE6D6-2D71-F2EE-8F1A-860E35EEEBDD}"/>
+              </a:ext>
+            </a:extLst>
+          </p:cNvPr>
+          <p:cNvCxnSpPr>
+            <a:cxnSpLocks/>
+            <a:stCxn id="30" idx="3"/>
+            <a:endCxn id="44" idx="1"/>
+          </p:cNvCxnSpPr>
+          <p:nvPr/>
+        </p:nvCxnSpPr>
+        <p:spPr>
+          <a:xfrm flipV="1">
+            <a:off x="2814318" y="5539837"/>
+            <a:ext cx="390388" cy="391424"/>
+          </a:xfrm>
+          <a:prstGeom prst="bentConnector3">
+            <a:avLst>
+              <a:gd name="adj1" fmla="val 50000"/>
+            </a:avLst>
+          </a:prstGeom>
+          <a:ln>
+            <a:tailEnd type="triangle"/>
+          </a:ln>
+        </p:spPr>
+        <p:style>
+          <a:lnRef idx="2">
+            <a:schemeClr val="accent1"/>
+          </a:lnRef>
+          <a:fillRef idx="0">
+            <a:schemeClr val="accent1"/>
+          </a:fillRef>
+          <a:effectRef idx="1">
+            <a:schemeClr val="accent1"/>
+          </a:effectRef>
+          <a:fontRef idx="minor">
+            <a:schemeClr val="tx1"/>
+          </a:fontRef>
+        </p:style>
+      </p:cxnSp>
+      <p:cxnSp>
+        <p:nvCxnSpPr>
+          <p:cNvPr id="62" name="Connector: Elbow 61">
+            <a:extLst>
+              <a:ext uri="{FF2B5EF4-FFF2-40B4-BE49-F238E27FC236}">
+                <a16:creationId xmlns:a16="http://schemas.microsoft.com/office/drawing/2014/main" id="{70ECE971-A32F-414B-97FF-0A4912DF2CF8}"/>
+              </a:ext>
+            </a:extLst>
+          </p:cNvPr>
+          <p:cNvCxnSpPr>
+            <a:cxnSpLocks/>
+            <a:stCxn id="30" idx="3"/>
+            <a:endCxn id="47" idx="1"/>
+          </p:cNvCxnSpPr>
+          <p:nvPr/>
+        </p:nvCxnSpPr>
+        <p:spPr>
+          <a:xfrm>
+            <a:off x="2814318" y="5931261"/>
+            <a:ext cx="390388" cy="439911"/>
+          </a:xfrm>
+          <a:prstGeom prst="bentConnector3">
+            <a:avLst>
+              <a:gd name="adj1" fmla="val 50000"/>
+            </a:avLst>
+          </a:prstGeom>
+          <a:ln>
+            <a:tailEnd type="triangle"/>
+          </a:ln>
+        </p:spPr>
+        <p:style>
+          <a:lnRef idx="2">
+            <a:schemeClr val="accent1"/>
+          </a:lnRef>
+          <a:fillRef idx="0">
+            <a:schemeClr val="accent1"/>
+          </a:fillRef>
+          <a:effectRef idx="1">
+            <a:schemeClr val="accent1"/>
+          </a:effectRef>
+          <a:fontRef idx="minor">
+            <a:schemeClr val="tx1"/>
+          </a:fontRef>
+        </p:style>
+      </p:cxnSp>
+      <p:cxnSp>
+        <p:nvCxnSpPr>
+          <p:cNvPr id="69" name="Connector: Elbow 68">
+            <a:extLst>
+              <a:ext uri="{FF2B5EF4-FFF2-40B4-BE49-F238E27FC236}">
+                <a16:creationId xmlns:a16="http://schemas.microsoft.com/office/drawing/2014/main" id="{F771C943-5A62-CA35-4541-4E872F56312F}"/>
+              </a:ext>
+            </a:extLst>
+          </p:cNvPr>
+          <p:cNvCxnSpPr>
+            <a:cxnSpLocks/>
+            <a:stCxn id="30" idx="3"/>
+            <a:endCxn id="46" idx="1"/>
+          </p:cNvCxnSpPr>
+          <p:nvPr/>
+        </p:nvCxnSpPr>
+        <p:spPr>
+          <a:xfrm flipV="1">
+            <a:off x="2814318" y="5915588"/>
+            <a:ext cx="390388" cy="15673"/>
+          </a:xfrm>
+          <a:prstGeom prst="bentConnector3">
+            <a:avLst>
+              <a:gd name="adj1" fmla="val 50000"/>
+            </a:avLst>
+          </a:prstGeom>
+          <a:ln>
+            <a:tailEnd type="triangle"/>
+          </a:ln>
+        </p:spPr>
+        <p:style>
+          <a:lnRef idx="2">
+            <a:schemeClr val="accent1"/>
+          </a:lnRef>
+          <a:fillRef idx="0">
+            <a:schemeClr val="accent1"/>
+          </a:fillRef>
+          <a:effectRef idx="1">
+            <a:schemeClr val="accent1"/>
+          </a:effectRef>
+          <a:fontRef idx="minor">
+            <a:schemeClr val="tx1"/>
+          </a:fontRef>
+        </p:style>
+      </p:cxnSp>
+      <p:cxnSp>
+        <p:nvCxnSpPr>
+          <p:cNvPr id="89" name="Connector: Elbow 88">
+            <a:extLst>
+              <a:ext uri="{FF2B5EF4-FFF2-40B4-BE49-F238E27FC236}">
+                <a16:creationId xmlns:a16="http://schemas.microsoft.com/office/drawing/2014/main" id="{7EC2E327-036D-E121-6D3C-C5EB798D1153}"/>
+              </a:ext>
+            </a:extLst>
+          </p:cNvPr>
+          <p:cNvCxnSpPr>
+            <a:cxnSpLocks/>
+            <a:stCxn id="52" idx="3"/>
+            <a:endCxn id="54" idx="1"/>
+          </p:cNvCxnSpPr>
+          <p:nvPr/>
+        </p:nvCxnSpPr>
+        <p:spPr>
+          <a:xfrm flipV="1">
+            <a:off x="4537362" y="4078001"/>
+            <a:ext cx="500932" cy="459306"/>
+          </a:xfrm>
+          <a:prstGeom prst="bentConnector3">
+            <a:avLst>
+              <a:gd name="adj1" fmla="val 50000"/>
+            </a:avLst>
+          </a:prstGeom>
+          <a:ln>
+            <a:solidFill>
+              <a:schemeClr val="accent2">
+                <a:lumMod val="75000"/>
+              </a:schemeClr>
+            </a:solidFill>
+            <a:tailEnd type="triangle"/>
+          </a:ln>
+        </p:spPr>
+        <p:style>
+          <a:lnRef idx="2">
+            <a:schemeClr val="accent1"/>
+          </a:lnRef>
+          <a:fillRef idx="0">
+            <a:schemeClr val="accent1"/>
+          </a:fillRef>
+          <a:effectRef idx="1">
+            <a:schemeClr val="accent1"/>
+          </a:effectRef>
+          <a:fontRef idx="minor">
+            <a:schemeClr val="tx1"/>
+          </a:fontRef>
+        </p:style>
+      </p:cxnSp>
+      <p:cxnSp>
+        <p:nvCxnSpPr>
+          <p:cNvPr id="92" name="Connector: Elbow 91">
+            <a:extLst>
+              <a:ext uri="{FF2B5EF4-FFF2-40B4-BE49-F238E27FC236}">
+                <a16:creationId xmlns:a16="http://schemas.microsoft.com/office/drawing/2014/main" id="{6F9D5982-D581-D173-C64F-2A0AFAE0FC2C}"/>
+              </a:ext>
+            </a:extLst>
+          </p:cNvPr>
+          <p:cNvCxnSpPr>
+            <a:cxnSpLocks/>
+            <a:stCxn id="52" idx="3"/>
+            <a:endCxn id="55" idx="1"/>
+          </p:cNvCxnSpPr>
+          <p:nvPr/>
+        </p:nvCxnSpPr>
+        <p:spPr>
+          <a:xfrm flipV="1">
+            <a:off x="4537362" y="4420288"/>
+            <a:ext cx="515643" cy="117019"/>
+          </a:xfrm>
+          <a:prstGeom prst="bentConnector3">
+            <a:avLst>
+              <a:gd name="adj1" fmla="val 50000"/>
+            </a:avLst>
+          </a:prstGeom>
+          <a:ln>
+            <a:solidFill>
+              <a:schemeClr val="accent2">
+                <a:lumMod val="75000"/>
+              </a:schemeClr>
+            </a:solidFill>
+            <a:tailEnd type="triangle"/>
+          </a:ln>
+        </p:spPr>
+        <p:style>
+          <a:lnRef idx="2">
+            <a:schemeClr val="accent1"/>
+          </a:lnRef>
+          <a:fillRef idx="0">
+            <a:schemeClr val="accent1"/>
+          </a:fillRef>
+          <a:effectRef idx="1">
+            <a:schemeClr val="accent1"/>
+          </a:effectRef>
+          <a:fontRef idx="minor">
+            <a:schemeClr val="tx1"/>
+          </a:fontRef>
+        </p:style>
+      </p:cxnSp>
+      <p:cxnSp>
+        <p:nvCxnSpPr>
+          <p:cNvPr id="99" name="Connector: Elbow 98">
+            <a:extLst>
+              <a:ext uri="{FF2B5EF4-FFF2-40B4-BE49-F238E27FC236}">
+                <a16:creationId xmlns:a16="http://schemas.microsoft.com/office/drawing/2014/main" id="{9B10862F-21D8-B0AE-1691-77280F9266D8}"/>
+              </a:ext>
+            </a:extLst>
+          </p:cNvPr>
+          <p:cNvCxnSpPr>
+            <a:cxnSpLocks/>
+            <a:stCxn id="52" idx="3"/>
+            <a:endCxn id="56" idx="1"/>
+          </p:cNvCxnSpPr>
+          <p:nvPr/>
+        </p:nvCxnSpPr>
+        <p:spPr>
+          <a:xfrm>
+            <a:off x="4537362" y="4537307"/>
+            <a:ext cx="538398" cy="350805"/>
+          </a:xfrm>
+          <a:prstGeom prst="bentConnector3">
+            <a:avLst>
+              <a:gd name="adj1" fmla="val 50000"/>
+            </a:avLst>
+          </a:prstGeom>
+          <a:ln>
+            <a:solidFill>
+              <a:schemeClr val="accent2">
+                <a:lumMod val="75000"/>
+              </a:schemeClr>
+            </a:solidFill>
+            <a:tailEnd type="triangle"/>
+          </a:ln>
+        </p:spPr>
+        <p:style>
+          <a:lnRef idx="2">
+            <a:schemeClr val="accent1"/>
+          </a:lnRef>
+          <a:fillRef idx="0">
+            <a:schemeClr val="accent1"/>
+          </a:fillRef>
+          <a:effectRef idx="1">
+            <a:schemeClr val="accent1"/>
+          </a:effectRef>
+          <a:fontRef idx="minor">
+            <a:schemeClr val="tx1"/>
+          </a:fontRef>
+        </p:style>
+      </p:cxnSp>
+      <p:pic>
+        <p:nvPicPr>
+          <p:cNvPr id="103" name="Picture 102">
+            <a:extLst>
+              <a:ext uri="{FF2B5EF4-FFF2-40B4-BE49-F238E27FC236}">
+                <a16:creationId xmlns:a16="http://schemas.microsoft.com/office/drawing/2014/main" id="{96C319F5-3DC5-6568-A256-F2887BB528CF}"/>
+              </a:ext>
+            </a:extLst>
+          </p:cNvPr>
+          <p:cNvPicPr>
+            <a:picLocks noChangeAspect="1"/>
+          </p:cNvPicPr>
+          <p:nvPr/>
+        </p:nvPicPr>
+        <p:blipFill>
+          <a:blip r:embed="rId9"/>
+          <a:stretch>
+            <a:fillRect/>
+          </a:stretch>
+        </p:blipFill>
+        <p:spPr>
+          <a:xfrm>
+            <a:off x="2623705" y="4731282"/>
+            <a:ext cx="472479" cy="200203"/>
+          </a:xfrm>
+          <a:prstGeom prst="rect">
+            <a:avLst/>
+          </a:prstGeom>
+          <a:ln w="6350">
+            <a:solidFill>
+              <a:schemeClr val="tx1"/>
+            </a:solidFill>
+          </a:ln>
+        </p:spPr>
+      </p:pic>
+      <p:cxnSp>
+        <p:nvCxnSpPr>
+          <p:cNvPr id="106" name="Straight Arrow Connector 105">
+            <a:extLst>
+              <a:ext uri="{FF2B5EF4-FFF2-40B4-BE49-F238E27FC236}">
+                <a16:creationId xmlns:a16="http://schemas.microsoft.com/office/drawing/2014/main" id="{C79FAC2F-45A0-76C4-7837-B1E7ED6D6B4B}"/>
+              </a:ext>
+            </a:extLst>
+          </p:cNvPr>
+          <p:cNvCxnSpPr>
+            <a:cxnSpLocks/>
+          </p:cNvCxnSpPr>
+          <p:nvPr/>
+        </p:nvCxnSpPr>
+        <p:spPr>
+          <a:xfrm>
+            <a:off x="1299165" y="5520880"/>
+            <a:ext cx="0" cy="201374"/>
+          </a:xfrm>
+          <a:prstGeom prst="straightConnector1">
+            <a:avLst/>
+          </a:prstGeom>
+          <a:ln>
+            <a:tailEnd type="triangle"/>
+          </a:ln>
+        </p:spPr>
+        <p:style>
+          <a:lnRef idx="2">
+            <a:schemeClr val="accent1"/>
+          </a:lnRef>
+          <a:fillRef idx="0">
+            <a:schemeClr val="accent1"/>
+          </a:fillRef>
+          <a:effectRef idx="1">
+            <a:schemeClr val="accent1"/>
+          </a:effectRef>
+          <a:fontRef idx="minor">
+            <a:schemeClr val="tx1"/>
+          </a:fontRef>
+        </p:style>
+      </p:cxnSp>
+      <p:sp>
+        <p:nvSpPr>
+          <p:cNvPr id="113" name="Rectangle 112">
+            <a:extLst>
+              <a:ext uri="{FF2B5EF4-FFF2-40B4-BE49-F238E27FC236}">
+                <a16:creationId xmlns:a16="http://schemas.microsoft.com/office/drawing/2014/main" id="{FF17CAAF-0B91-882B-3853-9431146D13F6}"/>
+              </a:ext>
+            </a:extLst>
+          </p:cNvPr>
+          <p:cNvSpPr/>
+          <p:nvPr/>
+        </p:nvSpPr>
+        <p:spPr>
+          <a:xfrm>
+            <a:off x="5471182" y="5625808"/>
+            <a:ext cx="2144892" cy="989411"/>
+          </a:xfrm>
+          <a:prstGeom prst="rect">
+            <a:avLst/>
+          </a:prstGeom>
+          <a:noFill/>
+          <a:ln>
+            <a:prstDash val="sysDot"/>
+          </a:ln>
+        </p:spPr>
+        <p:style>
+          <a:lnRef idx="2">
+            <a:schemeClr val="accent1">
+              <a:shade val="15000"/>
+            </a:schemeClr>
+          </a:lnRef>
+          <a:fillRef idx="1">
+            <a:schemeClr val="accent1"/>
+          </a:fillRef>
+          <a:effectRef idx="0">
+            <a:schemeClr val="accent1"/>
+          </a:effectRef>
+          <a:fontRef idx="minor">
+            <a:schemeClr val="lt1"/>
+          </a:fontRef>
+        </p:style>
+        <p:txBody>
+          <a:bodyPr rtlCol="0" anchor="ctr"/>
+          <a:lstStyle/>
+          <a:p>
+            <a:pPr algn="ctr"/>
+            <a:endParaRPr lang="en-SG" sz="1200" b="1" dirty="0">
+              <a:solidFill>
+                <a:schemeClr val="tx1"/>
+              </a:solidFill>
+            </a:endParaRPr>
+          </a:p>
+        </p:txBody>
+      </p:sp>
+      <p:sp>
+        <p:nvSpPr>
+          <p:cNvPr id="122" name="Rectangle 121">
+            <a:extLst>
+              <a:ext uri="{FF2B5EF4-FFF2-40B4-BE49-F238E27FC236}">
+                <a16:creationId xmlns:a16="http://schemas.microsoft.com/office/drawing/2014/main" id="{4AD8421E-48EB-45C2-7AD1-D78DC788A232}"/>
+              </a:ext>
+            </a:extLst>
+          </p:cNvPr>
+          <p:cNvSpPr/>
+          <p:nvPr/>
+        </p:nvSpPr>
+        <p:spPr>
+          <a:xfrm>
+            <a:off x="5737039" y="6064552"/>
+            <a:ext cx="1651522" cy="292582"/>
+          </a:xfrm>
+          <a:prstGeom prst="rect">
+            <a:avLst/>
+          </a:prstGeom>
+          <a:solidFill>
+            <a:schemeClr val="tx2">
+              <a:lumMod val="25000"/>
+              <a:lumOff val="75000"/>
+            </a:schemeClr>
+          </a:solidFill>
+        </p:spPr>
+        <p:style>
+          <a:lnRef idx="2">
+            <a:schemeClr val="accent1">
+              <a:shade val="15000"/>
+            </a:schemeClr>
+          </a:lnRef>
+          <a:fillRef idx="1">
+            <a:schemeClr val="accent1"/>
+          </a:fillRef>
+          <a:effectRef idx="0">
+            <a:schemeClr val="accent1"/>
+          </a:effectRef>
+          <a:fontRef idx="minor">
+            <a:schemeClr val="lt1"/>
+          </a:fontRef>
+        </p:style>
+        <p:txBody>
+          <a:bodyPr rtlCol="0" anchor="ctr"/>
+          <a:lstStyle/>
+          <a:p>
+            <a:pPr algn="ctr"/>
+            <a:r>
+              <a:rPr lang="en-US" sz="1200" b="1" dirty="0">
+                <a:solidFill>
+                  <a:schemeClr val="tx1"/>
+                </a:solidFill>
+              </a:rPr>
+              <a:t>MITRE CWE Matcher</a:t>
+            </a:r>
+            <a:endParaRPr lang="en-SG" sz="1200" b="1" dirty="0">
+              <a:solidFill>
+                <a:schemeClr val="tx1"/>
+              </a:solidFill>
+            </a:endParaRPr>
+          </a:p>
+        </p:txBody>
+      </p:sp>
+      <p:pic>
+        <p:nvPicPr>
+          <p:cNvPr id="123" name="Picture 122">
+            <a:extLst>
+              <a:ext uri="{FF2B5EF4-FFF2-40B4-BE49-F238E27FC236}">
+                <a16:creationId xmlns:a16="http://schemas.microsoft.com/office/drawing/2014/main" id="{EB07529E-610F-FE25-EF78-FC87A6952A73}"/>
+              </a:ext>
+            </a:extLst>
+          </p:cNvPr>
+          <p:cNvPicPr>
+            <a:picLocks noChangeAspect="1"/>
+          </p:cNvPicPr>
+          <p:nvPr/>
+        </p:nvPicPr>
+        <p:blipFill>
+          <a:blip r:embed="rId11"/>
+          <a:stretch>
+            <a:fillRect/>
+          </a:stretch>
+        </p:blipFill>
+        <p:spPr>
+          <a:xfrm>
+            <a:off x="5712370" y="5379788"/>
+            <a:ext cx="933600" cy="483557"/>
+          </a:xfrm>
+          <a:prstGeom prst="rect">
+            <a:avLst/>
+          </a:prstGeom>
+          <a:ln w="12700">
+            <a:solidFill>
+              <a:schemeClr val="tx1"/>
+            </a:solidFill>
+          </a:ln>
+        </p:spPr>
+      </p:pic>
+      <p:cxnSp>
+        <p:nvCxnSpPr>
+          <p:cNvPr id="124" name="Straight Arrow Connector 123">
+            <a:extLst>
+              <a:ext uri="{FF2B5EF4-FFF2-40B4-BE49-F238E27FC236}">
+                <a16:creationId xmlns:a16="http://schemas.microsoft.com/office/drawing/2014/main" id="{05808EE1-2C17-E9C7-92C0-08E46819DF23}"/>
+              </a:ext>
+            </a:extLst>
+          </p:cNvPr>
+          <p:cNvCxnSpPr>
+            <a:cxnSpLocks/>
+            <a:stCxn id="44" idx="3"/>
+            <a:endCxn id="122" idx="1"/>
+          </p:cNvCxnSpPr>
+          <p:nvPr/>
+        </p:nvCxnSpPr>
+        <p:spPr>
+          <a:xfrm>
+            <a:off x="5026382" y="5539837"/>
+            <a:ext cx="710657" cy="671006"/>
+          </a:xfrm>
+          <a:prstGeom prst="straightConnector1">
+            <a:avLst/>
+          </a:prstGeom>
+          <a:ln w="12700">
+            <a:tailEnd type="triangle"/>
+          </a:ln>
+        </p:spPr>
+        <p:style>
+          <a:lnRef idx="2">
+            <a:schemeClr val="accent1"/>
+          </a:lnRef>
+          <a:fillRef idx="0">
+            <a:schemeClr val="accent1"/>
+          </a:fillRef>
+          <a:effectRef idx="1">
+            <a:schemeClr val="accent1"/>
+          </a:effectRef>
+          <a:fontRef idx="minor">
+            <a:schemeClr val="tx1"/>
+          </a:fontRef>
+        </p:style>
+      </p:cxnSp>
+      <p:cxnSp>
+        <p:nvCxnSpPr>
+          <p:cNvPr id="129" name="Straight Arrow Connector 128">
+            <a:extLst>
+              <a:ext uri="{FF2B5EF4-FFF2-40B4-BE49-F238E27FC236}">
+                <a16:creationId xmlns:a16="http://schemas.microsoft.com/office/drawing/2014/main" id="{21DA997B-05FA-AE56-47C0-53BB690C2523}"/>
+              </a:ext>
+            </a:extLst>
+          </p:cNvPr>
+          <p:cNvCxnSpPr>
+            <a:cxnSpLocks/>
+            <a:stCxn id="46" idx="3"/>
+          </p:cNvCxnSpPr>
+          <p:nvPr/>
+        </p:nvCxnSpPr>
+        <p:spPr>
+          <a:xfrm>
+            <a:off x="5026382" y="5915588"/>
+            <a:ext cx="710657" cy="301642"/>
+          </a:xfrm>
+          <a:prstGeom prst="straightConnector1">
+            <a:avLst/>
+          </a:prstGeom>
+          <a:ln w="12700">
+            <a:tailEnd type="triangle"/>
+          </a:ln>
+        </p:spPr>
+        <p:style>
+          <a:lnRef idx="2">
+            <a:schemeClr val="accent1"/>
+          </a:lnRef>
+          <a:fillRef idx="0">
+            <a:schemeClr val="accent1"/>
+          </a:fillRef>
+          <a:effectRef idx="1">
+            <a:schemeClr val="accent1"/>
+          </a:effectRef>
+          <a:fontRef idx="minor">
+            <a:schemeClr val="tx1"/>
+          </a:fontRef>
+        </p:style>
+      </p:cxnSp>
+      <p:cxnSp>
+        <p:nvCxnSpPr>
+          <p:cNvPr id="131" name="Straight Arrow Connector 130">
+            <a:extLst>
+              <a:ext uri="{FF2B5EF4-FFF2-40B4-BE49-F238E27FC236}">
+                <a16:creationId xmlns:a16="http://schemas.microsoft.com/office/drawing/2014/main" id="{24B78830-A9CE-3C3B-943D-DFA2E825990D}"/>
+              </a:ext>
+            </a:extLst>
+          </p:cNvPr>
+          <p:cNvCxnSpPr>
+            <a:cxnSpLocks/>
+            <a:stCxn id="47" idx="3"/>
+            <a:endCxn id="122" idx="1"/>
+          </p:cNvCxnSpPr>
+          <p:nvPr/>
+        </p:nvCxnSpPr>
+        <p:spPr>
+          <a:xfrm flipV="1">
+            <a:off x="5026382" y="6210843"/>
+            <a:ext cx="710657" cy="160329"/>
+          </a:xfrm>
+          <a:prstGeom prst="straightConnector1">
+            <a:avLst/>
+          </a:prstGeom>
+          <a:ln w="12700">
+            <a:tailEnd type="triangle"/>
+          </a:ln>
+        </p:spPr>
+        <p:style>
+          <a:lnRef idx="2">
+            <a:schemeClr val="accent1"/>
+          </a:lnRef>
+          <a:fillRef idx="0">
+            <a:schemeClr val="accent1"/>
+          </a:fillRef>
+          <a:effectRef idx="1">
+            <a:schemeClr val="accent1"/>
+          </a:effectRef>
+          <a:fontRef idx="minor">
+            <a:schemeClr val="tx1"/>
+          </a:fontRef>
+        </p:style>
+      </p:cxnSp>
+      <p:sp>
+        <p:nvSpPr>
+          <p:cNvPr id="134" name="TextBox 133">
+            <a:extLst>
+              <a:ext uri="{FF2B5EF4-FFF2-40B4-BE49-F238E27FC236}">
+                <a16:creationId xmlns:a16="http://schemas.microsoft.com/office/drawing/2014/main" id="{011FE52A-F078-496E-0E62-0B5A35E76EFE}"/>
+              </a:ext>
+            </a:extLst>
+          </p:cNvPr>
+          <p:cNvSpPr txBox="1"/>
+          <p:nvPr/>
+        </p:nvSpPr>
+        <p:spPr>
+          <a:xfrm>
+            <a:off x="5566779" y="6376205"/>
+            <a:ext cx="2144892" cy="261610"/>
+          </a:xfrm>
+          <a:prstGeom prst="rect">
+            <a:avLst/>
+          </a:prstGeom>
+          <a:noFill/>
+        </p:spPr>
+        <p:txBody>
+          <a:bodyPr wrap="square" rtlCol="0">
+            <a:spAutoFit/>
+          </a:bodyPr>
+          <a:lstStyle/>
+          <a:p>
+            <a:r>
+              <a:rPr lang="en-US" sz="1100" b="1" dirty="0">
+                <a:solidFill>
+                  <a:schemeClr val="tx2">
+                    <a:lumMod val="75000"/>
+                    <a:lumOff val="25000"/>
+                  </a:schemeClr>
+                </a:solidFill>
+              </a:rPr>
+              <a:t>LLM MITRE CWE Tree matcher</a:t>
+            </a:r>
+            <a:endParaRPr lang="en-SG" sz="1100" b="1" dirty="0">
+              <a:solidFill>
+                <a:schemeClr val="tx2">
+                  <a:lumMod val="75000"/>
+                  <a:lumOff val="25000"/>
+                </a:schemeClr>
+              </a:solidFill>
+            </a:endParaRPr>
+          </a:p>
+        </p:txBody>
+      </p:sp>
+      <p:pic>
+        <p:nvPicPr>
+          <p:cNvPr id="135" name="Picture 134">
+            <a:extLst>
+              <a:ext uri="{FF2B5EF4-FFF2-40B4-BE49-F238E27FC236}">
+                <a16:creationId xmlns:a16="http://schemas.microsoft.com/office/drawing/2014/main" id="{6F353089-2D34-0618-FB52-7E9403257B5B}"/>
+              </a:ext>
+            </a:extLst>
+          </p:cNvPr>
+          <p:cNvPicPr>
+            <a:picLocks noChangeAspect="1"/>
+          </p:cNvPicPr>
+          <p:nvPr/>
+        </p:nvPicPr>
+        <p:blipFill>
+          <a:blip r:embed="rId9"/>
+          <a:stretch>
+            <a:fillRect/>
+          </a:stretch>
+        </p:blipFill>
+        <p:spPr>
+          <a:xfrm>
+            <a:off x="6935399" y="5868402"/>
+            <a:ext cx="419611" cy="177801"/>
+          </a:xfrm>
+          <a:prstGeom prst="rect">
+            <a:avLst/>
+          </a:prstGeom>
+          <a:ln w="6350">
+            <a:solidFill>
+              <a:schemeClr val="tx1"/>
+            </a:solidFill>
+          </a:ln>
+        </p:spPr>
+      </p:pic>
+      <p:cxnSp>
+        <p:nvCxnSpPr>
+          <p:cNvPr id="136" name="Straight Arrow Connector 135">
+            <a:extLst>
+              <a:ext uri="{FF2B5EF4-FFF2-40B4-BE49-F238E27FC236}">
+                <a16:creationId xmlns:a16="http://schemas.microsoft.com/office/drawing/2014/main" id="{24B771DD-25B1-DD07-182A-5045D75BC32A}"/>
+              </a:ext>
+            </a:extLst>
+          </p:cNvPr>
+          <p:cNvCxnSpPr>
+            <a:cxnSpLocks/>
+          </p:cNvCxnSpPr>
+          <p:nvPr/>
+        </p:nvCxnSpPr>
+        <p:spPr>
+          <a:xfrm>
+            <a:off x="6096000" y="5875340"/>
+            <a:ext cx="0" cy="201374"/>
+          </a:xfrm>
+          <a:prstGeom prst="straightConnector1">
+            <a:avLst/>
+          </a:prstGeom>
+          <a:ln>
+            <a:tailEnd type="triangle"/>
+          </a:ln>
+        </p:spPr>
+        <p:style>
+          <a:lnRef idx="2">
+            <a:schemeClr val="accent1"/>
+          </a:lnRef>
+          <a:fillRef idx="0">
+            <a:schemeClr val="accent1"/>
+          </a:fillRef>
+          <a:effectRef idx="1">
+            <a:schemeClr val="accent1"/>
+          </a:effectRef>
+          <a:fontRef idx="minor">
+            <a:schemeClr val="tx1"/>
+          </a:fontRef>
+        </p:style>
+      </p:cxnSp>
+      <p:sp>
+        <p:nvSpPr>
+          <p:cNvPr id="144" name="Rectangle 143">
+            <a:extLst>
+              <a:ext uri="{FF2B5EF4-FFF2-40B4-BE49-F238E27FC236}">
+                <a16:creationId xmlns:a16="http://schemas.microsoft.com/office/drawing/2014/main" id="{C0D031EB-BD2C-61BB-5D84-DC4B07B52B1B}"/>
+              </a:ext>
+            </a:extLst>
+          </p:cNvPr>
+          <p:cNvSpPr/>
+          <p:nvPr/>
+        </p:nvSpPr>
+        <p:spPr>
+          <a:xfrm>
+            <a:off x="401433" y="633957"/>
+            <a:ext cx="5814646" cy="1079287"/>
+          </a:xfrm>
+          <a:prstGeom prst="rect">
+            <a:avLst/>
+          </a:prstGeom>
+          <a:noFill/>
+          <a:ln w="12700">
+            <a:solidFill>
+              <a:schemeClr val="accent6">
+                <a:lumMod val="75000"/>
+              </a:schemeClr>
+            </a:solidFill>
+            <a:prstDash val="sysDash"/>
+          </a:ln>
+        </p:spPr>
+        <p:style>
+          <a:lnRef idx="2">
+            <a:schemeClr val="accent1">
+              <a:shade val="15000"/>
+            </a:schemeClr>
+          </a:lnRef>
+          <a:fillRef idx="1">
+            <a:schemeClr val="accent1"/>
+          </a:fillRef>
+          <a:effectRef idx="0">
+            <a:schemeClr val="accent1"/>
+          </a:effectRef>
+          <a:fontRef idx="minor">
+            <a:schemeClr val="lt1"/>
+          </a:fontRef>
+        </p:style>
+        <p:txBody>
+          <a:bodyPr rtlCol="0" anchor="ctr"/>
+          <a:lstStyle/>
+          <a:p>
+            <a:pPr algn="ctr"/>
+            <a:endParaRPr lang="en-SG" dirty="0"/>
+          </a:p>
+        </p:txBody>
+      </p:sp>
+      <p:cxnSp>
+        <p:nvCxnSpPr>
+          <p:cNvPr id="145" name="Connector: Elbow 144">
+            <a:extLst>
+              <a:ext uri="{FF2B5EF4-FFF2-40B4-BE49-F238E27FC236}">
+                <a16:creationId xmlns:a16="http://schemas.microsoft.com/office/drawing/2014/main" id="{96F959C3-461C-B70E-454E-B1D17FAC8E24}"/>
+              </a:ext>
+            </a:extLst>
+          </p:cNvPr>
+          <p:cNvCxnSpPr>
+            <a:cxnSpLocks/>
+            <a:stCxn id="144" idx="3"/>
+            <a:endCxn id="110" idx="0"/>
+          </p:cNvCxnSpPr>
+          <p:nvPr/>
+        </p:nvCxnSpPr>
+        <p:spPr>
+          <a:xfrm>
+            <a:off x="6216079" y="1173601"/>
+            <a:ext cx="315918" cy="747178"/>
+          </a:xfrm>
+          <a:prstGeom prst="bentConnector2">
+            <a:avLst/>
+          </a:prstGeom>
+          <a:ln>
+            <a:solidFill>
+              <a:schemeClr val="accent3">
+                <a:lumMod val="60000"/>
+                <a:lumOff val="40000"/>
+              </a:schemeClr>
+            </a:solidFill>
+            <a:prstDash val="sysDash"/>
+            <a:tailEnd type="triangle"/>
+          </a:ln>
+        </p:spPr>
+        <p:style>
+          <a:lnRef idx="2">
+            <a:schemeClr val="accent1"/>
+          </a:lnRef>
+          <a:fillRef idx="0">
+            <a:schemeClr val="accent1"/>
+          </a:fillRef>
+          <a:effectRef idx="1">
+            <a:schemeClr val="accent1"/>
+          </a:effectRef>
+          <a:fontRef idx="minor">
+            <a:schemeClr val="tx1"/>
+          </a:fontRef>
+        </p:style>
+      </p:cxnSp>
+      <p:cxnSp>
+        <p:nvCxnSpPr>
+          <p:cNvPr id="148" name="Straight Arrow Connector 147">
+            <a:extLst>
+              <a:ext uri="{FF2B5EF4-FFF2-40B4-BE49-F238E27FC236}">
+                <a16:creationId xmlns:a16="http://schemas.microsoft.com/office/drawing/2014/main" id="{8647F738-23F6-B663-AF62-05BA16FFA82C}"/>
+              </a:ext>
+            </a:extLst>
+          </p:cNvPr>
+          <p:cNvCxnSpPr>
+            <a:cxnSpLocks/>
+            <a:stCxn id="122" idx="3"/>
+          </p:cNvCxnSpPr>
+          <p:nvPr/>
+        </p:nvCxnSpPr>
+        <p:spPr>
+          <a:xfrm>
+            <a:off x="7388561" y="6210843"/>
+            <a:ext cx="418707" cy="0"/>
+          </a:xfrm>
+          <a:prstGeom prst="straightConnector1">
+            <a:avLst/>
+          </a:prstGeom>
+          <a:ln>
+            <a:tailEnd type="triangle"/>
+          </a:ln>
+        </p:spPr>
+        <p:style>
+          <a:lnRef idx="2">
+            <a:schemeClr val="accent1"/>
+          </a:lnRef>
+          <a:fillRef idx="0">
+            <a:schemeClr val="accent1"/>
+          </a:fillRef>
+          <a:effectRef idx="1">
+            <a:schemeClr val="accent1"/>
+          </a:effectRef>
+          <a:fontRef idx="minor">
+            <a:schemeClr val="tx1"/>
+          </a:fontRef>
+        </p:style>
+      </p:cxnSp>
+      <p:sp>
+        <p:nvSpPr>
+          <p:cNvPr id="151" name="Rectangle 150">
+            <a:extLst>
+              <a:ext uri="{FF2B5EF4-FFF2-40B4-BE49-F238E27FC236}">
+                <a16:creationId xmlns:a16="http://schemas.microsoft.com/office/drawing/2014/main" id="{8852DF70-68DC-B448-EA8A-2A4058AD98A0}"/>
+              </a:ext>
+            </a:extLst>
+          </p:cNvPr>
+          <p:cNvSpPr/>
+          <p:nvPr/>
+        </p:nvSpPr>
+        <p:spPr>
+          <a:xfrm>
+            <a:off x="7807268" y="5954763"/>
+            <a:ext cx="1726742" cy="455774"/>
+          </a:xfrm>
+          <a:prstGeom prst="rect">
+            <a:avLst/>
+          </a:prstGeom>
+          <a:solidFill>
+            <a:schemeClr val="tx2">
+              <a:lumMod val="25000"/>
+              <a:lumOff val="75000"/>
+            </a:schemeClr>
+          </a:solidFill>
+        </p:spPr>
+        <p:style>
+          <a:lnRef idx="2">
+            <a:schemeClr val="accent1">
+              <a:shade val="15000"/>
+            </a:schemeClr>
+          </a:lnRef>
+          <a:fillRef idx="1">
+            <a:schemeClr val="accent1"/>
+          </a:fillRef>
+          <a:effectRef idx="0">
+            <a:schemeClr val="accent1"/>
+          </a:effectRef>
+          <a:fontRef idx="minor">
+            <a:schemeClr val="lt1"/>
+          </a:fontRef>
+        </p:style>
+        <p:txBody>
+          <a:bodyPr rtlCol="0" anchor="ctr"/>
+          <a:lstStyle/>
+          <a:p>
+            <a:pPr algn="ctr"/>
+            <a:r>
+              <a:rPr lang="en-US" sz="1200" b="1" dirty="0">
+                <a:solidFill>
+                  <a:schemeClr val="tx1"/>
+                </a:solidFill>
+              </a:rPr>
+              <a:t>Match explanation report generator </a:t>
+            </a:r>
+            <a:endParaRPr lang="en-SG" sz="1200" b="1" dirty="0">
+              <a:solidFill>
+                <a:schemeClr val="tx1"/>
+              </a:solidFill>
+            </a:endParaRPr>
+          </a:p>
+        </p:txBody>
+      </p:sp>
+      <p:cxnSp>
+        <p:nvCxnSpPr>
+          <p:cNvPr id="174" name="Straight Arrow Connector 173">
+            <a:extLst>
+              <a:ext uri="{FF2B5EF4-FFF2-40B4-BE49-F238E27FC236}">
+                <a16:creationId xmlns:a16="http://schemas.microsoft.com/office/drawing/2014/main" id="{92BF227A-4F45-0DA8-91F8-E04AB7A256EC}"/>
+              </a:ext>
+            </a:extLst>
+          </p:cNvPr>
+          <p:cNvCxnSpPr>
+            <a:cxnSpLocks/>
+            <a:stCxn id="151" idx="3"/>
+          </p:cNvCxnSpPr>
+          <p:nvPr/>
+        </p:nvCxnSpPr>
+        <p:spPr>
+          <a:xfrm>
+            <a:off x="9534010" y="6182650"/>
+            <a:ext cx="397254" cy="0"/>
+          </a:xfrm>
+          <a:prstGeom prst="straightConnector1">
+            <a:avLst/>
+          </a:prstGeom>
+          <a:ln>
+            <a:solidFill>
+              <a:schemeClr val="tx2">
+                <a:lumMod val="75000"/>
+                <a:lumOff val="25000"/>
+              </a:schemeClr>
+            </a:solidFill>
+            <a:tailEnd type="triangle"/>
+          </a:ln>
+        </p:spPr>
+        <p:style>
+          <a:lnRef idx="2">
+            <a:schemeClr val="accent1"/>
+          </a:lnRef>
+          <a:fillRef idx="0">
+            <a:schemeClr val="accent1"/>
+          </a:fillRef>
+          <a:effectRef idx="1">
+            <a:schemeClr val="accent1"/>
+          </a:effectRef>
+          <a:fontRef idx="minor">
+            <a:schemeClr val="tx1"/>
+          </a:fontRef>
+        </p:style>
+      </p:cxnSp>
+      <p:pic>
+        <p:nvPicPr>
+          <p:cNvPr id="181" name="Picture 180">
+            <a:extLst>
+              <a:ext uri="{FF2B5EF4-FFF2-40B4-BE49-F238E27FC236}">
+                <a16:creationId xmlns:a16="http://schemas.microsoft.com/office/drawing/2014/main" id="{A9222246-CC47-913A-5A4C-5E636FAE1084}"/>
+              </a:ext>
+            </a:extLst>
+          </p:cNvPr>
+          <p:cNvPicPr>
+            <a:picLocks noChangeAspect="1"/>
+          </p:cNvPicPr>
+          <p:nvPr/>
+        </p:nvPicPr>
+        <p:blipFill>
+          <a:blip r:embed="rId8"/>
+          <a:stretch>
+            <a:fillRect/>
+          </a:stretch>
+        </p:blipFill>
+        <p:spPr>
+          <a:xfrm>
+            <a:off x="9982953" y="5705891"/>
+            <a:ext cx="638107" cy="764152"/>
+          </a:xfrm>
+          <a:prstGeom prst="rect">
+            <a:avLst/>
+          </a:prstGeom>
+          <a:ln w="19050">
+            <a:solidFill>
+              <a:schemeClr val="tx2">
+                <a:lumMod val="75000"/>
+                <a:lumOff val="25000"/>
+              </a:schemeClr>
+            </a:solidFill>
+          </a:ln>
+        </p:spPr>
+      </p:pic>
+      <p:sp>
+        <p:nvSpPr>
+          <p:cNvPr id="182" name="TextBox 181">
+            <a:extLst>
+              <a:ext uri="{FF2B5EF4-FFF2-40B4-BE49-F238E27FC236}">
+                <a16:creationId xmlns:a16="http://schemas.microsoft.com/office/drawing/2014/main" id="{EFF77B48-BEAA-A078-AA8D-BEDE2FC68C34}"/>
+              </a:ext>
+            </a:extLst>
+          </p:cNvPr>
+          <p:cNvSpPr txBox="1"/>
+          <p:nvPr/>
+        </p:nvSpPr>
+        <p:spPr>
+          <a:xfrm>
+            <a:off x="9924677" y="5035685"/>
+            <a:ext cx="1233191" cy="600164"/>
+          </a:xfrm>
+          <a:prstGeom prst="rect">
+            <a:avLst/>
+          </a:prstGeom>
+          <a:noFill/>
+        </p:spPr>
+        <p:txBody>
+          <a:bodyPr wrap="square" rtlCol="0">
+            <a:spAutoFit/>
+          </a:bodyPr>
+          <a:lstStyle/>
+          <a:p>
+            <a:r>
+              <a:rPr lang="en-US" sz="1100" b="1" dirty="0">
+                <a:solidFill>
+                  <a:schemeClr val="tx2">
+                    <a:lumMod val="75000"/>
+                    <a:lumOff val="25000"/>
+                  </a:schemeClr>
+                </a:solidFill>
+              </a:rPr>
+              <a:t>MITRE CWE vulnerability matching report</a:t>
+            </a:r>
+            <a:endParaRPr lang="en-SG" sz="1100" b="1" dirty="0">
+              <a:solidFill>
+                <a:schemeClr val="tx2">
+                  <a:lumMod val="75000"/>
+                  <a:lumOff val="25000"/>
+                </a:schemeClr>
+              </a:solidFill>
+            </a:endParaRPr>
+          </a:p>
+        </p:txBody>
+      </p:sp>
+      <p:pic>
+        <p:nvPicPr>
+          <p:cNvPr id="185" name="Picture 184">
+            <a:extLst>
+              <a:ext uri="{FF2B5EF4-FFF2-40B4-BE49-F238E27FC236}">
+                <a16:creationId xmlns:a16="http://schemas.microsoft.com/office/drawing/2014/main" id="{D8E9C96D-556B-ACC9-E977-9389170506EA}"/>
+              </a:ext>
+            </a:extLst>
+          </p:cNvPr>
+          <p:cNvPicPr>
+            <a:picLocks noChangeAspect="1"/>
+          </p:cNvPicPr>
+          <p:nvPr/>
+        </p:nvPicPr>
+        <p:blipFill>
+          <a:blip r:embed="rId12"/>
+          <a:stretch>
+            <a:fillRect/>
+          </a:stretch>
+        </p:blipFill>
+        <p:spPr>
+          <a:xfrm>
+            <a:off x="3931782" y="3696564"/>
+            <a:ext cx="518782" cy="413446"/>
+          </a:xfrm>
+          <a:prstGeom prst="rect">
+            <a:avLst/>
+          </a:prstGeom>
+          <a:ln>
+            <a:solidFill>
+              <a:schemeClr val="accent2">
+                <a:lumMod val="75000"/>
+              </a:schemeClr>
+            </a:solidFill>
+          </a:ln>
+        </p:spPr>
+      </p:pic>
+      <p:cxnSp>
+        <p:nvCxnSpPr>
+          <p:cNvPr id="186" name="Straight Arrow Connector 185">
+            <a:extLst>
+              <a:ext uri="{FF2B5EF4-FFF2-40B4-BE49-F238E27FC236}">
+                <a16:creationId xmlns:a16="http://schemas.microsoft.com/office/drawing/2014/main" id="{C768473F-52CD-3794-0683-A5CD91E91637}"/>
+              </a:ext>
+            </a:extLst>
+          </p:cNvPr>
+          <p:cNvCxnSpPr>
+            <a:cxnSpLocks/>
+          </p:cNvCxnSpPr>
+          <p:nvPr/>
+        </p:nvCxnSpPr>
+        <p:spPr>
+          <a:xfrm>
+            <a:off x="4195775" y="4126927"/>
+            <a:ext cx="0" cy="201374"/>
+          </a:xfrm>
+          <a:prstGeom prst="straightConnector1">
+            <a:avLst/>
+          </a:prstGeom>
+          <a:ln>
+            <a:solidFill>
+              <a:schemeClr val="accent2">
+                <a:lumMod val="75000"/>
+              </a:schemeClr>
+            </a:solidFill>
+            <a:tailEnd type="triangle"/>
+          </a:ln>
+        </p:spPr>
+        <p:style>
+          <a:lnRef idx="2">
+            <a:schemeClr val="accent1"/>
+          </a:lnRef>
+          <a:fillRef idx="0">
+            <a:schemeClr val="accent1"/>
+          </a:fillRef>
+          <a:effectRef idx="1">
+            <a:schemeClr val="accent1"/>
+          </a:effectRef>
+          <a:fontRef idx="minor">
+            <a:schemeClr val="tx1"/>
+          </a:fontRef>
+        </p:style>
+      </p:cxnSp>
+      <p:pic>
+        <p:nvPicPr>
+          <p:cNvPr id="187" name="Picture 186">
+            <a:extLst>
+              <a:ext uri="{FF2B5EF4-FFF2-40B4-BE49-F238E27FC236}">
+                <a16:creationId xmlns:a16="http://schemas.microsoft.com/office/drawing/2014/main" id="{D7206805-3137-6F13-B5C9-0A240E916A37}"/>
+              </a:ext>
+            </a:extLst>
+          </p:cNvPr>
+          <p:cNvPicPr>
+            <a:picLocks noChangeAspect="1"/>
+          </p:cNvPicPr>
+          <p:nvPr/>
+        </p:nvPicPr>
+        <p:blipFill>
+          <a:blip r:embed="rId12"/>
+          <a:stretch>
+            <a:fillRect/>
+          </a:stretch>
+        </p:blipFill>
+        <p:spPr>
+          <a:xfrm>
+            <a:off x="1009204" y="5083101"/>
+            <a:ext cx="518782" cy="413446"/>
+          </a:xfrm>
+          <a:prstGeom prst="rect">
+            <a:avLst/>
+          </a:prstGeom>
+          <a:ln>
+            <a:solidFill>
+              <a:schemeClr val="tx2">
+                <a:lumMod val="75000"/>
+                <a:lumOff val="25000"/>
+              </a:schemeClr>
+            </a:solidFill>
+          </a:ln>
+        </p:spPr>
+      </p:pic>
+      <p:sp>
+        <p:nvSpPr>
+          <p:cNvPr id="188" name="TextBox 187">
+            <a:extLst>
+              <a:ext uri="{FF2B5EF4-FFF2-40B4-BE49-F238E27FC236}">
+                <a16:creationId xmlns:a16="http://schemas.microsoft.com/office/drawing/2014/main" id="{029E672C-4898-D747-98E4-339865D46AAE}"/>
+              </a:ext>
+            </a:extLst>
+          </p:cNvPr>
+          <p:cNvSpPr txBox="1"/>
+          <p:nvPr/>
+        </p:nvSpPr>
+        <p:spPr>
+          <a:xfrm>
+            <a:off x="395157" y="4489375"/>
+            <a:ext cx="1233191" cy="769441"/>
+          </a:xfrm>
+          <a:prstGeom prst="rect">
+            <a:avLst/>
+          </a:prstGeom>
+          <a:noFill/>
+        </p:spPr>
+        <p:txBody>
+          <a:bodyPr wrap="square" rtlCol="0">
+            <a:spAutoFit/>
+          </a:bodyPr>
+          <a:lstStyle/>
+          <a:p>
+            <a:r>
+              <a:rPr lang="en-US" sz="1100" b="1" dirty="0">
+                <a:solidFill>
+                  <a:schemeClr val="tx2">
+                    <a:lumMod val="75000"/>
+                    <a:lumOff val="25000"/>
+                  </a:schemeClr>
+                </a:solidFill>
+              </a:rPr>
+              <a:t>MITRE CWE background knowledge AI prompt</a:t>
+            </a:r>
+            <a:endParaRPr lang="en-SG" sz="1100" b="1" dirty="0">
+              <a:solidFill>
+                <a:schemeClr val="tx2">
+                  <a:lumMod val="75000"/>
+                  <a:lumOff val="25000"/>
+                </a:schemeClr>
+              </a:solidFill>
+            </a:endParaRPr>
+          </a:p>
+        </p:txBody>
+      </p:sp>
+      <p:sp>
+        <p:nvSpPr>
+          <p:cNvPr id="189" name="TextBox 188">
+            <a:extLst>
+              <a:ext uri="{FF2B5EF4-FFF2-40B4-BE49-F238E27FC236}">
+                <a16:creationId xmlns:a16="http://schemas.microsoft.com/office/drawing/2014/main" id="{6653E644-93D8-8C86-C636-044AB5FBF35C}"/>
+              </a:ext>
+            </a:extLst>
+          </p:cNvPr>
+          <p:cNvSpPr txBox="1"/>
+          <p:nvPr/>
+        </p:nvSpPr>
+        <p:spPr>
+          <a:xfrm>
+            <a:off x="4406761" y="3185784"/>
+            <a:ext cx="1233191" cy="769441"/>
+          </a:xfrm>
+          <a:prstGeom prst="rect">
+            <a:avLst/>
+          </a:prstGeom>
+          <a:noFill/>
+        </p:spPr>
+        <p:txBody>
+          <a:bodyPr wrap="square" rtlCol="0">
+            <a:spAutoFit/>
+          </a:bodyPr>
+          <a:lstStyle/>
+          <a:p>
+            <a:r>
+              <a:rPr lang="en-US" sz="1100" b="1" dirty="0">
+                <a:solidFill>
+                  <a:schemeClr val="accent2">
+                    <a:lumMod val="75000"/>
+                  </a:schemeClr>
+                </a:solidFill>
+              </a:rPr>
+              <a:t>MITRE ATT&amp;CK background knowledge prompt</a:t>
+            </a:r>
+            <a:endParaRPr lang="en-SG" sz="1100" b="1" dirty="0">
+              <a:solidFill>
+                <a:schemeClr val="accent2">
+                  <a:lumMod val="75000"/>
+                </a:schemeClr>
+              </a:solidFill>
+            </a:endParaRPr>
+          </a:p>
+        </p:txBody>
+      </p:sp>
+      <p:sp>
+        <p:nvSpPr>
+          <p:cNvPr id="192" name="TextBox 191">
+            <a:extLst>
+              <a:ext uri="{FF2B5EF4-FFF2-40B4-BE49-F238E27FC236}">
+                <a16:creationId xmlns:a16="http://schemas.microsoft.com/office/drawing/2014/main" id="{1342E853-0462-8991-C0F5-CA91A126C6EB}"/>
+              </a:ext>
+            </a:extLst>
+          </p:cNvPr>
+          <p:cNvSpPr txBox="1"/>
+          <p:nvPr/>
+        </p:nvSpPr>
+        <p:spPr>
+          <a:xfrm>
+            <a:off x="315940" y="382310"/>
+            <a:ext cx="2752774" cy="261610"/>
+          </a:xfrm>
+          <a:prstGeom prst="rect">
+            <a:avLst/>
+          </a:prstGeom>
+          <a:noFill/>
+        </p:spPr>
+        <p:txBody>
+          <a:bodyPr wrap="square" rtlCol="0">
+            <a:spAutoFit/>
+          </a:bodyPr>
+          <a:lstStyle/>
+          <a:p>
+            <a:r>
+              <a:rPr lang="en-US" sz="1100" b="1" dirty="0">
+                <a:solidFill>
+                  <a:schemeClr val="accent6">
+                    <a:lumMod val="75000"/>
+                  </a:schemeClr>
+                </a:solidFill>
+              </a:rPr>
+              <a:t>Threats Scenario Description Source </a:t>
+            </a:r>
+            <a:endParaRPr lang="en-SG" sz="1100" b="1" dirty="0">
+              <a:solidFill>
+                <a:schemeClr val="accent6">
+                  <a:lumMod val="75000"/>
+                </a:schemeClr>
+              </a:solidFill>
+            </a:endParaRPr>
+          </a:p>
+        </p:txBody>
+      </p:sp>
+      <p:sp>
+        <p:nvSpPr>
+          <p:cNvPr id="193" name="TextBox 192">
+            <a:extLst>
+              <a:ext uri="{FF2B5EF4-FFF2-40B4-BE49-F238E27FC236}">
+                <a16:creationId xmlns:a16="http://schemas.microsoft.com/office/drawing/2014/main" id="{119F9805-4D0D-BA7B-4F03-5726A25391AB}"/>
+              </a:ext>
+            </a:extLst>
+          </p:cNvPr>
+          <p:cNvSpPr txBox="1"/>
+          <p:nvPr/>
+        </p:nvSpPr>
+        <p:spPr>
+          <a:xfrm>
+            <a:off x="6208247" y="1136783"/>
+            <a:ext cx="1843876" cy="600164"/>
+          </a:xfrm>
+          <a:prstGeom prst="rect">
+            <a:avLst/>
+          </a:prstGeom>
+          <a:noFill/>
+        </p:spPr>
+        <p:txBody>
+          <a:bodyPr wrap="square" rtlCol="0">
+            <a:spAutoFit/>
+          </a:bodyPr>
+          <a:lstStyle/>
+          <a:p>
+            <a:r>
+              <a:rPr lang="en-US" sz="1100" b="1" dirty="0">
+                <a:solidFill>
+                  <a:schemeClr val="accent6">
+                    <a:lumMod val="75000"/>
+                  </a:schemeClr>
+                </a:solidFill>
+              </a:rPr>
+              <a:t>Threats Scenario Description original contents </a:t>
+            </a:r>
+            <a:endParaRPr lang="en-SG" sz="1100" b="1" dirty="0">
+              <a:solidFill>
+                <a:schemeClr val="accent6">
+                  <a:lumMod val="75000"/>
+                </a:schemeClr>
+              </a:solidFill>
+            </a:endParaRPr>
+          </a:p>
+        </p:txBody>
+      </p:sp>
+      <p:pic>
+        <p:nvPicPr>
+          <p:cNvPr id="194" name="Picture 193">
+            <a:extLst>
+              <a:ext uri="{FF2B5EF4-FFF2-40B4-BE49-F238E27FC236}">
+                <a16:creationId xmlns:a16="http://schemas.microsoft.com/office/drawing/2014/main" id="{383B5291-3D70-A313-17F1-B280FFADDDFA}"/>
+              </a:ext>
+            </a:extLst>
+          </p:cNvPr>
+          <p:cNvPicPr>
+            <a:picLocks noChangeAspect="1"/>
+          </p:cNvPicPr>
+          <p:nvPr/>
+        </p:nvPicPr>
+        <p:blipFill>
+          <a:blip r:embed="rId10"/>
+          <a:stretch>
+            <a:fillRect/>
+          </a:stretch>
+        </p:blipFill>
+        <p:spPr>
+          <a:xfrm>
+            <a:off x="7808889" y="5630182"/>
+            <a:ext cx="304803" cy="323722"/>
+          </a:xfrm>
+          <a:prstGeom prst="rect">
+            <a:avLst/>
+          </a:prstGeom>
+          <a:ln w="9525">
+            <a:solidFill>
+              <a:schemeClr val="tx1"/>
+            </a:solidFill>
+          </a:ln>
+        </p:spPr>
+      </p:pic>
+      <p:cxnSp>
+        <p:nvCxnSpPr>
+          <p:cNvPr id="195" name="Straight Arrow Connector 194">
+            <a:extLst>
+              <a:ext uri="{FF2B5EF4-FFF2-40B4-BE49-F238E27FC236}">
+                <a16:creationId xmlns:a16="http://schemas.microsoft.com/office/drawing/2014/main" id="{D88BDCF5-79A3-00F3-B895-A65833A44163}"/>
+              </a:ext>
+            </a:extLst>
+          </p:cNvPr>
+          <p:cNvCxnSpPr>
+            <a:cxnSpLocks/>
+          </p:cNvCxnSpPr>
+          <p:nvPr/>
+        </p:nvCxnSpPr>
+        <p:spPr>
+          <a:xfrm>
+            <a:off x="7367796" y="681688"/>
+            <a:ext cx="256407" cy="0"/>
+          </a:xfrm>
+          <a:prstGeom prst="straightConnector1">
+            <a:avLst/>
+          </a:prstGeom>
+          <a:ln>
+            <a:solidFill>
+              <a:schemeClr val="accent2">
+                <a:lumMod val="75000"/>
+              </a:schemeClr>
+            </a:solidFill>
+            <a:tailEnd type="triangle"/>
+          </a:ln>
+        </p:spPr>
+        <p:style>
+          <a:lnRef idx="2">
+            <a:schemeClr val="accent1"/>
+          </a:lnRef>
+          <a:fillRef idx="0">
+            <a:schemeClr val="accent1"/>
+          </a:fillRef>
+          <a:effectRef idx="1">
+            <a:schemeClr val="accent1"/>
+          </a:effectRef>
+          <a:fontRef idx="minor">
+            <a:schemeClr val="tx1"/>
+          </a:fontRef>
+        </p:style>
+      </p:cxnSp>
+      <p:sp>
+        <p:nvSpPr>
+          <p:cNvPr id="197" name="TextBox 196">
+            <a:extLst>
+              <a:ext uri="{FF2B5EF4-FFF2-40B4-BE49-F238E27FC236}">
+                <a16:creationId xmlns:a16="http://schemas.microsoft.com/office/drawing/2014/main" id="{F99A121B-8071-9F39-1B7A-C4D5CF0099C3}"/>
+              </a:ext>
+            </a:extLst>
+          </p:cNvPr>
+          <p:cNvSpPr txBox="1"/>
+          <p:nvPr/>
+        </p:nvSpPr>
+        <p:spPr>
+          <a:xfrm>
+            <a:off x="7711671" y="539683"/>
+            <a:ext cx="2955329" cy="261610"/>
+          </a:xfrm>
+          <a:prstGeom prst="rect">
+            <a:avLst/>
+          </a:prstGeom>
+          <a:noFill/>
+        </p:spPr>
+        <p:txBody>
+          <a:bodyPr wrap="square" rtlCol="0">
+            <a:spAutoFit/>
+          </a:bodyPr>
+          <a:lstStyle/>
+          <a:p>
+            <a:r>
+              <a:rPr lang="en-US" sz="1100" b="1" dirty="0">
+                <a:solidFill>
+                  <a:schemeClr val="accent2">
+                    <a:lumMod val="75000"/>
+                  </a:schemeClr>
+                </a:solidFill>
+              </a:rPr>
+              <a:t>MITRE ATT&amp;CK Mapper workflow</a:t>
+            </a:r>
+            <a:endParaRPr lang="en-SG" sz="1100" b="1" dirty="0">
+              <a:solidFill>
+                <a:schemeClr val="accent2">
+                  <a:lumMod val="75000"/>
+                </a:schemeClr>
+              </a:solidFill>
+            </a:endParaRPr>
+          </a:p>
+        </p:txBody>
+      </p:sp>
+      <p:cxnSp>
+        <p:nvCxnSpPr>
+          <p:cNvPr id="198" name="Straight Arrow Connector 197">
+            <a:extLst>
+              <a:ext uri="{FF2B5EF4-FFF2-40B4-BE49-F238E27FC236}">
+                <a16:creationId xmlns:a16="http://schemas.microsoft.com/office/drawing/2014/main" id="{70115849-0DAA-AABC-CC57-A90697F24AC7}"/>
+              </a:ext>
+            </a:extLst>
+          </p:cNvPr>
+          <p:cNvCxnSpPr>
+            <a:cxnSpLocks/>
+          </p:cNvCxnSpPr>
+          <p:nvPr/>
+        </p:nvCxnSpPr>
+        <p:spPr>
+          <a:xfrm>
+            <a:off x="7359666" y="958797"/>
+            <a:ext cx="256407" cy="0"/>
+          </a:xfrm>
+          <a:prstGeom prst="straightConnector1">
+            <a:avLst/>
+          </a:prstGeom>
+          <a:ln>
+            <a:solidFill>
+              <a:schemeClr val="accent6">
+                <a:lumMod val="75000"/>
+              </a:schemeClr>
+            </a:solidFill>
+            <a:tailEnd type="triangle"/>
+          </a:ln>
+        </p:spPr>
+        <p:style>
+          <a:lnRef idx="2">
+            <a:schemeClr val="accent1"/>
+          </a:lnRef>
+          <a:fillRef idx="0">
+            <a:schemeClr val="accent1"/>
+          </a:fillRef>
+          <a:effectRef idx="1">
+            <a:schemeClr val="accent1"/>
+          </a:effectRef>
+          <a:fontRef idx="minor">
+            <a:schemeClr val="tx1"/>
+          </a:fontRef>
+        </p:style>
+      </p:cxnSp>
+      <p:sp>
+        <p:nvSpPr>
+          <p:cNvPr id="199" name="TextBox 198">
+            <a:extLst>
+              <a:ext uri="{FF2B5EF4-FFF2-40B4-BE49-F238E27FC236}">
+                <a16:creationId xmlns:a16="http://schemas.microsoft.com/office/drawing/2014/main" id="{FC12D202-97BD-6147-7CDB-B7A3A9D35E52}"/>
+              </a:ext>
+            </a:extLst>
+          </p:cNvPr>
+          <p:cNvSpPr txBox="1"/>
+          <p:nvPr/>
+        </p:nvSpPr>
+        <p:spPr>
+          <a:xfrm>
+            <a:off x="7766028" y="825890"/>
+            <a:ext cx="2200364" cy="261610"/>
+          </a:xfrm>
+          <a:prstGeom prst="rect">
+            <a:avLst/>
+          </a:prstGeom>
+          <a:noFill/>
+        </p:spPr>
+        <p:txBody>
+          <a:bodyPr wrap="square" rtlCol="0">
+            <a:spAutoFit/>
+          </a:bodyPr>
+          <a:lstStyle/>
+          <a:p>
+            <a:r>
+              <a:rPr lang="en-US" sz="1100" b="1" dirty="0">
+                <a:solidFill>
+                  <a:schemeClr val="tx2">
+                    <a:lumMod val="75000"/>
+                    <a:lumOff val="25000"/>
+                  </a:schemeClr>
+                </a:solidFill>
+              </a:rPr>
+              <a:t>MITRE CWE matcher workflow </a:t>
+            </a:r>
+            <a:endParaRPr lang="en-SG" sz="1100" b="1" dirty="0">
+              <a:solidFill>
+                <a:schemeClr val="tx2">
+                  <a:lumMod val="75000"/>
+                  <a:lumOff val="25000"/>
+                </a:schemeClr>
+              </a:solidFill>
+            </a:endParaRPr>
+          </a:p>
+        </p:txBody>
+      </p:sp>
+      <p:pic>
+        <p:nvPicPr>
+          <p:cNvPr id="200" name="Picture 199">
+            <a:extLst>
+              <a:ext uri="{FF2B5EF4-FFF2-40B4-BE49-F238E27FC236}">
+                <a16:creationId xmlns:a16="http://schemas.microsoft.com/office/drawing/2014/main" id="{AB95DDBD-9AA4-B858-9905-CE960CBBB1F7}"/>
+              </a:ext>
+            </a:extLst>
+          </p:cNvPr>
+          <p:cNvPicPr>
+            <a:picLocks noChangeAspect="1"/>
+          </p:cNvPicPr>
+          <p:nvPr/>
+        </p:nvPicPr>
+        <p:blipFill>
+          <a:blip r:embed="rId10"/>
+          <a:stretch>
+            <a:fillRect/>
+          </a:stretch>
+        </p:blipFill>
+        <p:spPr>
+          <a:xfrm>
+            <a:off x="538618" y="2196921"/>
+            <a:ext cx="304803" cy="323722"/>
+          </a:xfrm>
+          <a:prstGeom prst="rect">
+            <a:avLst/>
+          </a:prstGeom>
+          <a:ln w="9525">
+            <a:solidFill>
+              <a:schemeClr val="tx1"/>
+            </a:solidFill>
+          </a:ln>
+        </p:spPr>
+      </p:pic>
+      <p:sp>
+        <p:nvSpPr>
+          <p:cNvPr id="201" name="TextBox 200">
+            <a:extLst>
+              <a:ext uri="{FF2B5EF4-FFF2-40B4-BE49-F238E27FC236}">
+                <a16:creationId xmlns:a16="http://schemas.microsoft.com/office/drawing/2014/main" id="{F4F87ACF-85A8-AAAF-06C8-AADC4E2E7335}"/>
+              </a:ext>
+            </a:extLst>
+          </p:cNvPr>
+          <p:cNvSpPr txBox="1"/>
+          <p:nvPr/>
+        </p:nvSpPr>
+        <p:spPr>
+          <a:xfrm>
+            <a:off x="424325" y="2584972"/>
+            <a:ext cx="1417551" cy="600164"/>
+          </a:xfrm>
+          <a:prstGeom prst="rect">
+            <a:avLst/>
+          </a:prstGeom>
+          <a:noFill/>
+        </p:spPr>
+        <p:txBody>
+          <a:bodyPr wrap="square" rtlCol="0">
+            <a:spAutoFit/>
+          </a:bodyPr>
+          <a:lstStyle/>
+          <a:p>
+            <a:r>
+              <a:rPr lang="en-US" sz="1100" b="1" dirty="0">
+                <a:solidFill>
+                  <a:schemeClr val="accent6">
+                    <a:lumMod val="50000"/>
+                  </a:schemeClr>
+                </a:solidFill>
+              </a:rPr>
+              <a:t>Conversation Chain use GPT3.5 Turbo API  </a:t>
+            </a:r>
+            <a:endParaRPr lang="en-SG" sz="1100" b="1" dirty="0">
+              <a:solidFill>
+                <a:schemeClr val="accent6">
+                  <a:lumMod val="50000"/>
+                </a:schemeClr>
+              </a:solidFill>
+            </a:endParaRPr>
+          </a:p>
+        </p:txBody>
+      </p:sp>
+      <p:pic>
+        <p:nvPicPr>
+          <p:cNvPr id="202" name="Picture 201">
+            <a:extLst>
+              <a:ext uri="{FF2B5EF4-FFF2-40B4-BE49-F238E27FC236}">
+                <a16:creationId xmlns:a16="http://schemas.microsoft.com/office/drawing/2014/main" id="{7B92B0C0-9500-A344-37BA-D00C5C57874F}"/>
+              </a:ext>
+            </a:extLst>
+          </p:cNvPr>
+          <p:cNvPicPr>
+            <a:picLocks noChangeAspect="1"/>
+          </p:cNvPicPr>
+          <p:nvPr/>
+        </p:nvPicPr>
+        <p:blipFill>
+          <a:blip r:embed="rId9"/>
+          <a:stretch>
+            <a:fillRect/>
+          </a:stretch>
+        </p:blipFill>
+        <p:spPr>
+          <a:xfrm>
+            <a:off x="533498" y="3268334"/>
+            <a:ext cx="472479" cy="200203"/>
+          </a:xfrm>
+          <a:prstGeom prst="rect">
+            <a:avLst/>
+          </a:prstGeom>
+          <a:ln w="6350">
+            <a:solidFill>
+              <a:schemeClr val="tx1"/>
+            </a:solidFill>
+          </a:ln>
+        </p:spPr>
+      </p:pic>
+      <p:sp>
+        <p:nvSpPr>
+          <p:cNvPr id="203" name="TextBox 202">
+            <a:extLst>
+              <a:ext uri="{FF2B5EF4-FFF2-40B4-BE49-F238E27FC236}">
+                <a16:creationId xmlns:a16="http://schemas.microsoft.com/office/drawing/2014/main" id="{5821503F-6950-2202-4A3C-3174A39437A1}"/>
+              </a:ext>
+            </a:extLst>
+          </p:cNvPr>
+          <p:cNvSpPr txBox="1"/>
+          <p:nvPr/>
+        </p:nvSpPr>
+        <p:spPr>
+          <a:xfrm>
+            <a:off x="420063" y="3470338"/>
+            <a:ext cx="1417551" cy="600164"/>
+          </a:xfrm>
+          <a:prstGeom prst="rect">
+            <a:avLst/>
+          </a:prstGeom>
+          <a:noFill/>
+        </p:spPr>
+        <p:txBody>
+          <a:bodyPr wrap="square" rtlCol="0">
+            <a:spAutoFit/>
+          </a:bodyPr>
+          <a:lstStyle/>
+          <a:p>
+            <a:r>
+              <a:rPr lang="en-US" sz="1100" b="1" dirty="0"/>
+              <a:t>Conversation Chain use GPT4 Turbo API  </a:t>
+            </a:r>
+            <a:endParaRPr lang="en-SG" sz="1100" b="1" dirty="0"/>
+          </a:p>
+        </p:txBody>
+      </p:sp>
+    </p:spTree>
+    <p:extLst>
+      <p:ext uri="{BB962C8B-B14F-4D97-AF65-F5344CB8AC3E}">
+        <p14:creationId xmlns:p14="http://schemas.microsoft.com/office/powerpoint/2010/main" val="2052547511"/>
+      </p:ext>
+    </p:extLst>
+  </p:cSld>
+  <p:clrMapOvr>
+    <a:masterClrMapping/>
+  </p:clrMapOvr>
+</p:sld>
+</file>
+
+<file path=ppt/slides/slide3.xml><?xml version="1.0" encoding="utf-8"?>
 <p:sld xmlns:a="http://schemas.openxmlformats.org/drawingml/2006/main" xmlns:r="http://schemas.openxmlformats.org/officeDocument/2006/relationships" xmlns:p="http://schemas.openxmlformats.org/presentationml/2006/main">
   <p:cSld>
     <p:spTree>

--- a/doc/designDoc.pptx
+++ b/doc/designDoc.pptx
@@ -6,8 +6,9 @@
   </p:sldMasterIdLst>
   <p:sldIdLst>
     <p:sldId id="256" r:id="rId2"/>
-    <p:sldId id="258" r:id="rId3"/>
-    <p:sldId id="257" r:id="rId4"/>
+    <p:sldId id="259" r:id="rId3"/>
+    <p:sldId id="258" r:id="rId4"/>
+    <p:sldId id="257" r:id="rId5"/>
   </p:sldIdLst>
   <p:sldSz cx="12192000" cy="6858000"/>
   <p:notesSz cx="6858000" cy="9144000"/>
@@ -6130,6 +6131,1823 @@
   <p:cSld>
     <p:spTree>
       <p:nvGrpSpPr>
+        <p:cNvPr id="1" name=""/>
+        <p:cNvGrpSpPr/>
+        <p:nvPr/>
+      </p:nvGrpSpPr>
+      <p:grpSpPr>
+        <a:xfrm>
+          <a:off x="0" y="0"/>
+          <a:ext cx="0" cy="0"/>
+          <a:chOff x="0" y="0"/>
+          <a:chExt cx="0" cy="0"/>
+        </a:xfrm>
+      </p:grpSpPr>
+      <p:pic>
+        <p:nvPicPr>
+          <p:cNvPr id="4" name="Picture 3">
+            <a:extLst>
+              <a:ext uri="{FF2B5EF4-FFF2-40B4-BE49-F238E27FC236}">
+                <a16:creationId xmlns:a16="http://schemas.microsoft.com/office/drawing/2014/main" id="{76E8A552-3B33-89A4-6E60-0B054392A025}"/>
+              </a:ext>
+            </a:extLst>
+          </p:cNvPr>
+          <p:cNvPicPr>
+            <a:picLocks noChangeAspect="1"/>
+          </p:cNvPicPr>
+          <p:nvPr/>
+        </p:nvPicPr>
+        <p:blipFill>
+          <a:blip r:embed="rId2"/>
+          <a:stretch>
+            <a:fillRect/>
+          </a:stretch>
+        </p:blipFill>
+        <p:spPr>
+          <a:xfrm>
+            <a:off x="1317212" y="1933584"/>
+            <a:ext cx="551782" cy="636238"/>
+          </a:xfrm>
+          <a:prstGeom prst="rect">
+            <a:avLst/>
+          </a:prstGeom>
+          <a:ln w="9525">
+            <a:solidFill>
+              <a:schemeClr val="tx1"/>
+            </a:solidFill>
+          </a:ln>
+        </p:spPr>
+      </p:pic>
+      <p:cxnSp>
+        <p:nvCxnSpPr>
+          <p:cNvPr id="7" name="Straight Arrow Connector 6">
+            <a:extLst>
+              <a:ext uri="{FF2B5EF4-FFF2-40B4-BE49-F238E27FC236}">
+                <a16:creationId xmlns:a16="http://schemas.microsoft.com/office/drawing/2014/main" id="{BBF13B9E-E366-D9D2-262A-F2E8A5525755}"/>
+              </a:ext>
+            </a:extLst>
+          </p:cNvPr>
+          <p:cNvCxnSpPr>
+            <a:cxnSpLocks/>
+            <a:stCxn id="4" idx="3"/>
+          </p:cNvCxnSpPr>
+          <p:nvPr/>
+        </p:nvCxnSpPr>
+        <p:spPr>
+          <a:xfrm>
+            <a:off x="1868994" y="2251703"/>
+            <a:ext cx="241160" cy="0"/>
+          </a:xfrm>
+          <a:prstGeom prst="straightConnector1">
+            <a:avLst/>
+          </a:prstGeom>
+          <a:ln>
+            <a:solidFill>
+              <a:schemeClr val="accent6">
+                <a:lumMod val="75000"/>
+              </a:schemeClr>
+            </a:solidFill>
+            <a:tailEnd type="triangle"/>
+          </a:ln>
+        </p:spPr>
+        <p:style>
+          <a:lnRef idx="2">
+            <a:schemeClr val="accent1"/>
+          </a:lnRef>
+          <a:fillRef idx="0">
+            <a:schemeClr val="accent1"/>
+          </a:fillRef>
+          <a:effectRef idx="1">
+            <a:schemeClr val="accent1"/>
+          </a:effectRef>
+          <a:fontRef idx="minor">
+            <a:schemeClr val="tx1"/>
+          </a:fontRef>
+        </p:style>
+      </p:cxnSp>
+      <p:sp>
+        <p:nvSpPr>
+          <p:cNvPr id="11" name="Rectangle 10">
+            <a:extLst>
+              <a:ext uri="{FF2B5EF4-FFF2-40B4-BE49-F238E27FC236}">
+                <a16:creationId xmlns:a16="http://schemas.microsoft.com/office/drawing/2014/main" id="{EE69333A-905E-EBD1-C812-34ED145F051B}"/>
+              </a:ext>
+            </a:extLst>
+          </p:cNvPr>
+          <p:cNvSpPr/>
+          <p:nvPr/>
+        </p:nvSpPr>
+        <p:spPr>
+          <a:xfrm>
+            <a:off x="2141820" y="2042696"/>
+            <a:ext cx="1467936" cy="418011"/>
+          </a:xfrm>
+          <a:prstGeom prst="rect">
+            <a:avLst/>
+          </a:prstGeom>
+          <a:solidFill>
+            <a:schemeClr val="accent6">
+              <a:lumMod val="40000"/>
+              <a:lumOff val="60000"/>
+            </a:schemeClr>
+          </a:solidFill>
+        </p:spPr>
+        <p:style>
+          <a:lnRef idx="2">
+            <a:schemeClr val="accent1">
+              <a:shade val="15000"/>
+            </a:schemeClr>
+          </a:lnRef>
+          <a:fillRef idx="1">
+            <a:schemeClr val="accent1"/>
+          </a:fillRef>
+          <a:effectRef idx="0">
+            <a:schemeClr val="accent1"/>
+          </a:effectRef>
+          <a:fontRef idx="minor">
+            <a:schemeClr val="lt1"/>
+          </a:fontRef>
+        </p:style>
+        <p:txBody>
+          <a:bodyPr rtlCol="0" anchor="ctr"/>
+          <a:lstStyle/>
+          <a:p>
+            <a:pPr algn="ctr"/>
+            <a:r>
+              <a:rPr lang="en-US" sz="1200" b="1" dirty="0">
+                <a:solidFill>
+                  <a:schemeClr val="tx1"/>
+                </a:solidFill>
+              </a:rPr>
+              <a:t> AI-LLM Attack Scenario Analyzer</a:t>
+            </a:r>
+            <a:endParaRPr lang="en-SG" sz="1200" b="1" dirty="0">
+              <a:solidFill>
+                <a:schemeClr val="tx1"/>
+              </a:solidFill>
+            </a:endParaRPr>
+          </a:p>
+        </p:txBody>
+      </p:sp>
+      <p:cxnSp>
+        <p:nvCxnSpPr>
+          <p:cNvPr id="12" name="Straight Arrow Connector 11">
+            <a:extLst>
+              <a:ext uri="{FF2B5EF4-FFF2-40B4-BE49-F238E27FC236}">
+                <a16:creationId xmlns:a16="http://schemas.microsoft.com/office/drawing/2014/main" id="{DC91C8DD-B5A6-4178-6FAE-569FA38AE344}"/>
+              </a:ext>
+            </a:extLst>
+          </p:cNvPr>
+          <p:cNvCxnSpPr>
+            <a:cxnSpLocks/>
+            <a:endCxn id="13" idx="1"/>
+          </p:cNvCxnSpPr>
+          <p:nvPr/>
+        </p:nvCxnSpPr>
+        <p:spPr>
+          <a:xfrm>
+            <a:off x="3609756" y="2251701"/>
+            <a:ext cx="327033" cy="1"/>
+          </a:xfrm>
+          <a:prstGeom prst="straightConnector1">
+            <a:avLst/>
+          </a:prstGeom>
+          <a:ln>
+            <a:solidFill>
+              <a:schemeClr val="accent6">
+                <a:lumMod val="75000"/>
+              </a:schemeClr>
+            </a:solidFill>
+            <a:tailEnd type="triangle"/>
+          </a:ln>
+        </p:spPr>
+        <p:style>
+          <a:lnRef idx="2">
+            <a:schemeClr val="accent1"/>
+          </a:lnRef>
+          <a:fillRef idx="0">
+            <a:schemeClr val="accent1"/>
+          </a:fillRef>
+          <a:effectRef idx="1">
+            <a:schemeClr val="accent1"/>
+          </a:effectRef>
+          <a:fontRef idx="minor">
+            <a:schemeClr val="tx1"/>
+          </a:fontRef>
+        </p:style>
+      </p:cxnSp>
+      <p:pic>
+        <p:nvPicPr>
+          <p:cNvPr id="13" name="Picture 12">
+            <a:extLst>
+              <a:ext uri="{FF2B5EF4-FFF2-40B4-BE49-F238E27FC236}">
+                <a16:creationId xmlns:a16="http://schemas.microsoft.com/office/drawing/2014/main" id="{AE159177-7FE2-2643-53D7-4B70C23D7F95}"/>
+              </a:ext>
+            </a:extLst>
+          </p:cNvPr>
+          <p:cNvPicPr>
+            <a:picLocks noChangeAspect="1"/>
+          </p:cNvPicPr>
+          <p:nvPr/>
+        </p:nvPicPr>
+        <p:blipFill>
+          <a:blip r:embed="rId3"/>
+          <a:stretch>
+            <a:fillRect/>
+          </a:stretch>
+        </p:blipFill>
+        <p:spPr>
+          <a:xfrm>
+            <a:off x="3936789" y="1967176"/>
+            <a:ext cx="436045" cy="569052"/>
+          </a:xfrm>
+          <a:prstGeom prst="rect">
+            <a:avLst/>
+          </a:prstGeom>
+          <a:ln w="12700">
+            <a:solidFill>
+              <a:schemeClr val="tx1"/>
+            </a:solidFill>
+          </a:ln>
+        </p:spPr>
+      </p:pic>
+      <p:sp>
+        <p:nvSpPr>
+          <p:cNvPr id="14" name="Rectangle 13">
+            <a:extLst>
+              <a:ext uri="{FF2B5EF4-FFF2-40B4-BE49-F238E27FC236}">
+                <a16:creationId xmlns:a16="http://schemas.microsoft.com/office/drawing/2014/main" id="{188E24F5-8045-4126-6450-5B6835FE8E3D}"/>
+              </a:ext>
+            </a:extLst>
+          </p:cNvPr>
+          <p:cNvSpPr/>
+          <p:nvPr/>
+        </p:nvSpPr>
+        <p:spPr>
+          <a:xfrm>
+            <a:off x="4349518" y="3087296"/>
+            <a:ext cx="1746482" cy="418011"/>
+          </a:xfrm>
+          <a:prstGeom prst="rect">
+            <a:avLst/>
+          </a:prstGeom>
+          <a:solidFill>
+            <a:schemeClr val="accent2">
+              <a:lumMod val="40000"/>
+              <a:lumOff val="60000"/>
+            </a:schemeClr>
+          </a:solidFill>
+        </p:spPr>
+        <p:style>
+          <a:lnRef idx="2">
+            <a:schemeClr val="accent1">
+              <a:shade val="15000"/>
+            </a:schemeClr>
+          </a:lnRef>
+          <a:fillRef idx="1">
+            <a:schemeClr val="accent1"/>
+          </a:fillRef>
+          <a:effectRef idx="0">
+            <a:schemeClr val="accent1"/>
+          </a:effectRef>
+          <a:fontRef idx="minor">
+            <a:schemeClr val="lt1"/>
+          </a:fontRef>
+        </p:style>
+        <p:txBody>
+          <a:bodyPr rtlCol="0" anchor="ctr"/>
+          <a:lstStyle/>
+          <a:p>
+            <a:pPr algn="ctr"/>
+            <a:r>
+              <a:rPr lang="en-US" sz="1200" b="1" dirty="0">
+                <a:solidFill>
+                  <a:schemeClr val="tx1"/>
+                </a:solidFill>
+              </a:rPr>
+              <a:t>AI-LLM Attack Behaviors Analyzer</a:t>
+            </a:r>
+            <a:endParaRPr lang="en-SG" sz="1200" b="1" dirty="0">
+              <a:solidFill>
+                <a:schemeClr val="tx1"/>
+              </a:solidFill>
+            </a:endParaRPr>
+          </a:p>
+        </p:txBody>
+      </p:sp>
+      <p:cxnSp>
+        <p:nvCxnSpPr>
+          <p:cNvPr id="15" name="Straight Arrow Connector 14">
+            <a:extLst>
+              <a:ext uri="{FF2B5EF4-FFF2-40B4-BE49-F238E27FC236}">
+                <a16:creationId xmlns:a16="http://schemas.microsoft.com/office/drawing/2014/main" id="{04A580E6-6E77-3FC9-94F0-6B7D519219EE}"/>
+              </a:ext>
+            </a:extLst>
+          </p:cNvPr>
+          <p:cNvCxnSpPr>
+            <a:cxnSpLocks/>
+            <a:stCxn id="13" idx="2"/>
+            <a:endCxn id="14" idx="0"/>
+          </p:cNvCxnSpPr>
+          <p:nvPr/>
+        </p:nvCxnSpPr>
+        <p:spPr>
+          <a:xfrm>
+            <a:off x="4154812" y="2536228"/>
+            <a:ext cx="1067947" cy="551068"/>
+          </a:xfrm>
+          <a:prstGeom prst="straightConnector1">
+            <a:avLst/>
+          </a:prstGeom>
+          <a:ln>
+            <a:solidFill>
+              <a:schemeClr val="accent2">
+                <a:lumMod val="75000"/>
+              </a:schemeClr>
+            </a:solidFill>
+            <a:tailEnd type="triangle"/>
+          </a:ln>
+        </p:spPr>
+        <p:style>
+          <a:lnRef idx="2">
+            <a:schemeClr val="accent1"/>
+          </a:lnRef>
+          <a:fillRef idx="0">
+            <a:schemeClr val="accent1"/>
+          </a:fillRef>
+          <a:effectRef idx="1">
+            <a:schemeClr val="accent1"/>
+          </a:effectRef>
+          <a:fontRef idx="minor">
+            <a:schemeClr val="tx1"/>
+          </a:fontRef>
+        </p:style>
+      </p:cxnSp>
+      <p:sp>
+        <p:nvSpPr>
+          <p:cNvPr id="19" name="TextBox 18">
+            <a:extLst>
+              <a:ext uri="{FF2B5EF4-FFF2-40B4-BE49-F238E27FC236}">
+                <a16:creationId xmlns:a16="http://schemas.microsoft.com/office/drawing/2014/main" id="{1084A275-CA5D-6259-9920-B760A2C7C779}"/>
+              </a:ext>
+            </a:extLst>
+          </p:cNvPr>
+          <p:cNvSpPr txBox="1"/>
+          <p:nvPr/>
+        </p:nvSpPr>
+        <p:spPr>
+          <a:xfrm>
+            <a:off x="4396503" y="1951619"/>
+            <a:ext cx="2088558" cy="600164"/>
+          </a:xfrm>
+          <a:prstGeom prst="rect">
+            <a:avLst/>
+          </a:prstGeom>
+          <a:noFill/>
+        </p:spPr>
+        <p:txBody>
+          <a:bodyPr wrap="square" rtlCol="0">
+            <a:spAutoFit/>
+          </a:bodyPr>
+          <a:lstStyle/>
+          <a:p>
+            <a:r>
+              <a:rPr lang="en-US" sz="1100" b="1" dirty="0"/>
+              <a:t>Text format summary of the </a:t>
+            </a:r>
+          </a:p>
+          <a:p>
+            <a:r>
+              <a:rPr lang="en-US" sz="1100" b="1" dirty="0"/>
+              <a:t>attack flow path in the threats attack scenario </a:t>
+            </a:r>
+            <a:endParaRPr lang="en-SG" sz="1100" b="1" dirty="0"/>
+          </a:p>
+        </p:txBody>
+      </p:sp>
+      <p:cxnSp>
+        <p:nvCxnSpPr>
+          <p:cNvPr id="22" name="Straight Arrow Connector 21">
+            <a:extLst>
+              <a:ext uri="{FF2B5EF4-FFF2-40B4-BE49-F238E27FC236}">
+                <a16:creationId xmlns:a16="http://schemas.microsoft.com/office/drawing/2014/main" id="{611B437A-884A-ED70-E869-22A82A586D19}"/>
+              </a:ext>
+            </a:extLst>
+          </p:cNvPr>
+          <p:cNvCxnSpPr>
+            <a:cxnSpLocks/>
+            <a:stCxn id="13" idx="2"/>
+            <a:endCxn id="25" idx="0"/>
+          </p:cNvCxnSpPr>
+          <p:nvPr/>
+        </p:nvCxnSpPr>
+        <p:spPr>
+          <a:xfrm flipH="1">
+            <a:off x="3063548" y="2536228"/>
+            <a:ext cx="1091264" cy="599897"/>
+          </a:xfrm>
+          <a:prstGeom prst="straightConnector1">
+            <a:avLst/>
+          </a:prstGeom>
+          <a:ln>
+            <a:tailEnd type="triangle"/>
+          </a:ln>
+        </p:spPr>
+        <p:style>
+          <a:lnRef idx="2">
+            <a:schemeClr val="accent1"/>
+          </a:lnRef>
+          <a:fillRef idx="0">
+            <a:schemeClr val="accent1"/>
+          </a:fillRef>
+          <a:effectRef idx="1">
+            <a:schemeClr val="accent1"/>
+          </a:effectRef>
+          <a:fontRef idx="minor">
+            <a:schemeClr val="tx1"/>
+          </a:fontRef>
+        </p:style>
+      </p:cxnSp>
+      <p:sp>
+        <p:nvSpPr>
+          <p:cNvPr id="25" name="Rectangle 24">
+            <a:extLst>
+              <a:ext uri="{FF2B5EF4-FFF2-40B4-BE49-F238E27FC236}">
+                <a16:creationId xmlns:a16="http://schemas.microsoft.com/office/drawing/2014/main" id="{E7F988AA-AA85-6283-90F6-85FDBE53B299}"/>
+              </a:ext>
+            </a:extLst>
+          </p:cNvPr>
+          <p:cNvSpPr/>
+          <p:nvPr/>
+        </p:nvSpPr>
+        <p:spPr>
+          <a:xfrm>
+            <a:off x="2190307" y="3136125"/>
+            <a:ext cx="1746482" cy="418011"/>
+          </a:xfrm>
+          <a:prstGeom prst="rect">
+            <a:avLst/>
+          </a:prstGeom>
+          <a:solidFill>
+            <a:schemeClr val="tx2">
+              <a:lumMod val="25000"/>
+              <a:lumOff val="75000"/>
+            </a:schemeClr>
+          </a:solidFill>
+        </p:spPr>
+        <p:style>
+          <a:lnRef idx="2">
+            <a:schemeClr val="accent1">
+              <a:shade val="15000"/>
+            </a:schemeClr>
+          </a:lnRef>
+          <a:fillRef idx="1">
+            <a:schemeClr val="accent1"/>
+          </a:fillRef>
+          <a:effectRef idx="0">
+            <a:schemeClr val="accent1"/>
+          </a:effectRef>
+          <a:fontRef idx="minor">
+            <a:schemeClr val="lt1"/>
+          </a:fontRef>
+        </p:style>
+        <p:txBody>
+          <a:bodyPr rtlCol="0" anchor="ctr"/>
+          <a:lstStyle/>
+          <a:p>
+            <a:pPr algn="ctr"/>
+            <a:r>
+              <a:rPr lang="en-US" sz="1200" b="1" dirty="0">
+                <a:solidFill>
+                  <a:schemeClr val="tx1"/>
+                </a:solidFill>
+              </a:rPr>
+              <a:t>AI-LLM Vulnerabilities Analyzer</a:t>
+            </a:r>
+            <a:endParaRPr lang="en-SG" sz="1200" b="1" dirty="0">
+              <a:solidFill>
+                <a:schemeClr val="tx1"/>
+              </a:solidFill>
+            </a:endParaRPr>
+          </a:p>
+        </p:txBody>
+      </p:sp>
+      <p:cxnSp>
+        <p:nvCxnSpPr>
+          <p:cNvPr id="28" name="Straight Arrow Connector 27">
+            <a:extLst>
+              <a:ext uri="{FF2B5EF4-FFF2-40B4-BE49-F238E27FC236}">
+                <a16:creationId xmlns:a16="http://schemas.microsoft.com/office/drawing/2014/main" id="{41767963-4203-3413-B040-2DDFFEADADD4}"/>
+              </a:ext>
+            </a:extLst>
+          </p:cNvPr>
+          <p:cNvCxnSpPr>
+            <a:cxnSpLocks/>
+            <a:stCxn id="14" idx="2"/>
+            <a:endCxn id="31" idx="0"/>
+          </p:cNvCxnSpPr>
+          <p:nvPr/>
+        </p:nvCxnSpPr>
+        <p:spPr>
+          <a:xfrm>
+            <a:off x="5222759" y="3505307"/>
+            <a:ext cx="0" cy="342062"/>
+          </a:xfrm>
+          <a:prstGeom prst="straightConnector1">
+            <a:avLst/>
+          </a:prstGeom>
+          <a:ln>
+            <a:solidFill>
+              <a:schemeClr val="accent2">
+                <a:lumMod val="75000"/>
+              </a:schemeClr>
+            </a:solidFill>
+            <a:tailEnd type="triangle"/>
+          </a:ln>
+        </p:spPr>
+        <p:style>
+          <a:lnRef idx="2">
+            <a:schemeClr val="accent1"/>
+          </a:lnRef>
+          <a:fillRef idx="0">
+            <a:schemeClr val="accent1"/>
+          </a:fillRef>
+          <a:effectRef idx="1">
+            <a:schemeClr val="accent1"/>
+          </a:effectRef>
+          <a:fontRef idx="minor">
+            <a:schemeClr val="tx1"/>
+          </a:fontRef>
+        </p:style>
+      </p:cxnSp>
+      <p:sp>
+        <p:nvSpPr>
+          <p:cNvPr id="31" name="Rectangle 30">
+            <a:extLst>
+              <a:ext uri="{FF2B5EF4-FFF2-40B4-BE49-F238E27FC236}">
+                <a16:creationId xmlns:a16="http://schemas.microsoft.com/office/drawing/2014/main" id="{FC627C44-1067-E00B-87B6-85481201E66D}"/>
+              </a:ext>
+            </a:extLst>
+          </p:cNvPr>
+          <p:cNvSpPr/>
+          <p:nvPr/>
+        </p:nvSpPr>
+        <p:spPr>
+          <a:xfrm>
+            <a:off x="4349518" y="3847369"/>
+            <a:ext cx="1746482" cy="418011"/>
+          </a:xfrm>
+          <a:prstGeom prst="rect">
+            <a:avLst/>
+          </a:prstGeom>
+          <a:solidFill>
+            <a:schemeClr val="accent2">
+              <a:lumMod val="40000"/>
+              <a:lumOff val="60000"/>
+            </a:schemeClr>
+          </a:solidFill>
+        </p:spPr>
+        <p:style>
+          <a:lnRef idx="2">
+            <a:schemeClr val="accent1">
+              <a:shade val="15000"/>
+            </a:schemeClr>
+          </a:lnRef>
+          <a:fillRef idx="1">
+            <a:schemeClr val="accent1"/>
+          </a:fillRef>
+          <a:effectRef idx="0">
+            <a:schemeClr val="accent1"/>
+          </a:effectRef>
+          <a:fontRef idx="minor">
+            <a:schemeClr val="lt1"/>
+          </a:fontRef>
+        </p:style>
+        <p:txBody>
+          <a:bodyPr rtlCol="0" anchor="ctr"/>
+          <a:lstStyle/>
+          <a:p>
+            <a:pPr algn="ctr"/>
+            <a:r>
+              <a:rPr lang="en-US" sz="1200" b="1" dirty="0">
+                <a:solidFill>
+                  <a:schemeClr val="tx1"/>
+                </a:solidFill>
+              </a:rPr>
+              <a:t>AI-LLM MITRE ATT&amp;CK Matrix Mapper </a:t>
+            </a:r>
+            <a:endParaRPr lang="en-SG" sz="1200" b="1" dirty="0">
+              <a:solidFill>
+                <a:schemeClr val="tx1"/>
+              </a:solidFill>
+            </a:endParaRPr>
+          </a:p>
+        </p:txBody>
+      </p:sp>
+      <p:sp>
+        <p:nvSpPr>
+          <p:cNvPr id="32" name="Rectangle 31">
+            <a:extLst>
+              <a:ext uri="{FF2B5EF4-FFF2-40B4-BE49-F238E27FC236}">
+                <a16:creationId xmlns:a16="http://schemas.microsoft.com/office/drawing/2014/main" id="{673E1F62-50EE-FC32-EC3D-8E1C98A3F4F0}"/>
+              </a:ext>
+            </a:extLst>
+          </p:cNvPr>
+          <p:cNvSpPr/>
+          <p:nvPr/>
+        </p:nvSpPr>
+        <p:spPr>
+          <a:xfrm>
+            <a:off x="2190307" y="3859227"/>
+            <a:ext cx="1746482" cy="418011"/>
+          </a:xfrm>
+          <a:prstGeom prst="rect">
+            <a:avLst/>
+          </a:prstGeom>
+          <a:solidFill>
+            <a:schemeClr val="tx2">
+              <a:lumMod val="25000"/>
+              <a:lumOff val="75000"/>
+            </a:schemeClr>
+          </a:solidFill>
+        </p:spPr>
+        <p:style>
+          <a:lnRef idx="2">
+            <a:schemeClr val="accent1">
+              <a:shade val="15000"/>
+            </a:schemeClr>
+          </a:lnRef>
+          <a:fillRef idx="1">
+            <a:schemeClr val="accent1"/>
+          </a:fillRef>
+          <a:effectRef idx="0">
+            <a:schemeClr val="accent1"/>
+          </a:effectRef>
+          <a:fontRef idx="minor">
+            <a:schemeClr val="lt1"/>
+          </a:fontRef>
+        </p:style>
+        <p:txBody>
+          <a:bodyPr rtlCol="0" anchor="ctr"/>
+          <a:lstStyle/>
+          <a:p>
+            <a:pPr algn="ctr"/>
+            <a:r>
+              <a:rPr lang="en-US" sz="1200" b="1" dirty="0">
+                <a:solidFill>
+                  <a:schemeClr val="tx1"/>
+                </a:solidFill>
+              </a:rPr>
+              <a:t>AI-LLM MITRE CWE TREE Matcher </a:t>
+            </a:r>
+            <a:endParaRPr lang="en-SG" sz="1200" b="1" dirty="0">
+              <a:solidFill>
+                <a:schemeClr val="tx1"/>
+              </a:solidFill>
+            </a:endParaRPr>
+          </a:p>
+        </p:txBody>
+      </p:sp>
+      <p:cxnSp>
+        <p:nvCxnSpPr>
+          <p:cNvPr id="33" name="Straight Arrow Connector 32">
+            <a:extLst>
+              <a:ext uri="{FF2B5EF4-FFF2-40B4-BE49-F238E27FC236}">
+                <a16:creationId xmlns:a16="http://schemas.microsoft.com/office/drawing/2014/main" id="{9E101171-53DB-1980-DCB2-B570DAB646FB}"/>
+              </a:ext>
+            </a:extLst>
+          </p:cNvPr>
+          <p:cNvCxnSpPr>
+            <a:cxnSpLocks/>
+            <a:stCxn id="25" idx="2"/>
+            <a:endCxn id="32" idx="0"/>
+          </p:cNvCxnSpPr>
+          <p:nvPr/>
+        </p:nvCxnSpPr>
+        <p:spPr>
+          <a:xfrm>
+            <a:off x="3063548" y="3554136"/>
+            <a:ext cx="0" cy="305091"/>
+          </a:xfrm>
+          <a:prstGeom prst="straightConnector1">
+            <a:avLst/>
+          </a:prstGeom>
+          <a:ln>
+            <a:tailEnd type="triangle"/>
+          </a:ln>
+        </p:spPr>
+        <p:style>
+          <a:lnRef idx="2">
+            <a:schemeClr val="accent1"/>
+          </a:lnRef>
+          <a:fillRef idx="0">
+            <a:schemeClr val="accent1"/>
+          </a:fillRef>
+          <a:effectRef idx="1">
+            <a:schemeClr val="accent1"/>
+          </a:effectRef>
+          <a:fontRef idx="minor">
+            <a:schemeClr val="tx1"/>
+          </a:fontRef>
+        </p:style>
+      </p:cxnSp>
+      <p:sp>
+        <p:nvSpPr>
+          <p:cNvPr id="52" name="Rectangle 51">
+            <a:extLst>
+              <a:ext uri="{FF2B5EF4-FFF2-40B4-BE49-F238E27FC236}">
+                <a16:creationId xmlns:a16="http://schemas.microsoft.com/office/drawing/2014/main" id="{D463FF95-53E8-1209-C41C-699D00E9494E}"/>
+              </a:ext>
+            </a:extLst>
+          </p:cNvPr>
+          <p:cNvSpPr/>
+          <p:nvPr/>
+        </p:nvSpPr>
+        <p:spPr>
+          <a:xfrm>
+            <a:off x="3281570" y="4733299"/>
+            <a:ext cx="1746482" cy="418011"/>
+          </a:xfrm>
+          <a:prstGeom prst="rect">
+            <a:avLst/>
+          </a:prstGeom>
+          <a:solidFill>
+            <a:schemeClr val="bg1">
+              <a:lumMod val="85000"/>
+            </a:schemeClr>
+          </a:solidFill>
+        </p:spPr>
+        <p:style>
+          <a:lnRef idx="2">
+            <a:schemeClr val="accent1">
+              <a:shade val="15000"/>
+            </a:schemeClr>
+          </a:lnRef>
+          <a:fillRef idx="1">
+            <a:schemeClr val="accent1"/>
+          </a:fillRef>
+          <a:effectRef idx="0">
+            <a:schemeClr val="accent1"/>
+          </a:effectRef>
+          <a:fontRef idx="minor">
+            <a:schemeClr val="lt1"/>
+          </a:fontRef>
+        </p:style>
+        <p:txBody>
+          <a:bodyPr rtlCol="0" anchor="ctr"/>
+          <a:lstStyle/>
+          <a:p>
+            <a:pPr algn="ctr"/>
+            <a:r>
+              <a:rPr lang="en-US" sz="1200" b="1" dirty="0">
+                <a:solidFill>
+                  <a:schemeClr val="tx1"/>
+                </a:solidFill>
+              </a:rPr>
+              <a:t>AI-LLM Result Verifier </a:t>
+            </a:r>
+            <a:endParaRPr lang="en-SG" sz="1200" b="1" dirty="0">
+              <a:solidFill>
+                <a:schemeClr val="tx1"/>
+              </a:solidFill>
+            </a:endParaRPr>
+          </a:p>
+        </p:txBody>
+      </p:sp>
+      <p:cxnSp>
+        <p:nvCxnSpPr>
+          <p:cNvPr id="53" name="Straight Arrow Connector 52">
+            <a:extLst>
+              <a:ext uri="{FF2B5EF4-FFF2-40B4-BE49-F238E27FC236}">
+                <a16:creationId xmlns:a16="http://schemas.microsoft.com/office/drawing/2014/main" id="{42BA963A-5950-416E-1C65-EAA7484D2B26}"/>
+              </a:ext>
+            </a:extLst>
+          </p:cNvPr>
+          <p:cNvCxnSpPr>
+            <a:cxnSpLocks/>
+            <a:stCxn id="32" idx="2"/>
+            <a:endCxn id="52" idx="0"/>
+          </p:cNvCxnSpPr>
+          <p:nvPr/>
+        </p:nvCxnSpPr>
+        <p:spPr>
+          <a:xfrm>
+            <a:off x="3063548" y="4277238"/>
+            <a:ext cx="1091263" cy="456061"/>
+          </a:xfrm>
+          <a:prstGeom prst="straightConnector1">
+            <a:avLst/>
+          </a:prstGeom>
+          <a:ln>
+            <a:tailEnd type="triangle"/>
+          </a:ln>
+        </p:spPr>
+        <p:style>
+          <a:lnRef idx="2">
+            <a:schemeClr val="accent1"/>
+          </a:lnRef>
+          <a:fillRef idx="0">
+            <a:schemeClr val="accent1"/>
+          </a:fillRef>
+          <a:effectRef idx="1">
+            <a:schemeClr val="accent1"/>
+          </a:effectRef>
+          <a:fontRef idx="minor">
+            <a:schemeClr val="tx1"/>
+          </a:fontRef>
+        </p:style>
+      </p:cxnSp>
+      <p:cxnSp>
+        <p:nvCxnSpPr>
+          <p:cNvPr id="56" name="Straight Arrow Connector 55">
+            <a:extLst>
+              <a:ext uri="{FF2B5EF4-FFF2-40B4-BE49-F238E27FC236}">
+                <a16:creationId xmlns:a16="http://schemas.microsoft.com/office/drawing/2014/main" id="{F071FFF5-800F-27E9-E070-5AB828E898CD}"/>
+              </a:ext>
+            </a:extLst>
+          </p:cNvPr>
+          <p:cNvCxnSpPr>
+            <a:cxnSpLocks/>
+            <a:stCxn id="31" idx="2"/>
+            <a:endCxn id="52" idx="0"/>
+          </p:cNvCxnSpPr>
+          <p:nvPr/>
+        </p:nvCxnSpPr>
+        <p:spPr>
+          <a:xfrm flipH="1">
+            <a:off x="4154811" y="4265380"/>
+            <a:ext cx="1067948" cy="467919"/>
+          </a:xfrm>
+          <a:prstGeom prst="straightConnector1">
+            <a:avLst/>
+          </a:prstGeom>
+          <a:ln>
+            <a:solidFill>
+              <a:schemeClr val="accent2">
+                <a:lumMod val="75000"/>
+              </a:schemeClr>
+            </a:solidFill>
+            <a:tailEnd type="triangle"/>
+          </a:ln>
+        </p:spPr>
+        <p:style>
+          <a:lnRef idx="2">
+            <a:schemeClr val="accent1"/>
+          </a:lnRef>
+          <a:fillRef idx="0">
+            <a:schemeClr val="accent1"/>
+          </a:fillRef>
+          <a:effectRef idx="1">
+            <a:schemeClr val="accent1"/>
+          </a:effectRef>
+          <a:fontRef idx="minor">
+            <a:schemeClr val="tx1"/>
+          </a:fontRef>
+        </p:style>
+      </p:cxnSp>
+      <p:cxnSp>
+        <p:nvCxnSpPr>
+          <p:cNvPr id="59" name="Straight Arrow Connector 58">
+            <a:extLst>
+              <a:ext uri="{FF2B5EF4-FFF2-40B4-BE49-F238E27FC236}">
+                <a16:creationId xmlns:a16="http://schemas.microsoft.com/office/drawing/2014/main" id="{28F6103E-BB78-07EC-4BBF-4F92C607AC7B}"/>
+              </a:ext>
+            </a:extLst>
+          </p:cNvPr>
+          <p:cNvCxnSpPr>
+            <a:cxnSpLocks/>
+            <a:stCxn id="52" idx="3"/>
+          </p:cNvCxnSpPr>
+          <p:nvPr/>
+        </p:nvCxnSpPr>
+        <p:spPr>
+          <a:xfrm flipV="1">
+            <a:off x="5028052" y="4942304"/>
+            <a:ext cx="377961" cy="1"/>
+          </a:xfrm>
+          <a:prstGeom prst="straightConnector1">
+            <a:avLst/>
+          </a:prstGeom>
+          <a:ln>
+            <a:tailEnd type="triangle"/>
+          </a:ln>
+        </p:spPr>
+        <p:style>
+          <a:lnRef idx="2">
+            <a:schemeClr val="accent1"/>
+          </a:lnRef>
+          <a:fillRef idx="0">
+            <a:schemeClr val="accent1"/>
+          </a:fillRef>
+          <a:effectRef idx="1">
+            <a:schemeClr val="accent1"/>
+          </a:effectRef>
+          <a:fontRef idx="minor">
+            <a:schemeClr val="tx1"/>
+          </a:fontRef>
+        </p:style>
+      </p:cxnSp>
+      <p:sp>
+        <p:nvSpPr>
+          <p:cNvPr id="63" name="Rectangle 62">
+            <a:extLst>
+              <a:ext uri="{FF2B5EF4-FFF2-40B4-BE49-F238E27FC236}">
+                <a16:creationId xmlns:a16="http://schemas.microsoft.com/office/drawing/2014/main" id="{50F3B9EA-EC84-DD1B-FE6C-5923E90434BD}"/>
+              </a:ext>
+            </a:extLst>
+          </p:cNvPr>
+          <p:cNvSpPr/>
+          <p:nvPr/>
+        </p:nvSpPr>
+        <p:spPr>
+          <a:xfrm>
+            <a:off x="5417468" y="4734349"/>
+            <a:ext cx="973284" cy="418011"/>
+          </a:xfrm>
+          <a:prstGeom prst="rect">
+            <a:avLst/>
+          </a:prstGeom>
+          <a:solidFill>
+            <a:schemeClr val="bg1">
+              <a:lumMod val="85000"/>
+            </a:schemeClr>
+          </a:solidFill>
+        </p:spPr>
+        <p:style>
+          <a:lnRef idx="2">
+            <a:schemeClr val="accent1">
+              <a:shade val="15000"/>
+            </a:schemeClr>
+          </a:lnRef>
+          <a:fillRef idx="1">
+            <a:schemeClr val="accent1"/>
+          </a:fillRef>
+          <a:effectRef idx="0">
+            <a:schemeClr val="accent1"/>
+          </a:effectRef>
+          <a:fontRef idx="minor">
+            <a:schemeClr val="lt1"/>
+          </a:fontRef>
+        </p:style>
+        <p:txBody>
+          <a:bodyPr rtlCol="0" anchor="ctr"/>
+          <a:lstStyle/>
+          <a:p>
+            <a:pPr algn="ctr"/>
+            <a:r>
+              <a:rPr lang="en-US" sz="1200" b="1" dirty="0">
+                <a:solidFill>
+                  <a:schemeClr val="tx1"/>
+                </a:solidFill>
+              </a:rPr>
+              <a:t>Report Generator </a:t>
+            </a:r>
+            <a:endParaRPr lang="en-SG" sz="1200" b="1" dirty="0">
+              <a:solidFill>
+                <a:schemeClr val="tx1"/>
+              </a:solidFill>
+            </a:endParaRPr>
+          </a:p>
+        </p:txBody>
+      </p:sp>
+      <p:cxnSp>
+        <p:nvCxnSpPr>
+          <p:cNvPr id="64" name="Straight Arrow Connector 63">
+            <a:extLst>
+              <a:ext uri="{FF2B5EF4-FFF2-40B4-BE49-F238E27FC236}">
+                <a16:creationId xmlns:a16="http://schemas.microsoft.com/office/drawing/2014/main" id="{589C4F99-7D26-CE4C-1C45-9946224788ED}"/>
+              </a:ext>
+            </a:extLst>
+          </p:cNvPr>
+          <p:cNvCxnSpPr>
+            <a:cxnSpLocks/>
+          </p:cNvCxnSpPr>
+          <p:nvPr/>
+        </p:nvCxnSpPr>
+        <p:spPr>
+          <a:xfrm flipV="1">
+            <a:off x="6396480" y="4592097"/>
+            <a:ext cx="378054" cy="350207"/>
+          </a:xfrm>
+          <a:prstGeom prst="straightConnector1">
+            <a:avLst/>
+          </a:prstGeom>
+          <a:ln>
+            <a:solidFill>
+              <a:schemeClr val="accent2">
+                <a:lumMod val="75000"/>
+              </a:schemeClr>
+            </a:solidFill>
+            <a:tailEnd type="triangle"/>
+          </a:ln>
+        </p:spPr>
+        <p:style>
+          <a:lnRef idx="2">
+            <a:schemeClr val="accent1"/>
+          </a:lnRef>
+          <a:fillRef idx="0">
+            <a:schemeClr val="accent1"/>
+          </a:fillRef>
+          <a:effectRef idx="1">
+            <a:schemeClr val="accent1"/>
+          </a:effectRef>
+          <a:fontRef idx="minor">
+            <a:schemeClr val="tx1"/>
+          </a:fontRef>
+        </p:style>
+      </p:cxnSp>
+      <p:cxnSp>
+        <p:nvCxnSpPr>
+          <p:cNvPr id="66" name="Straight Arrow Connector 65">
+            <a:extLst>
+              <a:ext uri="{FF2B5EF4-FFF2-40B4-BE49-F238E27FC236}">
+                <a16:creationId xmlns:a16="http://schemas.microsoft.com/office/drawing/2014/main" id="{0F004976-8EDE-79AE-5BEE-1603249DE089}"/>
+              </a:ext>
+            </a:extLst>
+          </p:cNvPr>
+          <p:cNvCxnSpPr>
+            <a:cxnSpLocks/>
+            <a:stCxn id="63" idx="3"/>
+            <a:endCxn id="71" idx="1"/>
+          </p:cNvCxnSpPr>
+          <p:nvPr/>
+        </p:nvCxnSpPr>
+        <p:spPr>
+          <a:xfrm>
+            <a:off x="6390752" y="4943355"/>
+            <a:ext cx="388652" cy="282118"/>
+          </a:xfrm>
+          <a:prstGeom prst="straightConnector1">
+            <a:avLst/>
+          </a:prstGeom>
+          <a:ln>
+            <a:tailEnd type="triangle"/>
+          </a:ln>
+        </p:spPr>
+        <p:style>
+          <a:lnRef idx="2">
+            <a:schemeClr val="accent1"/>
+          </a:lnRef>
+          <a:fillRef idx="0">
+            <a:schemeClr val="accent1"/>
+          </a:fillRef>
+          <a:effectRef idx="1">
+            <a:schemeClr val="accent1"/>
+          </a:effectRef>
+          <a:fontRef idx="minor">
+            <a:schemeClr val="tx1"/>
+          </a:fontRef>
+        </p:style>
+      </p:cxnSp>
+      <p:pic>
+        <p:nvPicPr>
+          <p:cNvPr id="69" name="Picture 68">
+            <a:extLst>
+              <a:ext uri="{FF2B5EF4-FFF2-40B4-BE49-F238E27FC236}">
+                <a16:creationId xmlns:a16="http://schemas.microsoft.com/office/drawing/2014/main" id="{D2ECE2CD-6FF3-F8F1-678F-2F7B2C5CA31E}"/>
+              </a:ext>
+            </a:extLst>
+          </p:cNvPr>
+          <p:cNvPicPr>
+            <a:picLocks noChangeAspect="1"/>
+          </p:cNvPicPr>
+          <p:nvPr/>
+        </p:nvPicPr>
+        <p:blipFill>
+          <a:blip r:embed="rId4"/>
+          <a:stretch>
+            <a:fillRect/>
+          </a:stretch>
+        </p:blipFill>
+        <p:spPr>
+          <a:xfrm>
+            <a:off x="6774534" y="4349710"/>
+            <a:ext cx="403934" cy="483723"/>
+          </a:xfrm>
+          <a:prstGeom prst="rect">
+            <a:avLst/>
+          </a:prstGeom>
+          <a:ln w="19050">
+            <a:solidFill>
+              <a:schemeClr val="accent2">
+                <a:lumMod val="75000"/>
+              </a:schemeClr>
+            </a:solidFill>
+          </a:ln>
+        </p:spPr>
+      </p:pic>
+      <p:sp>
+        <p:nvSpPr>
+          <p:cNvPr id="70" name="TextBox 69">
+            <a:extLst>
+              <a:ext uri="{FF2B5EF4-FFF2-40B4-BE49-F238E27FC236}">
+                <a16:creationId xmlns:a16="http://schemas.microsoft.com/office/drawing/2014/main" id="{D02621B1-52D1-2EAF-459F-8CB6EEED987D}"/>
+              </a:ext>
+            </a:extLst>
+          </p:cNvPr>
+          <p:cNvSpPr txBox="1"/>
+          <p:nvPr/>
+        </p:nvSpPr>
+        <p:spPr>
+          <a:xfrm>
+            <a:off x="7152495" y="4291489"/>
+            <a:ext cx="1233191" cy="600164"/>
+          </a:xfrm>
+          <a:prstGeom prst="rect">
+            <a:avLst/>
+          </a:prstGeom>
+          <a:noFill/>
+        </p:spPr>
+        <p:txBody>
+          <a:bodyPr wrap="square" rtlCol="0">
+            <a:spAutoFit/>
+          </a:bodyPr>
+          <a:lstStyle/>
+          <a:p>
+            <a:r>
+              <a:rPr lang="en-US" sz="1100" b="1" dirty="0">
+                <a:solidFill>
+                  <a:schemeClr val="accent2">
+                    <a:lumMod val="75000"/>
+                  </a:schemeClr>
+                </a:solidFill>
+              </a:rPr>
+              <a:t>MITRE ATT&amp;CK Technique  mapping report</a:t>
+            </a:r>
+            <a:endParaRPr lang="en-SG" sz="1100" b="1" dirty="0">
+              <a:solidFill>
+                <a:schemeClr val="accent2">
+                  <a:lumMod val="75000"/>
+                </a:schemeClr>
+              </a:solidFill>
+            </a:endParaRPr>
+          </a:p>
+        </p:txBody>
+      </p:sp>
+      <p:pic>
+        <p:nvPicPr>
+          <p:cNvPr id="71" name="Picture 70">
+            <a:extLst>
+              <a:ext uri="{FF2B5EF4-FFF2-40B4-BE49-F238E27FC236}">
+                <a16:creationId xmlns:a16="http://schemas.microsoft.com/office/drawing/2014/main" id="{E5DE2E96-3B41-CC35-5DFA-9549B5E64A7C}"/>
+              </a:ext>
+            </a:extLst>
+          </p:cNvPr>
+          <p:cNvPicPr>
+            <a:picLocks noChangeAspect="1"/>
+          </p:cNvPicPr>
+          <p:nvPr/>
+        </p:nvPicPr>
+        <p:blipFill>
+          <a:blip r:embed="rId4"/>
+          <a:stretch>
+            <a:fillRect/>
+          </a:stretch>
+        </p:blipFill>
+        <p:spPr>
+          <a:xfrm>
+            <a:off x="6779404" y="4983611"/>
+            <a:ext cx="403934" cy="483723"/>
+          </a:xfrm>
+          <a:prstGeom prst="rect">
+            <a:avLst/>
+          </a:prstGeom>
+          <a:ln w="19050">
+            <a:solidFill>
+              <a:schemeClr val="tx2">
+                <a:lumMod val="75000"/>
+                <a:lumOff val="25000"/>
+              </a:schemeClr>
+            </a:solidFill>
+          </a:ln>
+        </p:spPr>
+      </p:pic>
+      <p:sp>
+        <p:nvSpPr>
+          <p:cNvPr id="72" name="TextBox 71">
+            <a:extLst>
+              <a:ext uri="{FF2B5EF4-FFF2-40B4-BE49-F238E27FC236}">
+                <a16:creationId xmlns:a16="http://schemas.microsoft.com/office/drawing/2014/main" id="{766E7038-0CF4-92FA-376D-8D39AD5E4F7D}"/>
+              </a:ext>
+            </a:extLst>
+          </p:cNvPr>
+          <p:cNvSpPr txBox="1"/>
+          <p:nvPr/>
+        </p:nvSpPr>
+        <p:spPr>
+          <a:xfrm>
+            <a:off x="7178468" y="4925390"/>
+            <a:ext cx="1233191" cy="600164"/>
+          </a:xfrm>
+          <a:prstGeom prst="rect">
+            <a:avLst/>
+          </a:prstGeom>
+          <a:noFill/>
+        </p:spPr>
+        <p:txBody>
+          <a:bodyPr wrap="square" rtlCol="0">
+            <a:spAutoFit/>
+          </a:bodyPr>
+          <a:lstStyle/>
+          <a:p>
+            <a:r>
+              <a:rPr lang="en-US" sz="1100" b="1" dirty="0">
+                <a:solidFill>
+                  <a:schemeClr val="tx2">
+                    <a:lumMod val="75000"/>
+                    <a:lumOff val="25000"/>
+                  </a:schemeClr>
+                </a:solidFill>
+              </a:rPr>
+              <a:t>MITRE CWE Vulnerability matching report</a:t>
+            </a:r>
+            <a:endParaRPr lang="en-SG" sz="1100" b="1" dirty="0">
+              <a:solidFill>
+                <a:schemeClr val="tx2">
+                  <a:lumMod val="75000"/>
+                  <a:lumOff val="25000"/>
+                </a:schemeClr>
+              </a:solidFill>
+            </a:endParaRPr>
+          </a:p>
+        </p:txBody>
+      </p:sp>
+      <p:cxnSp>
+        <p:nvCxnSpPr>
+          <p:cNvPr id="74" name="Connector: Elbow 73">
+            <a:extLst>
+              <a:ext uri="{FF2B5EF4-FFF2-40B4-BE49-F238E27FC236}">
+                <a16:creationId xmlns:a16="http://schemas.microsoft.com/office/drawing/2014/main" id="{56A41BF5-FC24-89E9-4095-CA000072DB47}"/>
+              </a:ext>
+            </a:extLst>
+          </p:cNvPr>
+          <p:cNvCxnSpPr>
+            <a:stCxn id="4" idx="2"/>
+            <a:endCxn id="52" idx="1"/>
+          </p:cNvCxnSpPr>
+          <p:nvPr/>
+        </p:nvCxnSpPr>
+        <p:spPr>
+          <a:xfrm rot="16200000" flipH="1">
+            <a:off x="1251095" y="2911829"/>
+            <a:ext cx="2372483" cy="1688467"/>
+          </a:xfrm>
+          <a:prstGeom prst="bentConnector2">
+            <a:avLst/>
+          </a:prstGeom>
+          <a:ln>
+            <a:solidFill>
+              <a:srgbClr val="00B050"/>
+            </a:solidFill>
+            <a:tailEnd type="triangle"/>
+          </a:ln>
+        </p:spPr>
+        <p:style>
+          <a:lnRef idx="2">
+            <a:schemeClr val="accent1"/>
+          </a:lnRef>
+          <a:fillRef idx="0">
+            <a:schemeClr val="accent1"/>
+          </a:fillRef>
+          <a:effectRef idx="1">
+            <a:schemeClr val="accent1"/>
+          </a:effectRef>
+          <a:fontRef idx="minor">
+            <a:schemeClr val="tx1"/>
+          </a:fontRef>
+        </p:style>
+      </p:cxnSp>
+      <p:sp>
+        <p:nvSpPr>
+          <p:cNvPr id="5" name="TextBox 4">
+            <a:extLst>
+              <a:ext uri="{FF2B5EF4-FFF2-40B4-BE49-F238E27FC236}">
+                <a16:creationId xmlns:a16="http://schemas.microsoft.com/office/drawing/2014/main" id="{62F7B1D7-3957-AB64-4A8E-9CC7ABC978AF}"/>
+              </a:ext>
+            </a:extLst>
+          </p:cNvPr>
+          <p:cNvSpPr txBox="1"/>
+          <p:nvPr/>
+        </p:nvSpPr>
+        <p:spPr>
+          <a:xfrm>
+            <a:off x="1164083" y="2562803"/>
+            <a:ext cx="1302188" cy="769441"/>
+          </a:xfrm>
+          <a:prstGeom prst="rect">
+            <a:avLst/>
+          </a:prstGeom>
+          <a:noFill/>
+        </p:spPr>
+        <p:txBody>
+          <a:bodyPr wrap="square" rtlCol="0">
+            <a:spAutoFit/>
+          </a:bodyPr>
+          <a:lstStyle/>
+          <a:p>
+            <a:r>
+              <a:rPr lang="en-US" sz="1100" b="1" dirty="0"/>
+              <a:t>Human Language attack/threats  scenario description </a:t>
+            </a:r>
+            <a:endParaRPr lang="en-SG" sz="1100" b="1" dirty="0"/>
+          </a:p>
+        </p:txBody>
+      </p:sp>
+      <p:sp>
+        <p:nvSpPr>
+          <p:cNvPr id="75" name="TextBox 74">
+            <a:extLst>
+              <a:ext uri="{FF2B5EF4-FFF2-40B4-BE49-F238E27FC236}">
+                <a16:creationId xmlns:a16="http://schemas.microsoft.com/office/drawing/2014/main" id="{7004DBE0-5DD0-6369-C499-B682F22DFB39}"/>
+              </a:ext>
+            </a:extLst>
+          </p:cNvPr>
+          <p:cNvSpPr txBox="1"/>
+          <p:nvPr/>
+        </p:nvSpPr>
+        <p:spPr>
+          <a:xfrm>
+            <a:off x="1282392" y="1450393"/>
+            <a:ext cx="3445846" cy="307777"/>
+          </a:xfrm>
+          <a:prstGeom prst="rect">
+            <a:avLst/>
+          </a:prstGeom>
+          <a:noFill/>
+          <a:ln w="12700">
+            <a:solidFill>
+              <a:schemeClr val="tx1"/>
+            </a:solidFill>
+            <a:prstDash val="sysDash"/>
+          </a:ln>
+        </p:spPr>
+        <p:txBody>
+          <a:bodyPr wrap="square" rtlCol="0">
+            <a:spAutoFit/>
+          </a:bodyPr>
+          <a:lstStyle/>
+          <a:p>
+            <a:r>
+              <a:rPr lang="en-US" sz="1400" b="1" dirty="0"/>
+              <a:t>Threats To MITRE(CWD, ATT&amp;CK) Mapper</a:t>
+            </a:r>
+            <a:endParaRPr lang="en-SG" sz="1400" b="1" dirty="0"/>
+          </a:p>
+        </p:txBody>
+      </p:sp>
+      <p:pic>
+        <p:nvPicPr>
+          <p:cNvPr id="76" name="Picture 75">
+            <a:extLst>
+              <a:ext uri="{FF2B5EF4-FFF2-40B4-BE49-F238E27FC236}">
+                <a16:creationId xmlns:a16="http://schemas.microsoft.com/office/drawing/2014/main" id="{B9EC441B-FF78-EB5B-F357-C670E68E7D47}"/>
+              </a:ext>
+            </a:extLst>
+          </p:cNvPr>
+          <p:cNvPicPr>
+            <a:picLocks noChangeAspect="1"/>
+          </p:cNvPicPr>
+          <p:nvPr/>
+        </p:nvPicPr>
+        <p:blipFill>
+          <a:blip r:embed="rId5"/>
+          <a:stretch>
+            <a:fillRect/>
+          </a:stretch>
+        </p:blipFill>
+        <p:spPr>
+          <a:xfrm>
+            <a:off x="6261361" y="3505307"/>
+            <a:ext cx="707880" cy="299949"/>
+          </a:xfrm>
+          <a:prstGeom prst="rect">
+            <a:avLst/>
+          </a:prstGeom>
+          <a:ln w="6350">
+            <a:solidFill>
+              <a:schemeClr val="tx1"/>
+            </a:solidFill>
+          </a:ln>
+        </p:spPr>
+      </p:pic>
+      <p:sp>
+        <p:nvSpPr>
+          <p:cNvPr id="77" name="Rectangle 76">
+            <a:extLst>
+              <a:ext uri="{FF2B5EF4-FFF2-40B4-BE49-F238E27FC236}">
+                <a16:creationId xmlns:a16="http://schemas.microsoft.com/office/drawing/2014/main" id="{7AF01517-6F04-D7B1-E4EF-0EA15BAD4588}"/>
+              </a:ext>
+            </a:extLst>
+          </p:cNvPr>
+          <p:cNvSpPr/>
+          <p:nvPr/>
+        </p:nvSpPr>
+        <p:spPr>
+          <a:xfrm>
+            <a:off x="2110154" y="2967115"/>
+            <a:ext cx="4129872" cy="1447057"/>
+          </a:xfrm>
+          <a:prstGeom prst="rect">
+            <a:avLst/>
+          </a:prstGeom>
+          <a:noFill/>
+          <a:ln w="9525">
+            <a:prstDash val="dash"/>
+          </a:ln>
+        </p:spPr>
+        <p:style>
+          <a:lnRef idx="2">
+            <a:schemeClr val="accent1">
+              <a:shade val="15000"/>
+            </a:schemeClr>
+          </a:lnRef>
+          <a:fillRef idx="1">
+            <a:schemeClr val="accent1"/>
+          </a:fillRef>
+          <a:effectRef idx="0">
+            <a:schemeClr val="accent1"/>
+          </a:effectRef>
+          <a:fontRef idx="minor">
+            <a:schemeClr val="lt1"/>
+          </a:fontRef>
+        </p:style>
+        <p:txBody>
+          <a:bodyPr rtlCol="0" anchor="ctr"/>
+          <a:lstStyle/>
+          <a:p>
+            <a:pPr algn="ctr"/>
+            <a:endParaRPr lang="en-SG" dirty="0"/>
+          </a:p>
+        </p:txBody>
+      </p:sp>
+      <p:pic>
+        <p:nvPicPr>
+          <p:cNvPr id="78" name="Picture 77">
+            <a:extLst>
+              <a:ext uri="{FF2B5EF4-FFF2-40B4-BE49-F238E27FC236}">
+                <a16:creationId xmlns:a16="http://schemas.microsoft.com/office/drawing/2014/main" id="{F880B313-32B8-9C6A-46C4-ED40855CDD04}"/>
+              </a:ext>
+            </a:extLst>
+          </p:cNvPr>
+          <p:cNvPicPr>
+            <a:picLocks noChangeAspect="1"/>
+          </p:cNvPicPr>
+          <p:nvPr/>
+        </p:nvPicPr>
+        <p:blipFill>
+          <a:blip r:embed="rId6"/>
+          <a:stretch>
+            <a:fillRect/>
+          </a:stretch>
+        </p:blipFill>
+        <p:spPr>
+          <a:xfrm>
+            <a:off x="3287714" y="5162659"/>
+            <a:ext cx="251129" cy="266716"/>
+          </a:xfrm>
+          <a:prstGeom prst="rect">
+            <a:avLst/>
+          </a:prstGeom>
+          <a:ln w="9525">
+            <a:solidFill>
+              <a:schemeClr val="tx1"/>
+            </a:solidFill>
+          </a:ln>
+        </p:spPr>
+      </p:pic>
+      <p:sp>
+        <p:nvSpPr>
+          <p:cNvPr id="79" name="TextBox 78">
+            <a:extLst>
+              <a:ext uri="{FF2B5EF4-FFF2-40B4-BE49-F238E27FC236}">
+                <a16:creationId xmlns:a16="http://schemas.microsoft.com/office/drawing/2014/main" id="{8C952CD6-040B-DACC-2289-6BC4FD673B7F}"/>
+              </a:ext>
+            </a:extLst>
+          </p:cNvPr>
+          <p:cNvSpPr txBox="1"/>
+          <p:nvPr/>
+        </p:nvSpPr>
+        <p:spPr>
+          <a:xfrm>
+            <a:off x="3483992" y="5179114"/>
+            <a:ext cx="1417551" cy="261610"/>
+          </a:xfrm>
+          <a:prstGeom prst="rect">
+            <a:avLst/>
+          </a:prstGeom>
+          <a:noFill/>
+        </p:spPr>
+        <p:txBody>
+          <a:bodyPr wrap="square" rtlCol="0">
+            <a:spAutoFit/>
+          </a:bodyPr>
+          <a:lstStyle/>
+          <a:p>
+            <a:r>
+              <a:rPr lang="en-US" sz="1100" b="1" dirty="0">
+                <a:solidFill>
+                  <a:schemeClr val="accent6">
+                    <a:lumMod val="50000"/>
+                  </a:schemeClr>
+                </a:solidFill>
+              </a:rPr>
+              <a:t>GPT-3.5 Turbo</a:t>
+            </a:r>
+            <a:endParaRPr lang="en-SG" sz="1100" b="1" dirty="0">
+              <a:solidFill>
+                <a:schemeClr val="accent6">
+                  <a:lumMod val="50000"/>
+                </a:schemeClr>
+              </a:solidFill>
+            </a:endParaRPr>
+          </a:p>
+        </p:txBody>
+      </p:sp>
+      <p:pic>
+        <p:nvPicPr>
+          <p:cNvPr id="81" name="Picture 80">
+            <a:extLst>
+              <a:ext uri="{FF2B5EF4-FFF2-40B4-BE49-F238E27FC236}">
+                <a16:creationId xmlns:a16="http://schemas.microsoft.com/office/drawing/2014/main" id="{3A7FE086-7B95-4F41-A554-68B4EE106778}"/>
+              </a:ext>
+            </a:extLst>
+          </p:cNvPr>
+          <p:cNvPicPr>
+            <a:picLocks noChangeAspect="1"/>
+          </p:cNvPicPr>
+          <p:nvPr/>
+        </p:nvPicPr>
+        <p:blipFill>
+          <a:blip r:embed="rId7"/>
+          <a:stretch>
+            <a:fillRect/>
+          </a:stretch>
+        </p:blipFill>
+        <p:spPr>
+          <a:xfrm>
+            <a:off x="6390752" y="2612424"/>
+            <a:ext cx="1361090" cy="296730"/>
+          </a:xfrm>
+          <a:prstGeom prst="rect">
+            <a:avLst/>
+          </a:prstGeom>
+          <a:ln w="12700">
+            <a:solidFill>
+              <a:schemeClr val="tx1"/>
+            </a:solidFill>
+          </a:ln>
+        </p:spPr>
+      </p:pic>
+      <p:cxnSp>
+        <p:nvCxnSpPr>
+          <p:cNvPr id="83" name="Connector: Elbow 82">
+            <a:extLst>
+              <a:ext uri="{FF2B5EF4-FFF2-40B4-BE49-F238E27FC236}">
+                <a16:creationId xmlns:a16="http://schemas.microsoft.com/office/drawing/2014/main" id="{590AAC6F-9FF4-3383-E72E-13DB9A48912D}"/>
+              </a:ext>
+            </a:extLst>
+          </p:cNvPr>
+          <p:cNvCxnSpPr>
+            <a:cxnSpLocks/>
+            <a:stCxn id="81" idx="1"/>
+            <a:endCxn id="77" idx="0"/>
+          </p:cNvCxnSpPr>
+          <p:nvPr/>
+        </p:nvCxnSpPr>
+        <p:spPr>
+          <a:xfrm rot="10800000" flipV="1">
+            <a:off x="4175090" y="2760789"/>
+            <a:ext cx="2215662" cy="206326"/>
+          </a:xfrm>
+          <a:prstGeom prst="bentConnector2">
+            <a:avLst/>
+          </a:prstGeom>
+          <a:ln>
+            <a:solidFill>
+              <a:schemeClr val="bg1">
+                <a:lumMod val="50000"/>
+              </a:schemeClr>
+            </a:solidFill>
+            <a:prstDash val="sysDash"/>
+            <a:tailEnd type="triangle"/>
+          </a:ln>
+        </p:spPr>
+        <p:style>
+          <a:lnRef idx="2">
+            <a:schemeClr val="accent1"/>
+          </a:lnRef>
+          <a:fillRef idx="0">
+            <a:schemeClr val="accent1"/>
+          </a:fillRef>
+          <a:effectRef idx="1">
+            <a:schemeClr val="accent1"/>
+          </a:effectRef>
+          <a:fontRef idx="minor">
+            <a:schemeClr val="tx1"/>
+          </a:fontRef>
+        </p:style>
+      </p:cxnSp>
+      <p:sp>
+        <p:nvSpPr>
+          <p:cNvPr id="95" name="TextBox 94">
+            <a:extLst>
+              <a:ext uri="{FF2B5EF4-FFF2-40B4-BE49-F238E27FC236}">
+                <a16:creationId xmlns:a16="http://schemas.microsoft.com/office/drawing/2014/main" id="{86167747-85A5-CF15-68C3-BDC7BE164870}"/>
+              </a:ext>
+            </a:extLst>
+          </p:cNvPr>
+          <p:cNvSpPr txBox="1"/>
+          <p:nvPr/>
+        </p:nvSpPr>
+        <p:spPr>
+          <a:xfrm>
+            <a:off x="6314023" y="2895015"/>
+            <a:ext cx="2088558" cy="430887"/>
+          </a:xfrm>
+          <a:prstGeom prst="rect">
+            <a:avLst/>
+          </a:prstGeom>
+          <a:noFill/>
+        </p:spPr>
+        <p:txBody>
+          <a:bodyPr wrap="square" rtlCol="0">
+            <a:spAutoFit/>
+          </a:bodyPr>
+          <a:lstStyle/>
+          <a:p>
+            <a:r>
+              <a:rPr lang="en-US" sz="1100" b="1" dirty="0">
+                <a:solidFill>
+                  <a:schemeClr val="bg1">
+                    <a:lumMod val="50000"/>
+                  </a:schemeClr>
+                </a:solidFill>
+              </a:rPr>
+              <a:t>LLM conversation chain framework </a:t>
+            </a:r>
+            <a:endParaRPr lang="en-SG" sz="1100" b="1" dirty="0">
+              <a:solidFill>
+                <a:schemeClr val="bg1">
+                  <a:lumMod val="50000"/>
+                </a:schemeClr>
+              </a:solidFill>
+            </a:endParaRPr>
+          </a:p>
+        </p:txBody>
+      </p:sp>
+      <p:pic>
+        <p:nvPicPr>
+          <p:cNvPr id="96" name="Picture 95">
+            <a:extLst>
+              <a:ext uri="{FF2B5EF4-FFF2-40B4-BE49-F238E27FC236}">
+                <a16:creationId xmlns:a16="http://schemas.microsoft.com/office/drawing/2014/main" id="{8C7C3C8F-CB37-D106-1ED5-D7B07775FD9D}"/>
+              </a:ext>
+            </a:extLst>
+          </p:cNvPr>
+          <p:cNvPicPr>
+            <a:picLocks noChangeAspect="1"/>
+          </p:cNvPicPr>
+          <p:nvPr/>
+        </p:nvPicPr>
+        <p:blipFill>
+          <a:blip r:embed="rId8"/>
+          <a:stretch>
+            <a:fillRect/>
+          </a:stretch>
+        </p:blipFill>
+        <p:spPr>
+          <a:xfrm>
+            <a:off x="7290701" y="2137693"/>
+            <a:ext cx="393540" cy="313634"/>
+          </a:xfrm>
+          <a:prstGeom prst="rect">
+            <a:avLst/>
+          </a:prstGeom>
+          <a:ln>
+            <a:solidFill>
+              <a:schemeClr val="tx2">
+                <a:lumMod val="75000"/>
+                <a:lumOff val="25000"/>
+              </a:schemeClr>
+            </a:solidFill>
+          </a:ln>
+        </p:spPr>
+      </p:pic>
+      <p:sp>
+        <p:nvSpPr>
+          <p:cNvPr id="97" name="TextBox 96">
+            <a:extLst>
+              <a:ext uri="{FF2B5EF4-FFF2-40B4-BE49-F238E27FC236}">
+                <a16:creationId xmlns:a16="http://schemas.microsoft.com/office/drawing/2014/main" id="{4282BDC6-2D5A-EAE8-B788-D28728D0D6DD}"/>
+              </a:ext>
+            </a:extLst>
+          </p:cNvPr>
+          <p:cNvSpPr txBox="1"/>
+          <p:nvPr/>
+        </p:nvSpPr>
+        <p:spPr>
+          <a:xfrm>
+            <a:off x="6924012" y="1698743"/>
+            <a:ext cx="2088558" cy="430887"/>
+          </a:xfrm>
+          <a:prstGeom prst="rect">
+            <a:avLst/>
+          </a:prstGeom>
+          <a:noFill/>
+        </p:spPr>
+        <p:txBody>
+          <a:bodyPr wrap="square" rtlCol="0">
+            <a:spAutoFit/>
+          </a:bodyPr>
+          <a:lstStyle/>
+          <a:p>
+            <a:r>
+              <a:rPr lang="en-US" sz="1100" b="1" dirty="0">
+                <a:solidFill>
+                  <a:schemeClr val="bg1">
+                    <a:lumMod val="50000"/>
+                  </a:schemeClr>
+                </a:solidFill>
+              </a:rPr>
+              <a:t>MITRE Background Knowledge prompt</a:t>
+            </a:r>
+            <a:endParaRPr lang="en-SG" sz="1100" b="1" dirty="0">
+              <a:solidFill>
+                <a:schemeClr val="bg1">
+                  <a:lumMod val="50000"/>
+                </a:schemeClr>
+              </a:solidFill>
+            </a:endParaRPr>
+          </a:p>
+        </p:txBody>
+      </p:sp>
+      <p:cxnSp>
+        <p:nvCxnSpPr>
+          <p:cNvPr id="98" name="Connector: Elbow 97">
+            <a:extLst>
+              <a:ext uri="{FF2B5EF4-FFF2-40B4-BE49-F238E27FC236}">
+                <a16:creationId xmlns:a16="http://schemas.microsoft.com/office/drawing/2014/main" id="{817EE48F-10BB-77BB-28F7-05BD5C03E0F5}"/>
+              </a:ext>
+            </a:extLst>
+          </p:cNvPr>
+          <p:cNvCxnSpPr>
+            <a:cxnSpLocks/>
+            <a:stCxn id="96" idx="1"/>
+            <a:endCxn id="81" idx="0"/>
+          </p:cNvCxnSpPr>
+          <p:nvPr/>
+        </p:nvCxnSpPr>
+        <p:spPr>
+          <a:xfrm rot="10800000" flipV="1">
+            <a:off x="7071297" y="2294510"/>
+            <a:ext cx="219404" cy="317914"/>
+          </a:xfrm>
+          <a:prstGeom prst="bentConnector2">
+            <a:avLst/>
+          </a:prstGeom>
+          <a:ln>
+            <a:solidFill>
+              <a:schemeClr val="bg1">
+                <a:lumMod val="50000"/>
+              </a:schemeClr>
+            </a:solidFill>
+            <a:prstDash val="sysDash"/>
+            <a:tailEnd type="triangle"/>
+          </a:ln>
+        </p:spPr>
+        <p:style>
+          <a:lnRef idx="2">
+            <a:schemeClr val="accent1"/>
+          </a:lnRef>
+          <a:fillRef idx="0">
+            <a:schemeClr val="accent1"/>
+          </a:fillRef>
+          <a:effectRef idx="1">
+            <a:schemeClr val="accent1"/>
+          </a:effectRef>
+          <a:fontRef idx="minor">
+            <a:schemeClr val="tx1"/>
+          </a:fontRef>
+        </p:style>
+      </p:cxnSp>
+    </p:spTree>
+    <p:extLst>
+      <p:ext uri="{BB962C8B-B14F-4D97-AF65-F5344CB8AC3E}">
+        <p14:creationId xmlns:p14="http://schemas.microsoft.com/office/powerpoint/2010/main" val="217297661"/>
+      </p:ext>
+    </p:extLst>
+  </p:cSld>
+  <p:clrMapOvr>
+    <a:masterClrMapping/>
+  </p:clrMapOvr>
+</p:sld>
+</file>
+
+<file path=ppt/slides/slide3.xml><?xml version="1.0" encoding="utf-8"?>
+<p:sld xmlns:a="http://schemas.openxmlformats.org/drawingml/2006/main" xmlns:r="http://schemas.openxmlformats.org/officeDocument/2006/relationships" xmlns:p="http://schemas.openxmlformats.org/presentationml/2006/main">
+  <p:cSld>
+    <p:spTree>
+      <p:nvGrpSpPr>
         <p:cNvPr id="1" name="">
           <a:extLst>
             <a:ext uri="{FF2B5EF4-FFF2-40B4-BE49-F238E27FC236}">
@@ -6428,7 +8246,7 @@
                 </a:solidFill>
                 <a:effectLst/>
               </a:rPr>
-              <a:t>Structured Threat Information Expression (STIX) Attack flow report</a:t>
+              <a:t>Structured Threat Information Expression (STIX) attack flow report</a:t>
             </a:r>
             <a:endParaRPr lang="en-SG" sz="1100" b="1" dirty="0"/>
           </a:p>
@@ -6464,7 +8282,7 @@
           <a:p>
             <a:r>
               <a:rPr lang="en-US" sz="1100" b="1" dirty="0"/>
-              <a:t>Human Language attack/thread scenario description </a:t>
+              <a:t>Human Language attack/threats scenario description </a:t>
             </a:r>
             <a:endParaRPr lang="en-SG" sz="1100" b="1" dirty="0"/>
           </a:p>
@@ -6532,7 +8350,7 @@
             <a:avLst/>
           </a:prstGeom>
           <a:solidFill>
-            <a:schemeClr val="accent2">
+            <a:schemeClr val="accent6">
               <a:lumMod val="40000"/>
               <a:lumOff val="60000"/>
             </a:schemeClr>
@@ -6565,7 +8383,7 @@
                   <a:schemeClr val="tx1"/>
                 </a:solidFill>
               </a:rPr>
-              <a:t>LLM Attack Scenario analyzer</a:t>
+              <a:t>LLM Attack Scenario Analyzer</a:t>
             </a:r>
             <a:endParaRPr lang="en-SG" sz="1200" b="1" dirty="0">
               <a:solidFill>
@@ -6814,8 +8632,8 @@
         </p:nvSpPr>
         <p:spPr>
           <a:xfrm>
-            <a:off x="3292349" y="2631236"/>
-            <a:ext cx="1233191" cy="938719"/>
+            <a:off x="3281193" y="2609237"/>
+            <a:ext cx="1186112" cy="1107996"/>
           </a:xfrm>
           <a:prstGeom prst="rect">
             <a:avLst/>
@@ -6830,13 +8648,7 @@
           <a:p>
             <a:r>
               <a:rPr lang="en-US" sz="1100" b="1" dirty="0"/>
-              <a:t>Text format summary of the </a:t>
-            </a:r>
-          </a:p>
-          <a:p>
-            <a:r>
-              <a:rPr lang="en-US" sz="1100" b="1" dirty="0"/>
-              <a:t>Attack flow path in the attack scenario </a:t>
+              <a:t>Text format summary of the attack flow path in the threats attack scenario </a:t>
             </a:r>
             <a:endParaRPr lang="en-SG" sz="1100" b="1" dirty="0"/>
           </a:p>
@@ -7150,7 +8962,7 @@
         </p:nvSpPr>
         <p:spPr>
           <a:xfrm>
-            <a:off x="5574890" y="4428806"/>
+            <a:off x="5574890" y="4408710"/>
             <a:ext cx="475529" cy="400110"/>
           </a:xfrm>
           <a:prstGeom prst="rect">
@@ -11000,7 +12812,7 @@
 </p:sld>
 </file>
 
-<file path=ppt/slides/slide3.xml><?xml version="1.0" encoding="utf-8"?>
+<file path=ppt/slides/slide4.xml><?xml version="1.0" encoding="utf-8"?>
 <p:sld xmlns:a="http://schemas.openxmlformats.org/drawingml/2006/main" xmlns:r="http://schemas.openxmlformats.org/officeDocument/2006/relationships" xmlns:p="http://schemas.openxmlformats.org/presentationml/2006/main">
   <p:cSld>
     <p:spTree>

--- a/doc/designDoc.pptx
+++ b/doc/designDoc.pptx
@@ -9,6 +9,8 @@
     <p:sldId id="259" r:id="rId3"/>
     <p:sldId id="258" r:id="rId4"/>
     <p:sldId id="257" r:id="rId5"/>
+    <p:sldId id="260" r:id="rId6"/>
+    <p:sldId id="261" r:id="rId7"/>
   </p:sldIdLst>
   <p:sldSz cx="12192000" cy="6858000"/>
   <p:notesSz cx="6858000" cy="9144000"/>
@@ -264,7 +266,7 @@
           <a:p>
             <a:fld id="{478FE37C-4760-4CCB-A8C8-82BFD3D78224}" type="datetimeFigureOut">
               <a:rPr lang="en-SG" smtClean="0"/>
-              <a:t>2/3/2024</a:t>
+              <a:t>3/3/2024</a:t>
             </a:fld>
             <a:endParaRPr lang="en-SG"/>
           </a:p>
@@ -464,7 +466,7 @@
           <a:p>
             <a:fld id="{478FE37C-4760-4CCB-A8C8-82BFD3D78224}" type="datetimeFigureOut">
               <a:rPr lang="en-SG" smtClean="0"/>
-              <a:t>2/3/2024</a:t>
+              <a:t>3/3/2024</a:t>
             </a:fld>
             <a:endParaRPr lang="en-SG"/>
           </a:p>
@@ -674,7 +676,7 @@
           <a:p>
             <a:fld id="{478FE37C-4760-4CCB-A8C8-82BFD3D78224}" type="datetimeFigureOut">
               <a:rPr lang="en-SG" smtClean="0"/>
-              <a:t>2/3/2024</a:t>
+              <a:t>3/3/2024</a:t>
             </a:fld>
             <a:endParaRPr lang="en-SG"/>
           </a:p>
@@ -874,7 +876,7 @@
           <a:p>
             <a:fld id="{478FE37C-4760-4CCB-A8C8-82BFD3D78224}" type="datetimeFigureOut">
               <a:rPr lang="en-SG" smtClean="0"/>
-              <a:t>2/3/2024</a:t>
+              <a:t>3/3/2024</a:t>
             </a:fld>
             <a:endParaRPr lang="en-SG"/>
           </a:p>
@@ -1150,7 +1152,7 @@
           <a:p>
             <a:fld id="{478FE37C-4760-4CCB-A8C8-82BFD3D78224}" type="datetimeFigureOut">
               <a:rPr lang="en-SG" smtClean="0"/>
-              <a:t>2/3/2024</a:t>
+              <a:t>3/3/2024</a:t>
             </a:fld>
             <a:endParaRPr lang="en-SG"/>
           </a:p>
@@ -1418,7 +1420,7 @@
           <a:p>
             <a:fld id="{478FE37C-4760-4CCB-A8C8-82BFD3D78224}" type="datetimeFigureOut">
               <a:rPr lang="en-SG" smtClean="0"/>
-              <a:t>2/3/2024</a:t>
+              <a:t>3/3/2024</a:t>
             </a:fld>
             <a:endParaRPr lang="en-SG"/>
           </a:p>
@@ -1833,7 +1835,7 @@
           <a:p>
             <a:fld id="{478FE37C-4760-4CCB-A8C8-82BFD3D78224}" type="datetimeFigureOut">
               <a:rPr lang="en-SG" smtClean="0"/>
-              <a:t>2/3/2024</a:t>
+              <a:t>3/3/2024</a:t>
             </a:fld>
             <a:endParaRPr lang="en-SG"/>
           </a:p>
@@ -1975,7 +1977,7 @@
           <a:p>
             <a:fld id="{478FE37C-4760-4CCB-A8C8-82BFD3D78224}" type="datetimeFigureOut">
               <a:rPr lang="en-SG" smtClean="0"/>
-              <a:t>2/3/2024</a:t>
+              <a:t>3/3/2024</a:t>
             </a:fld>
             <a:endParaRPr lang="en-SG"/>
           </a:p>
@@ -2088,7 +2090,7 @@
           <a:p>
             <a:fld id="{478FE37C-4760-4CCB-A8C8-82BFD3D78224}" type="datetimeFigureOut">
               <a:rPr lang="en-SG" smtClean="0"/>
-              <a:t>2/3/2024</a:t>
+              <a:t>3/3/2024</a:t>
             </a:fld>
             <a:endParaRPr lang="en-SG"/>
           </a:p>
@@ -2401,7 +2403,7 @@
           <a:p>
             <a:fld id="{478FE37C-4760-4CCB-A8C8-82BFD3D78224}" type="datetimeFigureOut">
               <a:rPr lang="en-SG" smtClean="0"/>
-              <a:t>2/3/2024</a:t>
+              <a:t>3/3/2024</a:t>
             </a:fld>
             <a:endParaRPr lang="en-SG"/>
           </a:p>
@@ -2690,7 +2692,7 @@
           <a:p>
             <a:fld id="{478FE37C-4760-4CCB-A8C8-82BFD3D78224}" type="datetimeFigureOut">
               <a:rPr lang="en-SG" smtClean="0"/>
-              <a:t>2/3/2024</a:t>
+              <a:t>3/3/2024</a:t>
             </a:fld>
             <a:endParaRPr lang="en-SG"/>
           </a:p>
@@ -2933,7 +2935,7 @@
           <a:p>
             <a:fld id="{478FE37C-4760-4CCB-A8C8-82BFD3D78224}" type="datetimeFigureOut">
               <a:rPr lang="en-SG" smtClean="0"/>
-              <a:t>2/3/2024</a:t>
+              <a:t>3/3/2024</a:t>
             </a:fld>
             <a:endParaRPr lang="en-SG"/>
           </a:p>
@@ -17491,6 +17493,451 @@
 </p:sld>
 </file>
 
+<file path=ppt/slides/slide5.xml><?xml version="1.0" encoding="utf-8"?>
+<p:sld xmlns:a="http://schemas.openxmlformats.org/drawingml/2006/main" xmlns:r="http://schemas.openxmlformats.org/officeDocument/2006/relationships" xmlns:p="http://schemas.openxmlformats.org/presentationml/2006/main">
+  <p:cSld>
+    <p:spTree>
+      <p:nvGrpSpPr>
+        <p:cNvPr id="1" name=""/>
+        <p:cNvGrpSpPr/>
+        <p:nvPr/>
+      </p:nvGrpSpPr>
+      <p:grpSpPr>
+        <a:xfrm>
+          <a:off x="0" y="0"/>
+          <a:ext cx="0" cy="0"/>
+          <a:chOff x="0" y="0"/>
+          <a:chExt cx="0" cy="0"/>
+        </a:xfrm>
+      </p:grpSpPr>
+      <p:pic>
+        <p:nvPicPr>
+          <p:cNvPr id="5" name="Picture 4">
+            <a:extLst>
+              <a:ext uri="{FF2B5EF4-FFF2-40B4-BE49-F238E27FC236}">
+                <a16:creationId xmlns:a16="http://schemas.microsoft.com/office/drawing/2014/main" id="{E41B2D7B-0B79-4A5D-5142-38E70B71E1E5}"/>
+              </a:ext>
+            </a:extLst>
+          </p:cNvPr>
+          <p:cNvPicPr>
+            <a:picLocks noChangeAspect="1"/>
+          </p:cNvPicPr>
+          <p:nvPr/>
+        </p:nvPicPr>
+        <p:blipFill>
+          <a:blip r:embed="rId2"/>
+          <a:stretch>
+            <a:fillRect/>
+          </a:stretch>
+        </p:blipFill>
+        <p:spPr>
+          <a:xfrm>
+            <a:off x="1434095" y="490905"/>
+            <a:ext cx="9323809" cy="5876190"/>
+          </a:xfrm>
+          <a:prstGeom prst="rect">
+            <a:avLst/>
+          </a:prstGeom>
+        </p:spPr>
+      </p:pic>
+      <p:cxnSp>
+        <p:nvCxnSpPr>
+          <p:cNvPr id="7" name="Straight Arrow Connector 6">
+            <a:extLst>
+              <a:ext uri="{FF2B5EF4-FFF2-40B4-BE49-F238E27FC236}">
+                <a16:creationId xmlns:a16="http://schemas.microsoft.com/office/drawing/2014/main" id="{2975F506-826D-9FA6-C531-CDCCA2577781}"/>
+              </a:ext>
+            </a:extLst>
+          </p:cNvPr>
+          <p:cNvCxnSpPr>
+            <a:cxnSpLocks/>
+          </p:cNvCxnSpPr>
+          <p:nvPr/>
+        </p:nvCxnSpPr>
+        <p:spPr>
+          <a:xfrm flipH="1">
+            <a:off x="1657978" y="3305907"/>
+            <a:ext cx="6320413" cy="0"/>
+          </a:xfrm>
+          <a:prstGeom prst="straightConnector1">
+            <a:avLst/>
+          </a:prstGeom>
+          <a:ln>
+            <a:solidFill>
+              <a:srgbClr val="FF0000"/>
+            </a:solidFill>
+            <a:tailEnd type="triangle"/>
+          </a:ln>
+        </p:spPr>
+        <p:style>
+          <a:lnRef idx="2">
+            <a:schemeClr val="accent1"/>
+          </a:lnRef>
+          <a:fillRef idx="0">
+            <a:schemeClr val="accent1"/>
+          </a:fillRef>
+          <a:effectRef idx="1">
+            <a:schemeClr val="accent1"/>
+          </a:effectRef>
+          <a:fontRef idx="minor">
+            <a:schemeClr val="tx1"/>
+          </a:fontRef>
+        </p:style>
+      </p:cxnSp>
+      <p:sp>
+        <p:nvSpPr>
+          <p:cNvPr id="10" name="TextBox 9">
+            <a:extLst>
+              <a:ext uri="{FF2B5EF4-FFF2-40B4-BE49-F238E27FC236}">
+                <a16:creationId xmlns:a16="http://schemas.microsoft.com/office/drawing/2014/main" id="{C33C1923-E96E-D25A-28F1-C7A90242D854}"/>
+              </a:ext>
+            </a:extLst>
+          </p:cNvPr>
+          <p:cNvSpPr txBox="1"/>
+          <p:nvPr/>
+        </p:nvSpPr>
+        <p:spPr>
+          <a:xfrm>
+            <a:off x="7978391" y="2921186"/>
+            <a:ext cx="2638836" cy="769441"/>
+          </a:xfrm>
+          <a:prstGeom prst="rect">
+            <a:avLst/>
+          </a:prstGeom>
+          <a:noFill/>
+        </p:spPr>
+        <p:txBody>
+          <a:bodyPr wrap="square" rtlCol="0">
+            <a:spAutoFit/>
+          </a:bodyPr>
+          <a:lstStyle/>
+          <a:p>
+            <a:r>
+              <a:rPr lang="en-US" sz="1100" b="1" dirty="0">
+                <a:solidFill>
+                  <a:schemeClr val="accent2">
+                    <a:lumMod val="75000"/>
+                  </a:schemeClr>
+                </a:solidFill>
+              </a:rPr>
+              <a:t>Type in the LLM module you want to use: </a:t>
+            </a:r>
+          </a:p>
+          <a:p>
+            <a:pPr marL="228600" indent="-228600">
+              <a:buAutoNum type="arabicPeriod"/>
+            </a:pPr>
+            <a:r>
+              <a:rPr lang="en-US" sz="1100" b="1" dirty="0">
+                <a:solidFill>
+                  <a:schemeClr val="accent2">
+                    <a:lumMod val="75000"/>
+                  </a:schemeClr>
+                </a:solidFill>
+              </a:rPr>
+              <a:t>Map threats to MITRE-ATT&amp;CK</a:t>
+            </a:r>
+          </a:p>
+          <a:p>
+            <a:pPr marL="228600" indent="-228600">
+              <a:buAutoNum type="arabicPeriod"/>
+            </a:pPr>
+            <a:r>
+              <a:rPr lang="en-US" sz="1100" b="1" dirty="0">
+                <a:solidFill>
+                  <a:schemeClr val="accent2">
+                    <a:lumMod val="75000"/>
+                  </a:schemeClr>
+                </a:solidFill>
+              </a:rPr>
+              <a:t>Match threats to MITRE-CWE </a:t>
+            </a:r>
+            <a:endParaRPr lang="en-SG" sz="1100" b="1" dirty="0">
+              <a:solidFill>
+                <a:schemeClr val="accent2">
+                  <a:lumMod val="75000"/>
+                </a:schemeClr>
+              </a:solidFill>
+            </a:endParaRPr>
+          </a:p>
+        </p:txBody>
+      </p:sp>
+      <p:cxnSp>
+        <p:nvCxnSpPr>
+          <p:cNvPr id="11" name="Straight Arrow Connector 10">
+            <a:extLst>
+              <a:ext uri="{FF2B5EF4-FFF2-40B4-BE49-F238E27FC236}">
+                <a16:creationId xmlns:a16="http://schemas.microsoft.com/office/drawing/2014/main" id="{9DD0CCE7-1AB0-0316-68CC-7016F03E12B4}"/>
+              </a:ext>
+            </a:extLst>
+          </p:cNvPr>
+          <p:cNvCxnSpPr>
+            <a:cxnSpLocks/>
+          </p:cNvCxnSpPr>
+          <p:nvPr/>
+        </p:nvCxnSpPr>
+        <p:spPr>
+          <a:xfrm flipH="1" flipV="1">
+            <a:off x="5797899" y="3552093"/>
+            <a:ext cx="2039815" cy="392450"/>
+          </a:xfrm>
+          <a:prstGeom prst="straightConnector1">
+            <a:avLst/>
+          </a:prstGeom>
+          <a:ln>
+            <a:solidFill>
+              <a:srgbClr val="FF0000"/>
+            </a:solidFill>
+            <a:tailEnd type="triangle"/>
+          </a:ln>
+        </p:spPr>
+        <p:style>
+          <a:lnRef idx="2">
+            <a:schemeClr val="accent1"/>
+          </a:lnRef>
+          <a:fillRef idx="0">
+            <a:schemeClr val="accent1"/>
+          </a:fillRef>
+          <a:effectRef idx="1">
+            <a:schemeClr val="accent1"/>
+          </a:effectRef>
+          <a:fontRef idx="minor">
+            <a:schemeClr val="tx1"/>
+          </a:fontRef>
+        </p:style>
+      </p:cxnSp>
+      <p:sp>
+        <p:nvSpPr>
+          <p:cNvPr id="16" name="TextBox 15">
+            <a:extLst>
+              <a:ext uri="{FF2B5EF4-FFF2-40B4-BE49-F238E27FC236}">
+                <a16:creationId xmlns:a16="http://schemas.microsoft.com/office/drawing/2014/main" id="{5A5C9DEE-4D8B-3E0F-8916-23789918F848}"/>
+              </a:ext>
+            </a:extLst>
+          </p:cNvPr>
+          <p:cNvSpPr txBox="1"/>
+          <p:nvPr/>
+        </p:nvSpPr>
+        <p:spPr>
+          <a:xfrm>
+            <a:off x="7978391" y="3762199"/>
+            <a:ext cx="2250831" cy="430887"/>
+          </a:xfrm>
+          <a:prstGeom prst="rect">
+            <a:avLst/>
+          </a:prstGeom>
+          <a:noFill/>
+        </p:spPr>
+        <p:txBody>
+          <a:bodyPr wrap="square" rtlCol="0">
+            <a:spAutoFit/>
+          </a:bodyPr>
+          <a:lstStyle/>
+          <a:p>
+            <a:r>
+              <a:rPr lang="en-US" sz="1100" b="1" dirty="0">
+                <a:solidFill>
+                  <a:schemeClr val="accent2">
+                    <a:lumMod val="75000"/>
+                  </a:schemeClr>
+                </a:solidFill>
+              </a:rPr>
+              <a:t>Type in the threat's description source file name</a:t>
+            </a:r>
+            <a:endParaRPr lang="en-SG" sz="1100" b="1" dirty="0">
+              <a:solidFill>
+                <a:schemeClr val="accent2">
+                  <a:lumMod val="75000"/>
+                </a:schemeClr>
+              </a:solidFill>
+            </a:endParaRPr>
+          </a:p>
+        </p:txBody>
+      </p:sp>
+    </p:spTree>
+    <p:extLst>
+      <p:ext uri="{BB962C8B-B14F-4D97-AF65-F5344CB8AC3E}">
+        <p14:creationId xmlns:p14="http://schemas.microsoft.com/office/powerpoint/2010/main" val="1071018373"/>
+      </p:ext>
+    </p:extLst>
+  </p:cSld>
+  <p:clrMapOvr>
+    <a:masterClrMapping/>
+  </p:clrMapOvr>
+</p:sld>
+</file>
+
+<file path=ppt/slides/slide6.xml><?xml version="1.0" encoding="utf-8"?>
+<p:sld xmlns:a="http://schemas.openxmlformats.org/drawingml/2006/main" xmlns:r="http://schemas.openxmlformats.org/officeDocument/2006/relationships" xmlns:p="http://schemas.openxmlformats.org/presentationml/2006/main">
+  <p:cSld>
+    <p:spTree>
+      <p:nvGrpSpPr>
+        <p:cNvPr id="1" name=""/>
+        <p:cNvGrpSpPr/>
+        <p:nvPr/>
+      </p:nvGrpSpPr>
+      <p:grpSpPr>
+        <a:xfrm>
+          <a:off x="0" y="0"/>
+          <a:ext cx="0" cy="0"/>
+          <a:chOff x="0" y="0"/>
+          <a:chExt cx="0" cy="0"/>
+        </a:xfrm>
+      </p:grpSpPr>
+      <p:pic>
+        <p:nvPicPr>
+          <p:cNvPr id="5" name="Picture 4">
+            <a:extLst>
+              <a:ext uri="{FF2B5EF4-FFF2-40B4-BE49-F238E27FC236}">
+                <a16:creationId xmlns:a16="http://schemas.microsoft.com/office/drawing/2014/main" id="{25DCCBE7-5855-E504-4BE9-14D40F84697B}"/>
+              </a:ext>
+            </a:extLst>
+          </p:cNvPr>
+          <p:cNvPicPr>
+            <a:picLocks noChangeAspect="1"/>
+          </p:cNvPicPr>
+          <p:nvPr/>
+        </p:nvPicPr>
+        <p:blipFill>
+          <a:blip r:embed="rId2"/>
+          <a:stretch>
+            <a:fillRect/>
+          </a:stretch>
+        </p:blipFill>
+        <p:spPr>
+          <a:xfrm>
+            <a:off x="553531" y="705896"/>
+            <a:ext cx="11084937" cy="5785340"/>
+          </a:xfrm>
+          <a:prstGeom prst="rect">
+            <a:avLst/>
+          </a:prstGeom>
+          <a:ln w="12700">
+            <a:solidFill>
+              <a:schemeClr val="tx1"/>
+            </a:solidFill>
+          </a:ln>
+        </p:spPr>
+      </p:pic>
+      <p:sp>
+        <p:nvSpPr>
+          <p:cNvPr id="6" name="Rectangle 5">
+            <a:extLst>
+              <a:ext uri="{FF2B5EF4-FFF2-40B4-BE49-F238E27FC236}">
+                <a16:creationId xmlns:a16="http://schemas.microsoft.com/office/drawing/2014/main" id="{1A3DFE94-E2A6-5107-2A2B-6A1962734D35}"/>
+              </a:ext>
+            </a:extLst>
+          </p:cNvPr>
+          <p:cNvSpPr/>
+          <p:nvPr/>
+        </p:nvSpPr>
+        <p:spPr>
+          <a:xfrm>
+            <a:off x="3858567" y="2421653"/>
+            <a:ext cx="3516923" cy="401933"/>
+          </a:xfrm>
+          <a:prstGeom prst="rect">
+            <a:avLst/>
+          </a:prstGeom>
+          <a:noFill/>
+          <a:ln w="28575">
+            <a:solidFill>
+              <a:srgbClr val="FF0000"/>
+            </a:solidFill>
+            <a:prstDash val="sysDash"/>
+          </a:ln>
+        </p:spPr>
+        <p:style>
+          <a:lnRef idx="2">
+            <a:schemeClr val="accent1">
+              <a:shade val="15000"/>
+            </a:schemeClr>
+          </a:lnRef>
+          <a:fillRef idx="1">
+            <a:schemeClr val="accent1"/>
+          </a:fillRef>
+          <a:effectRef idx="0">
+            <a:schemeClr val="accent1"/>
+          </a:effectRef>
+          <a:fontRef idx="minor">
+            <a:schemeClr val="lt1"/>
+          </a:fontRef>
+        </p:style>
+        <p:txBody>
+          <a:bodyPr rtlCol="0" anchor="ctr"/>
+          <a:lstStyle/>
+          <a:p>
+            <a:pPr algn="ctr"/>
+            <a:endParaRPr lang="en-SG"/>
+          </a:p>
+        </p:txBody>
+      </p:sp>
+      <p:sp>
+        <p:nvSpPr>
+          <p:cNvPr id="7" name="Rectangle 6">
+            <a:extLst>
+              <a:ext uri="{FF2B5EF4-FFF2-40B4-BE49-F238E27FC236}">
+                <a16:creationId xmlns:a16="http://schemas.microsoft.com/office/drawing/2014/main" id="{E987D324-D185-6D81-D296-E26A31AB942F}"/>
+              </a:ext>
+            </a:extLst>
+          </p:cNvPr>
+          <p:cNvSpPr/>
+          <p:nvPr/>
+        </p:nvSpPr>
+        <p:spPr>
+          <a:xfrm>
+            <a:off x="2463521" y="3084845"/>
+            <a:ext cx="4138246" cy="1838848"/>
+          </a:xfrm>
+          <a:prstGeom prst="rect">
+            <a:avLst/>
+          </a:prstGeom>
+          <a:noFill/>
+          <a:ln w="28575">
+            <a:solidFill>
+              <a:srgbClr val="FF0000"/>
+            </a:solidFill>
+            <a:prstDash val="sysDash"/>
+          </a:ln>
+        </p:spPr>
+        <p:style>
+          <a:lnRef idx="2">
+            <a:schemeClr val="accent1">
+              <a:shade val="15000"/>
+            </a:schemeClr>
+          </a:lnRef>
+          <a:fillRef idx="1">
+            <a:schemeClr val="accent1"/>
+          </a:fillRef>
+          <a:effectRef idx="0">
+            <a:schemeClr val="accent1"/>
+          </a:effectRef>
+          <a:fontRef idx="minor">
+            <a:schemeClr val="lt1"/>
+          </a:fontRef>
+        </p:style>
+        <p:txBody>
+          <a:bodyPr rtlCol="0" anchor="ctr"/>
+          <a:lstStyle/>
+          <a:p>
+            <a:pPr algn="ctr"/>
+            <a:endParaRPr lang="en-SG"/>
+          </a:p>
+        </p:txBody>
+      </p:sp>
+    </p:spTree>
+    <p:extLst>
+      <p:ext uri="{BB962C8B-B14F-4D97-AF65-F5344CB8AC3E}">
+        <p14:creationId xmlns:p14="http://schemas.microsoft.com/office/powerpoint/2010/main" val="2162082605"/>
+      </p:ext>
+    </p:extLst>
+  </p:cSld>
+  <p:clrMapOvr>
+    <a:masterClrMapping/>
+  </p:clrMapOvr>
+</p:sld>
+</file>
+
 <file path=ppt/theme/theme1.xml><?xml version="1.0" encoding="utf-8"?>
 <a:theme xmlns:a="http://schemas.openxmlformats.org/drawingml/2006/main" name="Office Theme">
   <a:themeElements>

--- a/doc/designDoc.pptx
+++ b/doc/designDoc.pptx
@@ -266,7 +266,7 @@
           <a:p>
             <a:fld id="{478FE37C-4760-4CCB-A8C8-82BFD3D78224}" type="datetimeFigureOut">
               <a:rPr lang="en-SG" smtClean="0"/>
-              <a:t>3/3/2024</a:t>
+              <a:t>5/3/2024</a:t>
             </a:fld>
             <a:endParaRPr lang="en-SG"/>
           </a:p>
@@ -466,7 +466,7 @@
           <a:p>
             <a:fld id="{478FE37C-4760-4CCB-A8C8-82BFD3D78224}" type="datetimeFigureOut">
               <a:rPr lang="en-SG" smtClean="0"/>
-              <a:t>3/3/2024</a:t>
+              <a:t>5/3/2024</a:t>
             </a:fld>
             <a:endParaRPr lang="en-SG"/>
           </a:p>
@@ -676,7 +676,7 @@
           <a:p>
             <a:fld id="{478FE37C-4760-4CCB-A8C8-82BFD3D78224}" type="datetimeFigureOut">
               <a:rPr lang="en-SG" smtClean="0"/>
-              <a:t>3/3/2024</a:t>
+              <a:t>5/3/2024</a:t>
             </a:fld>
             <a:endParaRPr lang="en-SG"/>
           </a:p>
@@ -876,7 +876,7 @@
           <a:p>
             <a:fld id="{478FE37C-4760-4CCB-A8C8-82BFD3D78224}" type="datetimeFigureOut">
               <a:rPr lang="en-SG" smtClean="0"/>
-              <a:t>3/3/2024</a:t>
+              <a:t>5/3/2024</a:t>
             </a:fld>
             <a:endParaRPr lang="en-SG"/>
           </a:p>
@@ -1152,7 +1152,7 @@
           <a:p>
             <a:fld id="{478FE37C-4760-4CCB-A8C8-82BFD3D78224}" type="datetimeFigureOut">
               <a:rPr lang="en-SG" smtClean="0"/>
-              <a:t>3/3/2024</a:t>
+              <a:t>5/3/2024</a:t>
             </a:fld>
             <a:endParaRPr lang="en-SG"/>
           </a:p>
@@ -1420,7 +1420,7 @@
           <a:p>
             <a:fld id="{478FE37C-4760-4CCB-A8C8-82BFD3D78224}" type="datetimeFigureOut">
               <a:rPr lang="en-SG" smtClean="0"/>
-              <a:t>3/3/2024</a:t>
+              <a:t>5/3/2024</a:t>
             </a:fld>
             <a:endParaRPr lang="en-SG"/>
           </a:p>
@@ -1835,7 +1835,7 @@
           <a:p>
             <a:fld id="{478FE37C-4760-4CCB-A8C8-82BFD3D78224}" type="datetimeFigureOut">
               <a:rPr lang="en-SG" smtClean="0"/>
-              <a:t>3/3/2024</a:t>
+              <a:t>5/3/2024</a:t>
             </a:fld>
             <a:endParaRPr lang="en-SG"/>
           </a:p>
@@ -1977,7 +1977,7 @@
           <a:p>
             <a:fld id="{478FE37C-4760-4CCB-A8C8-82BFD3D78224}" type="datetimeFigureOut">
               <a:rPr lang="en-SG" smtClean="0"/>
-              <a:t>3/3/2024</a:t>
+              <a:t>5/3/2024</a:t>
             </a:fld>
             <a:endParaRPr lang="en-SG"/>
           </a:p>
@@ -2090,7 +2090,7 @@
           <a:p>
             <a:fld id="{478FE37C-4760-4CCB-A8C8-82BFD3D78224}" type="datetimeFigureOut">
               <a:rPr lang="en-SG" smtClean="0"/>
-              <a:t>3/3/2024</a:t>
+              <a:t>5/3/2024</a:t>
             </a:fld>
             <a:endParaRPr lang="en-SG"/>
           </a:p>
@@ -2403,7 +2403,7 @@
           <a:p>
             <a:fld id="{478FE37C-4760-4CCB-A8C8-82BFD3D78224}" type="datetimeFigureOut">
               <a:rPr lang="en-SG" smtClean="0"/>
-              <a:t>3/3/2024</a:t>
+              <a:t>5/3/2024</a:t>
             </a:fld>
             <a:endParaRPr lang="en-SG"/>
           </a:p>
@@ -2692,7 +2692,7 @@
           <a:p>
             <a:fld id="{478FE37C-4760-4CCB-A8C8-82BFD3D78224}" type="datetimeFigureOut">
               <a:rPr lang="en-SG" smtClean="0"/>
-              <a:t>3/3/2024</a:t>
+              <a:t>5/3/2024</a:t>
             </a:fld>
             <a:endParaRPr lang="en-SG"/>
           </a:p>
@@ -2935,7 +2935,7 @@
           <a:p>
             <a:fld id="{478FE37C-4760-4CCB-A8C8-82BFD3D78224}" type="datetimeFigureOut">
               <a:rPr lang="en-SG" smtClean="0"/>
-              <a:t>3/3/2024</a:t>
+              <a:t>5/3/2024</a:t>
             </a:fld>
             <a:endParaRPr lang="en-SG"/>
           </a:p>

--- a/doc/designDoc.pptx
+++ b/doc/designDoc.pptx
@@ -11,6 +11,10 @@
     <p:sldId id="257" r:id="rId5"/>
     <p:sldId id="260" r:id="rId6"/>
     <p:sldId id="261" r:id="rId7"/>
+    <p:sldId id="263" r:id="rId8"/>
+    <p:sldId id="264" r:id="rId9"/>
+    <p:sldId id="265" r:id="rId10"/>
+    <p:sldId id="262" r:id="rId11"/>
   </p:sldIdLst>
   <p:sldSz cx="12192000" cy="6858000"/>
   <p:notesSz cx="6858000" cy="9144000"/>
@@ -6128,6 +6132,229 @@
 </p:sld>
 </file>
 
+<file path=ppt/slides/slide10.xml><?xml version="1.0" encoding="utf-8"?>
+<p:sld xmlns:a="http://schemas.openxmlformats.org/drawingml/2006/main" xmlns:r="http://schemas.openxmlformats.org/officeDocument/2006/relationships" xmlns:p="http://schemas.openxmlformats.org/presentationml/2006/main">
+  <p:cSld>
+    <p:spTree>
+      <p:nvGrpSpPr>
+        <p:cNvPr id="1" name=""/>
+        <p:cNvGrpSpPr/>
+        <p:nvPr/>
+      </p:nvGrpSpPr>
+      <p:grpSpPr>
+        <a:xfrm>
+          <a:off x="0" y="0"/>
+          <a:ext cx="0" cy="0"/>
+          <a:chOff x="0" y="0"/>
+          <a:chExt cx="0" cy="0"/>
+        </a:xfrm>
+      </p:grpSpPr>
+      <p:sp>
+        <p:nvSpPr>
+          <p:cNvPr id="14" name="Rectangle 13">
+            <a:extLst>
+              <a:ext uri="{FF2B5EF4-FFF2-40B4-BE49-F238E27FC236}">
+                <a16:creationId xmlns:a16="http://schemas.microsoft.com/office/drawing/2014/main" id="{B6364A6B-6ACF-2B22-6F55-957ABD8791B3}"/>
+              </a:ext>
+            </a:extLst>
+          </p:cNvPr>
+          <p:cNvSpPr/>
+          <p:nvPr/>
+        </p:nvSpPr>
+        <p:spPr>
+          <a:xfrm>
+            <a:off x="667512" y="374904"/>
+            <a:ext cx="10277856" cy="5994404"/>
+          </a:xfrm>
+          <a:prstGeom prst="rect">
+            <a:avLst/>
+          </a:prstGeom>
+        </p:spPr>
+        <p:style>
+          <a:lnRef idx="2">
+            <a:schemeClr val="accent1">
+              <a:shade val="15000"/>
+            </a:schemeClr>
+          </a:lnRef>
+          <a:fillRef idx="1">
+            <a:schemeClr val="accent1"/>
+          </a:fillRef>
+          <a:effectRef idx="0">
+            <a:schemeClr val="accent1"/>
+          </a:effectRef>
+          <a:fontRef idx="minor">
+            <a:schemeClr val="lt1"/>
+          </a:fontRef>
+        </p:style>
+        <p:txBody>
+          <a:bodyPr rtlCol="0" anchor="ctr"/>
+          <a:lstStyle/>
+          <a:p>
+            <a:pPr algn="ctr"/>
+            <a:endParaRPr lang="en-SG"/>
+          </a:p>
+        </p:txBody>
+      </p:sp>
+      <p:pic>
+        <p:nvPicPr>
+          <p:cNvPr id="7" name="Picture 6" descr="A diagram of a system&#10;&#10;Description automatically generated">
+            <a:extLst>
+              <a:ext uri="{FF2B5EF4-FFF2-40B4-BE49-F238E27FC236}">
+                <a16:creationId xmlns:a16="http://schemas.microsoft.com/office/drawing/2014/main" id="{C3795B0C-DE6A-0BF0-4CCE-F957EB9A2597}"/>
+              </a:ext>
+            </a:extLst>
+          </p:cNvPr>
+          <p:cNvPicPr>
+            <a:picLocks noChangeAspect="1"/>
+          </p:cNvPicPr>
+          <p:nvPr/>
+        </p:nvPicPr>
+        <p:blipFill>
+          <a:blip r:embed="rId2">
+            <a:extLst>
+              <a:ext uri="{28A0092B-C50C-407E-A947-70E740481C1C}">
+                <a14:useLocalDpi xmlns:a14="http://schemas.microsoft.com/office/drawing/2010/main" val="0"/>
+              </a:ext>
+            </a:extLst>
+          </a:blip>
+          <a:stretch>
+            <a:fillRect/>
+          </a:stretch>
+        </p:blipFill>
+        <p:spPr>
+          <a:xfrm>
+            <a:off x="782753" y="488691"/>
+            <a:ext cx="5219716" cy="3151404"/>
+          </a:xfrm>
+          <a:prstGeom prst="rect">
+            <a:avLst/>
+          </a:prstGeom>
+          <a:ln w="9525">
+            <a:solidFill>
+              <a:schemeClr val="tx1"/>
+            </a:solidFill>
+          </a:ln>
+        </p:spPr>
+      </p:pic>
+      <p:pic>
+        <p:nvPicPr>
+          <p:cNvPr id="9" name="Picture 8" descr="A screenshot of a computer&#10;&#10;Description automatically generated">
+            <a:extLst>
+              <a:ext uri="{FF2B5EF4-FFF2-40B4-BE49-F238E27FC236}">
+                <a16:creationId xmlns:a16="http://schemas.microsoft.com/office/drawing/2014/main" id="{ED8EA84D-5C60-421D-1F7E-3E9CA33CD527}"/>
+              </a:ext>
+            </a:extLst>
+          </p:cNvPr>
+          <p:cNvPicPr>
+            <a:picLocks noChangeAspect="1"/>
+          </p:cNvPicPr>
+          <p:nvPr/>
+        </p:nvPicPr>
+        <p:blipFill>
+          <a:blip r:embed="rId3">
+            <a:extLst>
+              <a:ext uri="{28A0092B-C50C-407E-A947-70E740481C1C}">
+                <a14:useLocalDpi xmlns:a14="http://schemas.microsoft.com/office/drawing/2010/main" val="0"/>
+              </a:ext>
+            </a:extLst>
+          </a:blip>
+          <a:stretch>
+            <a:fillRect/>
+          </a:stretch>
+        </p:blipFill>
+        <p:spPr>
+          <a:xfrm>
+            <a:off x="6002468" y="488692"/>
+            <a:ext cx="4833440" cy="3151403"/>
+          </a:xfrm>
+          <a:prstGeom prst="rect">
+            <a:avLst/>
+          </a:prstGeom>
+        </p:spPr>
+      </p:pic>
+      <p:pic>
+        <p:nvPicPr>
+          <p:cNvPr id="11" name="Picture 10" descr="A screenshot of a computer&#10;&#10;Description automatically generated">
+            <a:extLst>
+              <a:ext uri="{FF2B5EF4-FFF2-40B4-BE49-F238E27FC236}">
+                <a16:creationId xmlns:a16="http://schemas.microsoft.com/office/drawing/2014/main" id="{871E5F22-1A3D-6731-FBEC-20B230EE2256}"/>
+              </a:ext>
+            </a:extLst>
+          </p:cNvPr>
+          <p:cNvPicPr>
+            <a:picLocks noChangeAspect="1"/>
+          </p:cNvPicPr>
+          <p:nvPr/>
+        </p:nvPicPr>
+        <p:blipFill rotWithShape="1">
+          <a:blip r:embed="rId4">
+            <a:extLst>
+              <a:ext uri="{28A0092B-C50C-407E-A947-70E740481C1C}">
+                <a14:useLocalDpi xmlns:a14="http://schemas.microsoft.com/office/drawing/2010/main" val="0"/>
+              </a:ext>
+            </a:extLst>
+          </a:blip>
+          <a:srcRect b="17805"/>
+          <a:stretch/>
+        </p:blipFill>
+        <p:spPr>
+          <a:xfrm>
+            <a:off x="782754" y="3640095"/>
+            <a:ext cx="4935439" cy="2644938"/>
+          </a:xfrm>
+          <a:prstGeom prst="rect">
+            <a:avLst/>
+          </a:prstGeom>
+        </p:spPr>
+      </p:pic>
+      <p:pic>
+        <p:nvPicPr>
+          <p:cNvPr id="13" name="Picture 12" descr="A screenshot of a computer&#10;&#10;Description automatically generated">
+            <a:extLst>
+              <a:ext uri="{FF2B5EF4-FFF2-40B4-BE49-F238E27FC236}">
+                <a16:creationId xmlns:a16="http://schemas.microsoft.com/office/drawing/2014/main" id="{E7BCD531-9110-D9DA-EBDE-EAA9C31B94D7}"/>
+              </a:ext>
+            </a:extLst>
+          </p:cNvPr>
+          <p:cNvPicPr>
+            <a:picLocks noChangeAspect="1"/>
+          </p:cNvPicPr>
+          <p:nvPr/>
+        </p:nvPicPr>
+        <p:blipFill rotWithShape="1">
+          <a:blip r:embed="rId5">
+            <a:extLst>
+              <a:ext uri="{28A0092B-C50C-407E-A947-70E740481C1C}">
+                <a14:useLocalDpi xmlns:a14="http://schemas.microsoft.com/office/drawing/2010/main" val="0"/>
+              </a:ext>
+            </a:extLst>
+          </a:blip>
+          <a:srcRect b="20516"/>
+          <a:stretch/>
+        </p:blipFill>
+        <p:spPr>
+          <a:xfrm>
+            <a:off x="5716511" y="3640096"/>
+            <a:ext cx="5103733" cy="2644938"/>
+          </a:xfrm>
+          <a:prstGeom prst="rect">
+            <a:avLst/>
+          </a:prstGeom>
+        </p:spPr>
+      </p:pic>
+    </p:spTree>
+    <p:extLst>
+      <p:ext uri="{BB962C8B-B14F-4D97-AF65-F5344CB8AC3E}">
+        <p14:creationId xmlns:p14="http://schemas.microsoft.com/office/powerpoint/2010/main" val="3673846034"/>
+      </p:ext>
+    </p:extLst>
+  </p:cSld>
+  <p:clrMapOvr>
+    <a:masterClrMapping/>
+  </p:clrMapOvr>
+</p:sld>
+</file>
+
 <file path=ppt/slides/slide2.xml><?xml version="1.0" encoding="utf-8"?>
 <p:sld xmlns:a="http://schemas.openxmlformats.org/drawingml/2006/main" xmlns:r="http://schemas.openxmlformats.org/officeDocument/2006/relationships" xmlns:p="http://schemas.openxmlformats.org/presentationml/2006/main">
   <p:cSld>
@@ -17786,10 +18013,307 @@
       </p:grpSpPr>
       <p:pic>
         <p:nvPicPr>
+          <p:cNvPr id="3" name="Picture 2">
+            <a:extLst>
+              <a:ext uri="{FF2B5EF4-FFF2-40B4-BE49-F238E27FC236}">
+                <a16:creationId xmlns:a16="http://schemas.microsoft.com/office/drawing/2014/main" id="{A4C046D5-035E-46BB-2899-CFFB5A683CDF}"/>
+              </a:ext>
+            </a:extLst>
+          </p:cNvPr>
+          <p:cNvPicPr>
+            <a:picLocks noChangeAspect="1"/>
+          </p:cNvPicPr>
+          <p:nvPr/>
+        </p:nvPicPr>
+        <p:blipFill rotWithShape="1">
+          <a:blip r:embed="rId2"/>
+          <a:srcRect b="7407"/>
+          <a:stretch/>
+        </p:blipFill>
+        <p:spPr>
+          <a:xfrm>
+            <a:off x="1014055" y="457210"/>
+            <a:ext cx="9523809" cy="5943580"/>
+          </a:xfrm>
+          <a:prstGeom prst="rect">
+            <a:avLst/>
+          </a:prstGeom>
+        </p:spPr>
+      </p:pic>
+      <p:sp>
+        <p:nvSpPr>
+          <p:cNvPr id="7" name="Rectangle 6">
+            <a:extLst>
+              <a:ext uri="{FF2B5EF4-FFF2-40B4-BE49-F238E27FC236}">
+                <a16:creationId xmlns:a16="http://schemas.microsoft.com/office/drawing/2014/main" id="{E987D324-D185-6D81-D296-E26A31AB942F}"/>
+              </a:ext>
+            </a:extLst>
+          </p:cNvPr>
+          <p:cNvSpPr/>
+          <p:nvPr/>
+        </p:nvSpPr>
+        <p:spPr>
+          <a:xfrm>
+            <a:off x="4026877" y="3108960"/>
+            <a:ext cx="3654083" cy="836324"/>
+          </a:xfrm>
+          <a:prstGeom prst="rect">
+            <a:avLst/>
+          </a:prstGeom>
+          <a:noFill/>
+          <a:ln w="19050">
+            <a:solidFill>
+              <a:srgbClr val="FF0000"/>
+            </a:solidFill>
+            <a:prstDash val="sysDash"/>
+          </a:ln>
+        </p:spPr>
+        <p:style>
+          <a:lnRef idx="2">
+            <a:schemeClr val="accent1">
+              <a:shade val="15000"/>
+            </a:schemeClr>
+          </a:lnRef>
+          <a:fillRef idx="1">
+            <a:schemeClr val="accent1"/>
+          </a:fillRef>
+          <a:effectRef idx="0">
+            <a:schemeClr val="accent1"/>
+          </a:effectRef>
+          <a:fontRef idx="minor">
+            <a:schemeClr val="lt1"/>
+          </a:fontRef>
+        </p:style>
+        <p:txBody>
+          <a:bodyPr rtlCol="0" anchor="ctr"/>
+          <a:lstStyle/>
+          <a:p>
+            <a:pPr algn="ctr"/>
+            <a:endParaRPr lang="en-SG"/>
+          </a:p>
+        </p:txBody>
+      </p:sp>
+      <p:sp>
+        <p:nvSpPr>
+          <p:cNvPr id="13" name="Rectangle 12">
+            <a:extLst>
+              <a:ext uri="{FF2B5EF4-FFF2-40B4-BE49-F238E27FC236}">
+                <a16:creationId xmlns:a16="http://schemas.microsoft.com/office/drawing/2014/main" id="{EA2C5DBB-DC81-EA4A-3CF0-47B48E5E798E}"/>
+              </a:ext>
+            </a:extLst>
+          </p:cNvPr>
+          <p:cNvSpPr/>
+          <p:nvPr/>
+        </p:nvSpPr>
+        <p:spPr>
+          <a:xfrm>
+            <a:off x="2670784" y="4133089"/>
+            <a:ext cx="6500647" cy="649224"/>
+          </a:xfrm>
+          <a:prstGeom prst="rect">
+            <a:avLst/>
+          </a:prstGeom>
+          <a:noFill/>
+          <a:ln w="19050">
+            <a:solidFill>
+              <a:srgbClr val="FF0000"/>
+            </a:solidFill>
+            <a:prstDash val="sysDash"/>
+          </a:ln>
+        </p:spPr>
+        <p:style>
+          <a:lnRef idx="2">
+            <a:schemeClr val="accent1">
+              <a:shade val="15000"/>
+            </a:schemeClr>
+          </a:lnRef>
+          <a:fillRef idx="1">
+            <a:schemeClr val="accent1"/>
+          </a:fillRef>
+          <a:effectRef idx="0">
+            <a:schemeClr val="accent1"/>
+          </a:effectRef>
+          <a:fontRef idx="minor">
+            <a:schemeClr val="lt1"/>
+          </a:fontRef>
+        </p:style>
+        <p:txBody>
+          <a:bodyPr rtlCol="0" anchor="ctr"/>
+          <a:lstStyle/>
+          <a:p>
+            <a:pPr algn="ctr"/>
+            <a:endParaRPr lang="en-SG"/>
+          </a:p>
+        </p:txBody>
+      </p:sp>
+      <p:cxnSp>
+        <p:nvCxnSpPr>
+          <p:cNvPr id="15" name="Straight Arrow Connector 14">
+            <a:extLst>
+              <a:ext uri="{FF2B5EF4-FFF2-40B4-BE49-F238E27FC236}">
+                <a16:creationId xmlns:a16="http://schemas.microsoft.com/office/drawing/2014/main" id="{A8577B23-1087-02A5-B519-9470CF66E43D}"/>
+              </a:ext>
+            </a:extLst>
+          </p:cNvPr>
+          <p:cNvCxnSpPr>
+            <a:cxnSpLocks/>
+          </p:cNvCxnSpPr>
+          <p:nvPr/>
+        </p:nvCxnSpPr>
+        <p:spPr>
+          <a:xfrm flipV="1">
+            <a:off x="1696578" y="2432304"/>
+            <a:ext cx="0" cy="1335024"/>
+          </a:xfrm>
+          <a:prstGeom prst="straightConnector1">
+            <a:avLst/>
+          </a:prstGeom>
+          <a:ln>
+            <a:solidFill>
+              <a:srgbClr val="FF0000"/>
+            </a:solidFill>
+            <a:tailEnd type="triangle"/>
+          </a:ln>
+        </p:spPr>
+        <p:style>
+          <a:lnRef idx="2">
+            <a:schemeClr val="accent1"/>
+          </a:lnRef>
+          <a:fillRef idx="0">
+            <a:schemeClr val="accent1"/>
+          </a:fillRef>
+          <a:effectRef idx="1">
+            <a:schemeClr val="accent1"/>
+          </a:effectRef>
+          <a:fontRef idx="minor">
+            <a:schemeClr val="tx1"/>
+          </a:fontRef>
+        </p:style>
+      </p:cxnSp>
+      <p:cxnSp>
+        <p:nvCxnSpPr>
+          <p:cNvPr id="19" name="Straight Arrow Connector 18">
+            <a:extLst>
+              <a:ext uri="{FF2B5EF4-FFF2-40B4-BE49-F238E27FC236}">
+                <a16:creationId xmlns:a16="http://schemas.microsoft.com/office/drawing/2014/main" id="{EFF274A1-2090-0158-18D1-9555978190CE}"/>
+              </a:ext>
+            </a:extLst>
+          </p:cNvPr>
+          <p:cNvCxnSpPr>
+            <a:cxnSpLocks/>
+          </p:cNvCxnSpPr>
+          <p:nvPr/>
+        </p:nvCxnSpPr>
+        <p:spPr>
+          <a:xfrm>
+            <a:off x="1696578" y="3767328"/>
+            <a:ext cx="2198766" cy="0"/>
+          </a:xfrm>
+          <a:prstGeom prst="straightConnector1">
+            <a:avLst/>
+          </a:prstGeom>
+          <a:ln>
+            <a:solidFill>
+              <a:srgbClr val="FF0000"/>
+            </a:solidFill>
+            <a:tailEnd type="triangle"/>
+          </a:ln>
+        </p:spPr>
+        <p:style>
+          <a:lnRef idx="2">
+            <a:schemeClr val="accent1"/>
+          </a:lnRef>
+          <a:fillRef idx="0">
+            <a:schemeClr val="accent1"/>
+          </a:fillRef>
+          <a:effectRef idx="1">
+            <a:schemeClr val="accent1"/>
+          </a:effectRef>
+          <a:fontRef idx="minor">
+            <a:schemeClr val="tx1"/>
+          </a:fontRef>
+        </p:style>
+      </p:cxnSp>
+      <p:cxnSp>
+        <p:nvCxnSpPr>
+          <p:cNvPr id="22" name="Straight Arrow Connector 21">
+            <a:extLst>
+              <a:ext uri="{FF2B5EF4-FFF2-40B4-BE49-F238E27FC236}">
+                <a16:creationId xmlns:a16="http://schemas.microsoft.com/office/drawing/2014/main" id="{A005AFDF-C84C-EB1C-EC2E-AE5A07F94D8D}"/>
+              </a:ext>
+            </a:extLst>
+          </p:cNvPr>
+          <p:cNvCxnSpPr>
+            <a:cxnSpLocks/>
+          </p:cNvCxnSpPr>
+          <p:nvPr/>
+        </p:nvCxnSpPr>
+        <p:spPr>
+          <a:xfrm>
+            <a:off x="1696578" y="3767328"/>
+            <a:ext cx="974206" cy="733039"/>
+          </a:xfrm>
+          <a:prstGeom prst="straightConnector1">
+            <a:avLst/>
+          </a:prstGeom>
+          <a:ln>
+            <a:solidFill>
+              <a:srgbClr val="FF0000"/>
+            </a:solidFill>
+            <a:tailEnd type="triangle"/>
+          </a:ln>
+        </p:spPr>
+        <p:style>
+          <a:lnRef idx="2">
+            <a:schemeClr val="accent1"/>
+          </a:lnRef>
+          <a:fillRef idx="0">
+            <a:schemeClr val="accent1"/>
+          </a:fillRef>
+          <a:effectRef idx="1">
+            <a:schemeClr val="accent1"/>
+          </a:effectRef>
+          <a:fontRef idx="minor">
+            <a:schemeClr val="tx1"/>
+          </a:fontRef>
+        </p:style>
+      </p:cxnSp>
+    </p:spTree>
+    <p:extLst>
+      <p:ext uri="{BB962C8B-B14F-4D97-AF65-F5344CB8AC3E}">
+        <p14:creationId xmlns:p14="http://schemas.microsoft.com/office/powerpoint/2010/main" val="2162082605"/>
+      </p:ext>
+    </p:extLst>
+  </p:cSld>
+  <p:clrMapOvr>
+    <a:masterClrMapping/>
+  </p:clrMapOvr>
+</p:sld>
+</file>
+
+<file path=ppt/slides/slide7.xml><?xml version="1.0" encoding="utf-8"?>
+<p:sld xmlns:a="http://schemas.openxmlformats.org/drawingml/2006/main" xmlns:r="http://schemas.openxmlformats.org/officeDocument/2006/relationships" xmlns:p="http://schemas.openxmlformats.org/presentationml/2006/main">
+  <p:cSld>
+    <p:spTree>
+      <p:nvGrpSpPr>
+        <p:cNvPr id="1" name=""/>
+        <p:cNvGrpSpPr/>
+        <p:nvPr/>
+      </p:nvGrpSpPr>
+      <p:grpSpPr>
+        <a:xfrm>
+          <a:off x="0" y="0"/>
+          <a:ext cx="0" cy="0"/>
+          <a:chOff x="0" y="0"/>
+          <a:chExt cx="0" cy="0"/>
+        </a:xfrm>
+      </p:grpSpPr>
+      <p:pic>
+        <p:nvPicPr>
           <p:cNvPr id="5" name="Picture 4">
             <a:extLst>
               <a:ext uri="{FF2B5EF4-FFF2-40B4-BE49-F238E27FC236}">
-                <a16:creationId xmlns:a16="http://schemas.microsoft.com/office/drawing/2014/main" id="{25DCCBE7-5855-E504-4BE9-14D40F84697B}"/>
+                <a16:creationId xmlns:a16="http://schemas.microsoft.com/office/drawing/2014/main" id="{8FD5F713-35B3-D41E-DB8C-C9A46B1516CA}"/>
               </a:ext>
             </a:extLst>
           </p:cNvPr>
@@ -17806,17 +18330,12 @@
         </p:blipFill>
         <p:spPr>
           <a:xfrm>
-            <a:off x="553531" y="705896"/>
-            <a:ext cx="11084937" cy="5785340"/>
-          </a:xfrm>
-          <a:prstGeom prst="rect">
-            <a:avLst/>
-          </a:prstGeom>
-          <a:ln w="12700">
-            <a:solidFill>
-              <a:schemeClr val="tx1"/>
-            </a:solidFill>
-          </a:ln>
+            <a:off x="1350758" y="165769"/>
+            <a:ext cx="9062206" cy="6104402"/>
+          </a:xfrm>
+          <a:prstGeom prst="rect">
+            <a:avLst/>
+          </a:prstGeom>
         </p:spPr>
       </p:pic>
       <p:sp>
@@ -17824,7 +18343,7 @@
           <p:cNvPr id="6" name="Rectangle 5">
             <a:extLst>
               <a:ext uri="{FF2B5EF4-FFF2-40B4-BE49-F238E27FC236}">
-                <a16:creationId xmlns:a16="http://schemas.microsoft.com/office/drawing/2014/main" id="{1A3DFE94-E2A6-5107-2A2B-6A1962734D35}"/>
+                <a16:creationId xmlns:a16="http://schemas.microsoft.com/office/drawing/2014/main" id="{BE19180F-7511-EEE1-6A30-112FB36F1CFE}"/>
               </a:ext>
             </a:extLst>
           </p:cNvPr>
@@ -17833,14 +18352,14 @@
         </p:nvSpPr>
         <p:spPr>
           <a:xfrm>
-            <a:off x="3858567" y="2421653"/>
-            <a:ext cx="3516923" cy="401933"/>
+            <a:off x="2845676" y="4226395"/>
+            <a:ext cx="7501973" cy="2183735"/>
           </a:xfrm>
           <a:prstGeom prst="rect">
             <a:avLst/>
           </a:prstGeom>
           <a:noFill/>
-          <a:ln w="28575">
+          <a:ln w="19050">
             <a:solidFill>
               <a:srgbClr val="FF0000"/>
             </a:solidFill>
@@ -17877,7 +18396,7 @@
           <p:cNvPr id="7" name="Rectangle 6">
             <a:extLst>
               <a:ext uri="{FF2B5EF4-FFF2-40B4-BE49-F238E27FC236}">
-                <a16:creationId xmlns:a16="http://schemas.microsoft.com/office/drawing/2014/main" id="{E987D324-D185-6D81-D296-E26A31AB942F}"/>
+                <a16:creationId xmlns:a16="http://schemas.microsoft.com/office/drawing/2014/main" id="{45ACBA5A-F261-0932-734C-E426E52EE136}"/>
               </a:ext>
             </a:extLst>
           </p:cNvPr>
@@ -17886,14 +18405,14 @@
         </p:nvSpPr>
         <p:spPr>
           <a:xfrm>
-            <a:off x="2463521" y="3084845"/>
-            <a:ext cx="4138246" cy="1838848"/>
+            <a:off x="7464491" y="587829"/>
+            <a:ext cx="2752530" cy="836324"/>
           </a:xfrm>
           <a:prstGeom prst="rect">
             <a:avLst/>
           </a:prstGeom>
           <a:noFill/>
-          <a:ln w="28575">
+          <a:ln w="19050">
             <a:solidFill>
               <a:srgbClr val="FF0000"/>
             </a:solidFill>
@@ -17925,10 +18444,745 @@
           </a:p>
         </p:txBody>
       </p:sp>
+      <p:cxnSp>
+        <p:nvCxnSpPr>
+          <p:cNvPr id="8" name="Straight Arrow Connector 7">
+            <a:extLst>
+              <a:ext uri="{FF2B5EF4-FFF2-40B4-BE49-F238E27FC236}">
+                <a16:creationId xmlns:a16="http://schemas.microsoft.com/office/drawing/2014/main" id="{8E72189F-4B5A-F5B7-2B5B-7A310EA3BA27}"/>
+              </a:ext>
+            </a:extLst>
+          </p:cNvPr>
+          <p:cNvCxnSpPr>
+            <a:cxnSpLocks/>
+          </p:cNvCxnSpPr>
+          <p:nvPr/>
+        </p:nvCxnSpPr>
+        <p:spPr>
+          <a:xfrm flipV="1">
+            <a:off x="8966718" y="1458735"/>
+            <a:ext cx="0" cy="569822"/>
+          </a:xfrm>
+          <a:prstGeom prst="straightConnector1">
+            <a:avLst/>
+          </a:prstGeom>
+          <a:ln>
+            <a:solidFill>
+              <a:srgbClr val="FF0000"/>
+            </a:solidFill>
+            <a:tailEnd type="triangle"/>
+          </a:ln>
+        </p:spPr>
+        <p:style>
+          <a:lnRef idx="2">
+            <a:schemeClr val="accent1"/>
+          </a:lnRef>
+          <a:fillRef idx="0">
+            <a:schemeClr val="accent1"/>
+          </a:fillRef>
+          <a:effectRef idx="1">
+            <a:schemeClr val="accent1"/>
+          </a:effectRef>
+          <a:fontRef idx="minor">
+            <a:schemeClr val="tx1"/>
+          </a:fontRef>
+        </p:style>
+      </p:cxnSp>
+      <p:sp>
+        <p:nvSpPr>
+          <p:cNvPr id="9" name="TextBox 8">
+            <a:extLst>
+              <a:ext uri="{FF2B5EF4-FFF2-40B4-BE49-F238E27FC236}">
+                <a16:creationId xmlns:a16="http://schemas.microsoft.com/office/drawing/2014/main" id="{5B0CD7B4-5120-4264-B023-C201F05EF2C9}"/>
+              </a:ext>
+            </a:extLst>
+          </p:cNvPr>
+          <p:cNvSpPr txBox="1"/>
+          <p:nvPr/>
+        </p:nvSpPr>
+        <p:spPr>
+          <a:xfrm>
+            <a:off x="7966190" y="2045970"/>
+            <a:ext cx="2250831" cy="430887"/>
+          </a:xfrm>
+          <a:prstGeom prst="rect">
+            <a:avLst/>
+          </a:prstGeom>
+          <a:noFill/>
+        </p:spPr>
+        <p:txBody>
+          <a:bodyPr wrap="square" rtlCol="0">
+            <a:spAutoFit/>
+          </a:bodyPr>
+          <a:lstStyle/>
+          <a:p>
+            <a:r>
+              <a:rPr lang="en-US" sz="1100" b="1" dirty="0">
+                <a:solidFill>
+                  <a:schemeClr val="accent2">
+                    <a:lumMod val="75000"/>
+                  </a:schemeClr>
+                </a:solidFill>
+              </a:rPr>
+              <a:t>Report will be automated download</a:t>
+            </a:r>
+            <a:endParaRPr lang="en-SG" sz="1100" b="1" dirty="0">
+              <a:solidFill>
+                <a:schemeClr val="accent2">
+                  <a:lumMod val="75000"/>
+                </a:schemeClr>
+              </a:solidFill>
+            </a:endParaRPr>
+          </a:p>
+        </p:txBody>
+      </p:sp>
+      <p:cxnSp>
+        <p:nvCxnSpPr>
+          <p:cNvPr id="11" name="Straight Arrow Connector 10">
+            <a:extLst>
+              <a:ext uri="{FF2B5EF4-FFF2-40B4-BE49-F238E27FC236}">
+                <a16:creationId xmlns:a16="http://schemas.microsoft.com/office/drawing/2014/main" id="{D3921F51-88F1-15D1-C5A2-208F67ECBF7E}"/>
+              </a:ext>
+            </a:extLst>
+          </p:cNvPr>
+          <p:cNvCxnSpPr>
+            <a:cxnSpLocks/>
+          </p:cNvCxnSpPr>
+          <p:nvPr/>
+        </p:nvCxnSpPr>
+        <p:spPr>
+          <a:xfrm>
+            <a:off x="8186430" y="3998822"/>
+            <a:ext cx="0" cy="227573"/>
+          </a:xfrm>
+          <a:prstGeom prst="straightConnector1">
+            <a:avLst/>
+          </a:prstGeom>
+          <a:ln>
+            <a:solidFill>
+              <a:srgbClr val="FF0000"/>
+            </a:solidFill>
+            <a:tailEnd type="triangle"/>
+          </a:ln>
+        </p:spPr>
+        <p:style>
+          <a:lnRef idx="2">
+            <a:schemeClr val="accent1"/>
+          </a:lnRef>
+          <a:fillRef idx="0">
+            <a:schemeClr val="accent1"/>
+          </a:fillRef>
+          <a:effectRef idx="1">
+            <a:schemeClr val="accent1"/>
+          </a:effectRef>
+          <a:fontRef idx="minor">
+            <a:schemeClr val="tx1"/>
+          </a:fontRef>
+        </p:style>
+      </p:cxnSp>
+      <p:sp>
+        <p:nvSpPr>
+          <p:cNvPr id="13" name="TextBox 12">
+            <a:extLst>
+              <a:ext uri="{FF2B5EF4-FFF2-40B4-BE49-F238E27FC236}">
+                <a16:creationId xmlns:a16="http://schemas.microsoft.com/office/drawing/2014/main" id="{AF9CC06F-B84A-5DE4-9770-34A17871FBF9}"/>
+              </a:ext>
+            </a:extLst>
+          </p:cNvPr>
+          <p:cNvSpPr txBox="1"/>
+          <p:nvPr/>
+        </p:nvSpPr>
+        <p:spPr>
+          <a:xfrm>
+            <a:off x="7615670" y="3597253"/>
+            <a:ext cx="2250831" cy="261610"/>
+          </a:xfrm>
+          <a:prstGeom prst="rect">
+            <a:avLst/>
+          </a:prstGeom>
+          <a:noFill/>
+        </p:spPr>
+        <p:txBody>
+          <a:bodyPr wrap="square" rtlCol="0">
+            <a:spAutoFit/>
+          </a:bodyPr>
+          <a:lstStyle/>
+          <a:p>
+            <a:r>
+              <a:rPr lang="en-US" sz="1100" b="1" dirty="0">
+                <a:solidFill>
+                  <a:schemeClr val="accent2">
+                    <a:lumMod val="75000"/>
+                  </a:schemeClr>
+                </a:solidFill>
+              </a:rPr>
+              <a:t>Process progress log</a:t>
+            </a:r>
+            <a:endParaRPr lang="en-SG" sz="1100" b="1" dirty="0">
+              <a:solidFill>
+                <a:schemeClr val="accent2">
+                  <a:lumMod val="75000"/>
+                </a:schemeClr>
+              </a:solidFill>
+            </a:endParaRPr>
+          </a:p>
+        </p:txBody>
+      </p:sp>
     </p:spTree>
     <p:extLst>
       <p:ext uri="{BB962C8B-B14F-4D97-AF65-F5344CB8AC3E}">
-        <p14:creationId xmlns:p14="http://schemas.microsoft.com/office/powerpoint/2010/main" val="2162082605"/>
+        <p14:creationId xmlns:p14="http://schemas.microsoft.com/office/powerpoint/2010/main" val="2838353290"/>
+      </p:ext>
+    </p:extLst>
+  </p:cSld>
+  <p:clrMapOvr>
+    <a:masterClrMapping/>
+  </p:clrMapOvr>
+</p:sld>
+</file>
+
+<file path=ppt/slides/slide8.xml><?xml version="1.0" encoding="utf-8"?>
+<p:sld xmlns:a="http://schemas.openxmlformats.org/drawingml/2006/main" xmlns:r="http://schemas.openxmlformats.org/officeDocument/2006/relationships" xmlns:p="http://schemas.openxmlformats.org/presentationml/2006/main">
+  <p:cSld>
+    <p:spTree>
+      <p:nvGrpSpPr>
+        <p:cNvPr id="1" name=""/>
+        <p:cNvGrpSpPr/>
+        <p:nvPr/>
+      </p:nvGrpSpPr>
+      <p:grpSpPr>
+        <a:xfrm>
+          <a:off x="0" y="0"/>
+          <a:ext cx="0" cy="0"/>
+          <a:chOff x="0" y="0"/>
+          <a:chExt cx="0" cy="0"/>
+        </a:xfrm>
+      </p:grpSpPr>
+      <p:pic>
+        <p:nvPicPr>
+          <p:cNvPr id="5" name="Picture 4">
+            <a:extLst>
+              <a:ext uri="{FF2B5EF4-FFF2-40B4-BE49-F238E27FC236}">
+                <a16:creationId xmlns:a16="http://schemas.microsoft.com/office/drawing/2014/main" id="{16F7390B-2956-1B9E-F9B1-49AF459668D0}"/>
+              </a:ext>
+            </a:extLst>
+          </p:cNvPr>
+          <p:cNvPicPr>
+            <a:picLocks noChangeAspect="1"/>
+          </p:cNvPicPr>
+          <p:nvPr/>
+        </p:nvPicPr>
+        <p:blipFill>
+          <a:blip r:embed="rId2"/>
+          <a:stretch>
+            <a:fillRect/>
+          </a:stretch>
+        </p:blipFill>
+        <p:spPr>
+          <a:xfrm>
+            <a:off x="1279845" y="567806"/>
+            <a:ext cx="8495091" cy="5722387"/>
+          </a:xfrm>
+          <a:prstGeom prst="rect">
+            <a:avLst/>
+          </a:prstGeom>
+        </p:spPr>
+      </p:pic>
+      <p:sp>
+        <p:nvSpPr>
+          <p:cNvPr id="6" name="Rectangle 5">
+            <a:extLst>
+              <a:ext uri="{FF2B5EF4-FFF2-40B4-BE49-F238E27FC236}">
+                <a16:creationId xmlns:a16="http://schemas.microsoft.com/office/drawing/2014/main" id="{B58E5E21-365F-FFF4-449F-E9F33AE1029A}"/>
+              </a:ext>
+            </a:extLst>
+          </p:cNvPr>
+          <p:cNvSpPr/>
+          <p:nvPr/>
+        </p:nvSpPr>
+        <p:spPr>
+          <a:xfrm>
+            <a:off x="2836053" y="3867913"/>
+            <a:ext cx="6719423" cy="1042416"/>
+          </a:xfrm>
+          <a:prstGeom prst="rect">
+            <a:avLst/>
+          </a:prstGeom>
+          <a:noFill/>
+          <a:ln w="19050">
+            <a:solidFill>
+              <a:srgbClr val="FF0000"/>
+            </a:solidFill>
+            <a:prstDash val="sysDash"/>
+          </a:ln>
+        </p:spPr>
+        <p:style>
+          <a:lnRef idx="2">
+            <a:schemeClr val="accent1">
+              <a:shade val="15000"/>
+            </a:schemeClr>
+          </a:lnRef>
+          <a:fillRef idx="1">
+            <a:schemeClr val="accent1"/>
+          </a:fillRef>
+          <a:effectRef idx="0">
+            <a:schemeClr val="accent1"/>
+          </a:effectRef>
+          <a:fontRef idx="minor">
+            <a:schemeClr val="lt1"/>
+          </a:fontRef>
+        </p:style>
+        <p:txBody>
+          <a:bodyPr rtlCol="0" anchor="ctr"/>
+          <a:lstStyle/>
+          <a:p>
+            <a:pPr algn="ctr"/>
+            <a:endParaRPr lang="en-SG"/>
+          </a:p>
+        </p:txBody>
+      </p:sp>
+      <p:cxnSp>
+        <p:nvCxnSpPr>
+          <p:cNvPr id="7" name="Straight Arrow Connector 6">
+            <a:extLst>
+              <a:ext uri="{FF2B5EF4-FFF2-40B4-BE49-F238E27FC236}">
+                <a16:creationId xmlns:a16="http://schemas.microsoft.com/office/drawing/2014/main" id="{B7454B8B-790F-170D-84E8-1D91AAF94CF8}"/>
+              </a:ext>
+            </a:extLst>
+          </p:cNvPr>
+          <p:cNvCxnSpPr>
+            <a:cxnSpLocks/>
+          </p:cNvCxnSpPr>
+          <p:nvPr/>
+        </p:nvCxnSpPr>
+        <p:spPr>
+          <a:xfrm flipV="1">
+            <a:off x="1733154" y="2587752"/>
+            <a:ext cx="0" cy="1335024"/>
+          </a:xfrm>
+          <a:prstGeom prst="straightConnector1">
+            <a:avLst/>
+          </a:prstGeom>
+          <a:ln>
+            <a:solidFill>
+              <a:srgbClr val="FF0000"/>
+            </a:solidFill>
+            <a:tailEnd type="triangle"/>
+          </a:ln>
+        </p:spPr>
+        <p:style>
+          <a:lnRef idx="2">
+            <a:schemeClr val="accent1"/>
+          </a:lnRef>
+          <a:fillRef idx="0">
+            <a:schemeClr val="accent1"/>
+          </a:fillRef>
+          <a:effectRef idx="1">
+            <a:schemeClr val="accent1"/>
+          </a:effectRef>
+          <a:fontRef idx="minor">
+            <a:schemeClr val="tx1"/>
+          </a:fontRef>
+        </p:style>
+      </p:cxnSp>
+      <p:cxnSp>
+        <p:nvCxnSpPr>
+          <p:cNvPr id="8" name="Straight Arrow Connector 7">
+            <a:extLst>
+              <a:ext uri="{FF2B5EF4-FFF2-40B4-BE49-F238E27FC236}">
+                <a16:creationId xmlns:a16="http://schemas.microsoft.com/office/drawing/2014/main" id="{9A078EF6-DE73-1424-5AFC-6D31D742F3B9}"/>
+              </a:ext>
+            </a:extLst>
+          </p:cNvPr>
+          <p:cNvCxnSpPr>
+            <a:cxnSpLocks/>
+          </p:cNvCxnSpPr>
+          <p:nvPr/>
+        </p:nvCxnSpPr>
+        <p:spPr>
+          <a:xfrm>
+            <a:off x="1733154" y="3922776"/>
+            <a:ext cx="1102900" cy="0"/>
+          </a:xfrm>
+          <a:prstGeom prst="straightConnector1">
+            <a:avLst/>
+          </a:prstGeom>
+          <a:ln>
+            <a:solidFill>
+              <a:srgbClr val="FF0000"/>
+            </a:solidFill>
+            <a:tailEnd type="triangle"/>
+          </a:ln>
+        </p:spPr>
+        <p:style>
+          <a:lnRef idx="2">
+            <a:schemeClr val="accent1"/>
+          </a:lnRef>
+          <a:fillRef idx="0">
+            <a:schemeClr val="accent1"/>
+          </a:fillRef>
+          <a:effectRef idx="1">
+            <a:schemeClr val="accent1"/>
+          </a:effectRef>
+          <a:fontRef idx="minor">
+            <a:schemeClr val="tx1"/>
+          </a:fontRef>
+        </p:style>
+      </p:cxnSp>
+      <p:cxnSp>
+        <p:nvCxnSpPr>
+          <p:cNvPr id="9" name="Straight Arrow Connector 8">
+            <a:extLst>
+              <a:ext uri="{FF2B5EF4-FFF2-40B4-BE49-F238E27FC236}">
+                <a16:creationId xmlns:a16="http://schemas.microsoft.com/office/drawing/2014/main" id="{438B9DA2-F1DD-DFB2-FB78-8C70E7FE3CEE}"/>
+              </a:ext>
+            </a:extLst>
+          </p:cNvPr>
+          <p:cNvCxnSpPr>
+            <a:cxnSpLocks/>
+          </p:cNvCxnSpPr>
+          <p:nvPr/>
+        </p:nvCxnSpPr>
+        <p:spPr>
+          <a:xfrm>
+            <a:off x="1733154" y="3922776"/>
+            <a:ext cx="1102900" cy="1143000"/>
+          </a:xfrm>
+          <a:prstGeom prst="straightConnector1">
+            <a:avLst/>
+          </a:prstGeom>
+          <a:ln>
+            <a:solidFill>
+              <a:srgbClr val="FF0000"/>
+            </a:solidFill>
+            <a:tailEnd type="triangle"/>
+          </a:ln>
+        </p:spPr>
+        <p:style>
+          <a:lnRef idx="2">
+            <a:schemeClr val="accent1"/>
+          </a:lnRef>
+          <a:fillRef idx="0">
+            <a:schemeClr val="accent1"/>
+          </a:fillRef>
+          <a:effectRef idx="1">
+            <a:schemeClr val="accent1"/>
+          </a:effectRef>
+          <a:fontRef idx="minor">
+            <a:schemeClr val="tx1"/>
+          </a:fontRef>
+        </p:style>
+      </p:cxnSp>
+    </p:spTree>
+    <p:extLst>
+      <p:ext uri="{BB962C8B-B14F-4D97-AF65-F5344CB8AC3E}">
+        <p14:creationId xmlns:p14="http://schemas.microsoft.com/office/powerpoint/2010/main" val="3126101124"/>
+      </p:ext>
+    </p:extLst>
+  </p:cSld>
+  <p:clrMapOvr>
+    <a:masterClrMapping/>
+  </p:clrMapOvr>
+</p:sld>
+</file>
+
+<file path=ppt/slides/slide9.xml><?xml version="1.0" encoding="utf-8"?>
+<p:sld xmlns:a="http://schemas.openxmlformats.org/drawingml/2006/main" xmlns:r="http://schemas.openxmlformats.org/officeDocument/2006/relationships" xmlns:p="http://schemas.openxmlformats.org/presentationml/2006/main">
+  <p:cSld>
+    <p:spTree>
+      <p:nvGrpSpPr>
+        <p:cNvPr id="1" name=""/>
+        <p:cNvGrpSpPr/>
+        <p:nvPr/>
+      </p:nvGrpSpPr>
+      <p:grpSpPr>
+        <a:xfrm>
+          <a:off x="0" y="0"/>
+          <a:ext cx="0" cy="0"/>
+          <a:chOff x="0" y="0"/>
+          <a:chExt cx="0" cy="0"/>
+        </a:xfrm>
+      </p:grpSpPr>
+      <p:pic>
+        <p:nvPicPr>
+          <p:cNvPr id="5" name="Picture 4">
+            <a:extLst>
+              <a:ext uri="{FF2B5EF4-FFF2-40B4-BE49-F238E27FC236}">
+                <a16:creationId xmlns:a16="http://schemas.microsoft.com/office/drawing/2014/main" id="{65312D75-B2E7-EF72-495F-8FBC2E1233F9}"/>
+              </a:ext>
+            </a:extLst>
+          </p:cNvPr>
+          <p:cNvPicPr>
+            <a:picLocks noChangeAspect="1"/>
+          </p:cNvPicPr>
+          <p:nvPr/>
+        </p:nvPicPr>
+        <p:blipFill>
+          <a:blip r:embed="rId2"/>
+          <a:stretch>
+            <a:fillRect/>
+          </a:stretch>
+        </p:blipFill>
+        <p:spPr>
+          <a:xfrm>
+            <a:off x="990728" y="386884"/>
+            <a:ext cx="8875773" cy="5929484"/>
+          </a:xfrm>
+          <a:prstGeom prst="rect">
+            <a:avLst/>
+          </a:prstGeom>
+        </p:spPr>
+      </p:pic>
+      <p:sp>
+        <p:nvSpPr>
+          <p:cNvPr id="7" name="Rectangle 6">
+            <a:extLst>
+              <a:ext uri="{FF2B5EF4-FFF2-40B4-BE49-F238E27FC236}">
+                <a16:creationId xmlns:a16="http://schemas.microsoft.com/office/drawing/2014/main" id="{3CA7A5BA-2A3F-A188-1DF9-4659636E5772}"/>
+              </a:ext>
+            </a:extLst>
+          </p:cNvPr>
+          <p:cNvSpPr/>
+          <p:nvPr/>
+        </p:nvSpPr>
+        <p:spPr>
+          <a:xfrm>
+            <a:off x="2364529" y="4135943"/>
+            <a:ext cx="7410408" cy="1862637"/>
+          </a:xfrm>
+          <a:prstGeom prst="rect">
+            <a:avLst/>
+          </a:prstGeom>
+          <a:noFill/>
+          <a:ln w="19050">
+            <a:solidFill>
+              <a:srgbClr val="FF0000"/>
+            </a:solidFill>
+            <a:prstDash val="sysDash"/>
+          </a:ln>
+        </p:spPr>
+        <p:style>
+          <a:lnRef idx="2">
+            <a:schemeClr val="accent1">
+              <a:shade val="15000"/>
+            </a:schemeClr>
+          </a:lnRef>
+          <a:fillRef idx="1">
+            <a:schemeClr val="accent1"/>
+          </a:fillRef>
+          <a:effectRef idx="0">
+            <a:schemeClr val="accent1"/>
+          </a:effectRef>
+          <a:fontRef idx="minor">
+            <a:schemeClr val="lt1"/>
+          </a:fontRef>
+        </p:style>
+        <p:txBody>
+          <a:bodyPr rtlCol="0" anchor="ctr"/>
+          <a:lstStyle/>
+          <a:p>
+            <a:pPr algn="ctr"/>
+            <a:endParaRPr lang="en-SG"/>
+          </a:p>
+        </p:txBody>
+      </p:sp>
+      <p:sp>
+        <p:nvSpPr>
+          <p:cNvPr id="8" name="Rectangle 7">
+            <a:extLst>
+              <a:ext uri="{FF2B5EF4-FFF2-40B4-BE49-F238E27FC236}">
+                <a16:creationId xmlns:a16="http://schemas.microsoft.com/office/drawing/2014/main" id="{EC0CFA04-2622-242B-FC3F-DCCF63335E22}"/>
+              </a:ext>
+            </a:extLst>
+          </p:cNvPr>
+          <p:cNvSpPr/>
+          <p:nvPr/>
+        </p:nvSpPr>
+        <p:spPr>
+          <a:xfrm>
+            <a:off x="7113971" y="859420"/>
+            <a:ext cx="2752530" cy="836324"/>
+          </a:xfrm>
+          <a:prstGeom prst="rect">
+            <a:avLst/>
+          </a:prstGeom>
+          <a:noFill/>
+          <a:ln w="19050">
+            <a:solidFill>
+              <a:srgbClr val="FF0000"/>
+            </a:solidFill>
+            <a:prstDash val="sysDash"/>
+          </a:ln>
+        </p:spPr>
+        <p:style>
+          <a:lnRef idx="2">
+            <a:schemeClr val="accent1">
+              <a:shade val="15000"/>
+            </a:schemeClr>
+          </a:lnRef>
+          <a:fillRef idx="1">
+            <a:schemeClr val="accent1"/>
+          </a:fillRef>
+          <a:effectRef idx="0">
+            <a:schemeClr val="accent1"/>
+          </a:effectRef>
+          <a:fontRef idx="minor">
+            <a:schemeClr val="lt1"/>
+          </a:fontRef>
+        </p:style>
+        <p:txBody>
+          <a:bodyPr rtlCol="0" anchor="ctr"/>
+          <a:lstStyle/>
+          <a:p>
+            <a:pPr algn="ctr"/>
+            <a:endParaRPr lang="en-SG"/>
+          </a:p>
+        </p:txBody>
+      </p:sp>
+      <p:cxnSp>
+        <p:nvCxnSpPr>
+          <p:cNvPr id="9" name="Straight Arrow Connector 8">
+            <a:extLst>
+              <a:ext uri="{FF2B5EF4-FFF2-40B4-BE49-F238E27FC236}">
+                <a16:creationId xmlns:a16="http://schemas.microsoft.com/office/drawing/2014/main" id="{9EE65FFA-3F4B-6066-E206-83095B1F30B9}"/>
+              </a:ext>
+            </a:extLst>
+          </p:cNvPr>
+          <p:cNvCxnSpPr>
+            <a:cxnSpLocks/>
+          </p:cNvCxnSpPr>
+          <p:nvPr/>
+        </p:nvCxnSpPr>
+        <p:spPr>
+          <a:xfrm>
+            <a:off x="6600085" y="1003262"/>
+            <a:ext cx="894449" cy="343459"/>
+          </a:xfrm>
+          <a:prstGeom prst="straightConnector1">
+            <a:avLst/>
+          </a:prstGeom>
+          <a:ln>
+            <a:solidFill>
+              <a:srgbClr val="FF0000"/>
+            </a:solidFill>
+            <a:tailEnd type="triangle"/>
+          </a:ln>
+        </p:spPr>
+        <p:style>
+          <a:lnRef idx="2">
+            <a:schemeClr val="accent1"/>
+          </a:lnRef>
+          <a:fillRef idx="0">
+            <a:schemeClr val="accent1"/>
+          </a:fillRef>
+          <a:effectRef idx="1">
+            <a:schemeClr val="accent1"/>
+          </a:effectRef>
+          <a:fontRef idx="minor">
+            <a:schemeClr val="tx1"/>
+          </a:fontRef>
+        </p:style>
+      </p:cxnSp>
+      <p:sp>
+        <p:nvSpPr>
+          <p:cNvPr id="10" name="TextBox 9">
+            <a:extLst>
+              <a:ext uri="{FF2B5EF4-FFF2-40B4-BE49-F238E27FC236}">
+                <a16:creationId xmlns:a16="http://schemas.microsoft.com/office/drawing/2014/main" id="{268F123E-9F55-9F96-0529-EA48EC491AD1}"/>
+              </a:ext>
+            </a:extLst>
+          </p:cNvPr>
+          <p:cNvSpPr txBox="1"/>
+          <p:nvPr/>
+        </p:nvSpPr>
+        <p:spPr>
+          <a:xfrm>
+            <a:off x="5591916" y="643976"/>
+            <a:ext cx="2250831" cy="430887"/>
+          </a:xfrm>
+          <a:prstGeom prst="rect">
+            <a:avLst/>
+          </a:prstGeom>
+          <a:noFill/>
+        </p:spPr>
+        <p:txBody>
+          <a:bodyPr wrap="square" rtlCol="0">
+            <a:spAutoFit/>
+          </a:bodyPr>
+          <a:lstStyle/>
+          <a:p>
+            <a:r>
+              <a:rPr lang="en-US" sz="1100" b="1" dirty="0">
+                <a:solidFill>
+                  <a:schemeClr val="accent2">
+                    <a:lumMod val="75000"/>
+                  </a:schemeClr>
+                </a:solidFill>
+              </a:rPr>
+              <a:t>Report will be automated download</a:t>
+            </a:r>
+            <a:endParaRPr lang="en-SG" sz="1100" b="1" dirty="0">
+              <a:solidFill>
+                <a:schemeClr val="accent2">
+                  <a:lumMod val="75000"/>
+                </a:schemeClr>
+              </a:solidFill>
+            </a:endParaRPr>
+          </a:p>
+        </p:txBody>
+      </p:sp>
+      <p:sp>
+        <p:nvSpPr>
+          <p:cNvPr id="11" name="TextBox 10">
+            <a:extLst>
+              <a:ext uri="{FF2B5EF4-FFF2-40B4-BE49-F238E27FC236}">
+                <a16:creationId xmlns:a16="http://schemas.microsoft.com/office/drawing/2014/main" id="{38D78F79-35F2-0913-BBAB-5872F90B11CA}"/>
+              </a:ext>
+            </a:extLst>
+          </p:cNvPr>
+          <p:cNvSpPr txBox="1"/>
+          <p:nvPr/>
+        </p:nvSpPr>
+        <p:spPr>
+          <a:xfrm>
+            <a:off x="7966189" y="4786251"/>
+            <a:ext cx="2250831" cy="261610"/>
+          </a:xfrm>
+          <a:prstGeom prst="rect">
+            <a:avLst/>
+          </a:prstGeom>
+          <a:noFill/>
+        </p:spPr>
+        <p:txBody>
+          <a:bodyPr wrap="square" rtlCol="0">
+            <a:spAutoFit/>
+          </a:bodyPr>
+          <a:lstStyle/>
+          <a:p>
+            <a:r>
+              <a:rPr lang="en-US" sz="1100" b="1" dirty="0">
+                <a:solidFill>
+                  <a:schemeClr val="accent2">
+                    <a:lumMod val="75000"/>
+                  </a:schemeClr>
+                </a:solidFill>
+              </a:rPr>
+              <a:t>Process progress log</a:t>
+            </a:r>
+            <a:endParaRPr lang="en-SG" sz="1100" b="1" dirty="0">
+              <a:solidFill>
+                <a:schemeClr val="accent2">
+                  <a:lumMod val="75000"/>
+                </a:schemeClr>
+              </a:solidFill>
+            </a:endParaRPr>
+          </a:p>
+        </p:txBody>
+      </p:sp>
+    </p:spTree>
+    <p:extLst>
+      <p:ext uri="{BB962C8B-B14F-4D97-AF65-F5344CB8AC3E}">
+        <p14:creationId xmlns:p14="http://schemas.microsoft.com/office/powerpoint/2010/main" val="1955388286"/>
       </p:ext>
     </p:extLst>
   </p:cSld>
